--- a/color-scheme-ideas.pptx
+++ b/color-scheme-ideas.pptx
@@ -10,6 +10,10 @@
     <p:sldId id="258" r:id="rId4"/>
     <p:sldId id="259" r:id="rId5"/>
     <p:sldId id="260" r:id="rId6"/>
+    <p:sldId id="262" r:id="rId7"/>
+    <p:sldId id="263" r:id="rId8"/>
+    <p:sldId id="261" r:id="rId9"/>
+    <p:sldId id="264" r:id="rId10"/>
   </p:sldIdLst>
   <p:sldSz cx="12192000" cy="6858000"/>
   <p:notesSz cx="6858000" cy="9144000"/>
@@ -108,6 +112,22 @@
       </a:defRPr>
     </a:lvl9pPr>
   </p:defaultTextStyle>
+  <p:extLst>
+    <p:ext uri="{EFAFB233-063F-42B5-8137-9DF3F51BA10A}">
+      <p15:sldGuideLst xmlns:p15="http://schemas.microsoft.com/office/powerpoint/2012/main">
+        <p15:guide id="1" orient="horz" pos="2160" userDrawn="1">
+          <p15:clr>
+            <a:srgbClr val="A4A3A4"/>
+          </p15:clr>
+        </p15:guide>
+        <p15:guide id="2" pos="3840" userDrawn="1">
+          <p15:clr>
+            <a:srgbClr val="A4A3A4"/>
+          </p15:clr>
+        </p15:guide>
+      </p15:sldGuideLst>
+    </p:ext>
+  </p:extLst>
 </p:presentation>
 </file>
 
@@ -258,7 +278,7 @@
           <a:p>
             <a:fld id="{D79FF8F7-FA96-47A2-AFE8-59AB881B656F}" type="datetimeFigureOut">
               <a:rPr lang="en-US" smtClean="0"/>
-              <a:t>9/4/2020</a:t>
+              <a:t>9/5/2020</a:t>
             </a:fld>
             <a:endParaRPr lang="en-US"/>
           </a:p>
@@ -456,7 +476,7 @@
           <a:p>
             <a:fld id="{D79FF8F7-FA96-47A2-AFE8-59AB881B656F}" type="datetimeFigureOut">
               <a:rPr lang="en-US" smtClean="0"/>
-              <a:t>9/4/2020</a:t>
+              <a:t>9/5/2020</a:t>
             </a:fld>
             <a:endParaRPr lang="en-US"/>
           </a:p>
@@ -664,7 +684,7 @@
           <a:p>
             <a:fld id="{D79FF8F7-FA96-47A2-AFE8-59AB881B656F}" type="datetimeFigureOut">
               <a:rPr lang="en-US" smtClean="0"/>
-              <a:t>9/4/2020</a:t>
+              <a:t>9/5/2020</a:t>
             </a:fld>
             <a:endParaRPr lang="en-US"/>
           </a:p>
@@ -862,7 +882,7 @@
           <a:p>
             <a:fld id="{D79FF8F7-FA96-47A2-AFE8-59AB881B656F}" type="datetimeFigureOut">
               <a:rPr lang="en-US" smtClean="0"/>
-              <a:t>9/4/2020</a:t>
+              <a:t>9/5/2020</a:t>
             </a:fld>
             <a:endParaRPr lang="en-US"/>
           </a:p>
@@ -1137,7 +1157,7 @@
           <a:p>
             <a:fld id="{D79FF8F7-FA96-47A2-AFE8-59AB881B656F}" type="datetimeFigureOut">
               <a:rPr lang="en-US" smtClean="0"/>
-              <a:t>9/4/2020</a:t>
+              <a:t>9/5/2020</a:t>
             </a:fld>
             <a:endParaRPr lang="en-US"/>
           </a:p>
@@ -1402,7 +1422,7 @@
           <a:p>
             <a:fld id="{D79FF8F7-FA96-47A2-AFE8-59AB881B656F}" type="datetimeFigureOut">
               <a:rPr lang="en-US" smtClean="0"/>
-              <a:t>9/4/2020</a:t>
+              <a:t>9/5/2020</a:t>
             </a:fld>
             <a:endParaRPr lang="en-US"/>
           </a:p>
@@ -1814,7 +1834,7 @@
           <a:p>
             <a:fld id="{D79FF8F7-FA96-47A2-AFE8-59AB881B656F}" type="datetimeFigureOut">
               <a:rPr lang="en-US" smtClean="0"/>
-              <a:t>9/4/2020</a:t>
+              <a:t>9/5/2020</a:t>
             </a:fld>
             <a:endParaRPr lang="en-US"/>
           </a:p>
@@ -1955,7 +1975,7 @@
           <a:p>
             <a:fld id="{D79FF8F7-FA96-47A2-AFE8-59AB881B656F}" type="datetimeFigureOut">
               <a:rPr lang="en-US" smtClean="0"/>
-              <a:t>9/4/2020</a:t>
+              <a:t>9/5/2020</a:t>
             </a:fld>
             <a:endParaRPr lang="en-US"/>
           </a:p>
@@ -2068,7 +2088,7 @@
           <a:p>
             <a:fld id="{D79FF8F7-FA96-47A2-AFE8-59AB881B656F}" type="datetimeFigureOut">
               <a:rPr lang="en-US" smtClean="0"/>
-              <a:t>9/4/2020</a:t>
+              <a:t>9/5/2020</a:t>
             </a:fld>
             <a:endParaRPr lang="en-US"/>
           </a:p>
@@ -2379,7 +2399,7 @@
           <a:p>
             <a:fld id="{D79FF8F7-FA96-47A2-AFE8-59AB881B656F}" type="datetimeFigureOut">
               <a:rPr lang="en-US" smtClean="0"/>
-              <a:t>9/4/2020</a:t>
+              <a:t>9/5/2020</a:t>
             </a:fld>
             <a:endParaRPr lang="en-US"/>
           </a:p>
@@ -2667,7 +2687,7 @@
           <a:p>
             <a:fld id="{D79FF8F7-FA96-47A2-AFE8-59AB881B656F}" type="datetimeFigureOut">
               <a:rPr lang="en-US" smtClean="0"/>
-              <a:t>9/4/2020</a:t>
+              <a:t>9/5/2020</a:t>
             </a:fld>
             <a:endParaRPr lang="en-US"/>
           </a:p>
@@ -2908,7 +2928,7 @@
           <a:p>
             <a:fld id="{D79FF8F7-FA96-47A2-AFE8-59AB881B656F}" type="datetimeFigureOut">
               <a:rPr lang="en-US" smtClean="0"/>
-              <a:t>9/4/2020</a:t>
+              <a:t>9/5/2020</a:t>
             </a:fld>
             <a:endParaRPr lang="en-US"/>
           </a:p>
@@ -4478,6 +4498,124 @@
                 </a:solidFill>
               </a:rPr>
               <a:t>#282D33</a:t>
+            </a:r>
+          </a:p>
+        </p:txBody>
+      </p:sp>
+      <p:sp>
+        <p:nvSpPr>
+          <p:cNvPr id="5" name="Rectangle 4">
+            <a:extLst>
+              <a:ext uri="{FF2B5EF4-FFF2-40B4-BE49-F238E27FC236}">
+                <a16:creationId xmlns:a16="http://schemas.microsoft.com/office/drawing/2014/main" id="{5106F33A-C8BB-438F-9DDE-0D8A6164C6F5}"/>
+              </a:ext>
+            </a:extLst>
+          </p:cNvPr>
+          <p:cNvSpPr/>
+          <p:nvPr/>
+        </p:nvSpPr>
+        <p:spPr>
+          <a:xfrm>
+            <a:off x="10040090" y="4439088"/>
+            <a:ext cx="1097280" cy="457200"/>
+          </a:xfrm>
+          <a:prstGeom prst="rect">
+            <a:avLst/>
+          </a:prstGeom>
+          <a:solidFill>
+            <a:srgbClr val="EA9F40"/>
+          </a:solidFill>
+          <a:ln>
+            <a:noFill/>
+          </a:ln>
+        </p:spPr>
+        <p:style>
+          <a:lnRef idx="2">
+            <a:schemeClr val="accent1">
+              <a:shade val="50000"/>
+            </a:schemeClr>
+          </a:lnRef>
+          <a:fillRef idx="1">
+            <a:schemeClr val="accent1"/>
+          </a:fillRef>
+          <a:effectRef idx="0">
+            <a:schemeClr val="accent1"/>
+          </a:effectRef>
+          <a:fontRef idx="minor">
+            <a:schemeClr val="lt1"/>
+          </a:fontRef>
+        </p:style>
+        <p:txBody>
+          <a:bodyPr rtlCol="0" anchor="ctr"/>
+          <a:lstStyle/>
+          <a:p>
+            <a:pPr algn="ctr"/>
+            <a:r>
+              <a:rPr lang="en-US" sz="1400" dirty="0">
+                <a:solidFill>
+                  <a:schemeClr val="tx1"/>
+                </a:solidFill>
+              </a:rPr>
+              <a:t>#EA9F40</a:t>
+            </a:r>
+          </a:p>
+        </p:txBody>
+      </p:sp>
+      <p:sp>
+        <p:nvSpPr>
+          <p:cNvPr id="6" name="Rectangle 5">
+            <a:extLst>
+              <a:ext uri="{FF2B5EF4-FFF2-40B4-BE49-F238E27FC236}">
+                <a16:creationId xmlns:a16="http://schemas.microsoft.com/office/drawing/2014/main" id="{302802A7-1DB2-408C-A32B-B60C34AFAF2B}"/>
+              </a:ext>
+            </a:extLst>
+          </p:cNvPr>
+          <p:cNvSpPr/>
+          <p:nvPr/>
+        </p:nvSpPr>
+        <p:spPr>
+          <a:xfrm>
+            <a:off x="10040090" y="4896288"/>
+            <a:ext cx="1097280" cy="457200"/>
+          </a:xfrm>
+          <a:prstGeom prst="rect">
+            <a:avLst/>
+          </a:prstGeom>
+          <a:solidFill>
+            <a:srgbClr val="FBC043"/>
+          </a:solidFill>
+          <a:ln>
+            <a:noFill/>
+          </a:ln>
+        </p:spPr>
+        <p:style>
+          <a:lnRef idx="2">
+            <a:schemeClr val="accent1">
+              <a:shade val="50000"/>
+            </a:schemeClr>
+          </a:lnRef>
+          <a:fillRef idx="1">
+            <a:schemeClr val="accent1"/>
+          </a:fillRef>
+          <a:effectRef idx="0">
+            <a:schemeClr val="accent1"/>
+          </a:effectRef>
+          <a:fontRef idx="minor">
+            <a:schemeClr val="lt1"/>
+          </a:fontRef>
+        </p:style>
+        <p:txBody>
+          <a:bodyPr rtlCol="0" anchor="ctr"/>
+          <a:lstStyle/>
+          <a:p>
+            <a:pPr algn="ctr"/>
+            <a:r>
+              <a:rPr lang="en-US" sz="1400" dirty="0">
+                <a:solidFill>
+                  <a:schemeClr val="tx1"/>
+                </a:solidFill>
+              </a:rPr>
+              <a:t>#fbc043</a:t>
             </a:r>
           </a:p>
         </p:txBody>
@@ -4621,8 +4759,8 @@
         </p:nvSpPr>
         <p:spPr>
           <a:xfrm>
-            <a:off x="113396" y="3981262"/>
-            <a:ext cx="914400" cy="914400"/>
+            <a:off x="95654" y="3084982"/>
+            <a:ext cx="914400" cy="457200"/>
           </a:xfrm>
           <a:prstGeom prst="rect">
             <a:avLst/>
@@ -4681,7 +4819,7 @@
         <p:spPr>
           <a:xfrm>
             <a:off x="113396" y="1099029"/>
-            <a:ext cx="914400" cy="914400"/>
+            <a:ext cx="914400" cy="457200"/>
           </a:xfrm>
           <a:prstGeom prst="rect">
             <a:avLst/>
@@ -4975,8 +5113,8 @@
         </p:nvSpPr>
         <p:spPr>
           <a:xfrm>
-            <a:off x="1252967" y="3927314"/>
-            <a:ext cx="914400" cy="914400"/>
+            <a:off x="1252967" y="2151432"/>
+            <a:ext cx="914400" cy="457200"/>
           </a:xfrm>
           <a:prstGeom prst="rect">
             <a:avLst/>
@@ -5034,8 +5172,8 @@
         </p:nvSpPr>
         <p:spPr>
           <a:xfrm>
-            <a:off x="1252967" y="4874243"/>
-            <a:ext cx="914400" cy="914400"/>
+            <a:off x="1232312" y="2645906"/>
+            <a:ext cx="914400" cy="457200"/>
           </a:xfrm>
           <a:prstGeom prst="rect">
             <a:avLst/>
@@ -5093,8 +5231,8 @@
         </p:nvSpPr>
         <p:spPr>
           <a:xfrm>
-            <a:off x="1252967" y="5838342"/>
-            <a:ext cx="914400" cy="914400"/>
+            <a:off x="1232312" y="4311961"/>
+            <a:ext cx="914400" cy="457200"/>
           </a:xfrm>
           <a:prstGeom prst="rect">
             <a:avLst/>
@@ -5152,8 +5290,8 @@
         </p:nvSpPr>
         <p:spPr>
           <a:xfrm>
-            <a:off x="1260389" y="2971800"/>
-            <a:ext cx="914400" cy="914400"/>
+            <a:off x="1279111" y="1644533"/>
+            <a:ext cx="914400" cy="457200"/>
           </a:xfrm>
           <a:prstGeom prst="rect">
             <a:avLst/>
@@ -5211,8 +5349,8 @@
         </p:nvSpPr>
         <p:spPr>
           <a:xfrm>
-            <a:off x="113396" y="5889953"/>
-            <a:ext cx="914400" cy="914400"/>
+            <a:off x="1279111" y="664170"/>
+            <a:ext cx="914400" cy="457200"/>
           </a:xfrm>
           <a:prstGeom prst="rect">
             <a:avLst/>
@@ -5270,8 +5408,8 @@
         </p:nvSpPr>
         <p:spPr>
           <a:xfrm>
-            <a:off x="113396" y="4943683"/>
-            <a:ext cx="914400" cy="914400"/>
+            <a:off x="95654" y="4540561"/>
+            <a:ext cx="914400" cy="457200"/>
           </a:xfrm>
           <a:prstGeom prst="rect">
             <a:avLst/>
@@ -5329,8 +5467,8 @@
         </p:nvSpPr>
         <p:spPr>
           <a:xfrm>
-            <a:off x="113396" y="3023411"/>
-            <a:ext cx="914400" cy="914400"/>
+            <a:off x="95654" y="2594060"/>
+            <a:ext cx="914400" cy="457200"/>
           </a:xfrm>
           <a:prstGeom prst="rect">
             <a:avLst/>
@@ -5388,8 +5526,8 @@
         </p:nvSpPr>
         <p:spPr>
           <a:xfrm>
-            <a:off x="125165" y="2075097"/>
-            <a:ext cx="914400" cy="914400"/>
+            <a:off x="95654" y="1631640"/>
+            <a:ext cx="914400" cy="457200"/>
           </a:xfrm>
           <a:prstGeom prst="rect">
             <a:avLst/>
@@ -5448,7 +5586,7 @@
         <p:spPr>
           <a:xfrm>
             <a:off x="113396" y="123465"/>
-            <a:ext cx="914400" cy="914400"/>
+            <a:ext cx="914400" cy="457200"/>
           </a:xfrm>
           <a:prstGeom prst="rect">
             <a:avLst/>
@@ -6078,6 +6216,478 @@
                 </a:solidFill>
               </a:rPr>
               <a:t>#0F363F</a:t>
+            </a:r>
+          </a:p>
+        </p:txBody>
+      </p:sp>
+      <p:sp>
+        <p:nvSpPr>
+          <p:cNvPr id="3" name="Rectangle 2">
+            <a:extLst>
+              <a:ext uri="{FF2B5EF4-FFF2-40B4-BE49-F238E27FC236}">
+                <a16:creationId xmlns:a16="http://schemas.microsoft.com/office/drawing/2014/main" id="{53B3EA96-17FD-4232-AB08-444F0D4ED08D}"/>
+              </a:ext>
+            </a:extLst>
+          </p:cNvPr>
+          <p:cNvSpPr/>
+          <p:nvPr/>
+        </p:nvSpPr>
+        <p:spPr>
+          <a:xfrm>
+            <a:off x="1232312" y="4793831"/>
+            <a:ext cx="914400" cy="457200"/>
+          </a:xfrm>
+          <a:prstGeom prst="rect">
+            <a:avLst/>
+          </a:prstGeom>
+          <a:solidFill>
+            <a:srgbClr val="F5FCFC"/>
+          </a:solidFill>
+          <a:ln>
+            <a:noFill/>
+          </a:ln>
+        </p:spPr>
+        <p:style>
+          <a:lnRef idx="2">
+            <a:schemeClr val="accent1">
+              <a:shade val="50000"/>
+            </a:schemeClr>
+          </a:lnRef>
+          <a:fillRef idx="1">
+            <a:schemeClr val="accent1"/>
+          </a:fillRef>
+          <a:effectRef idx="0">
+            <a:schemeClr val="accent1"/>
+          </a:effectRef>
+          <a:fontRef idx="minor">
+            <a:schemeClr val="lt1"/>
+          </a:fontRef>
+        </p:style>
+        <p:txBody>
+          <a:bodyPr rtlCol="0" anchor="ctr"/>
+          <a:lstStyle/>
+          <a:p>
+            <a:pPr algn="ctr"/>
+            <a:r>
+              <a:rPr lang="en-US" sz="1400" dirty="0">
+                <a:solidFill>
+                  <a:schemeClr val="tx1"/>
+                </a:solidFill>
+              </a:rPr>
+              <a:t>#F5FCFC</a:t>
+            </a:r>
+          </a:p>
+        </p:txBody>
+      </p:sp>
+      <p:sp>
+        <p:nvSpPr>
+          <p:cNvPr id="4" name="Rectangle 3">
+            <a:extLst>
+              <a:ext uri="{FF2B5EF4-FFF2-40B4-BE49-F238E27FC236}">
+                <a16:creationId xmlns:a16="http://schemas.microsoft.com/office/drawing/2014/main" id="{3D1D1847-5D7F-425A-AE2F-CA2002E1C6CB}"/>
+              </a:ext>
+            </a:extLst>
+          </p:cNvPr>
+          <p:cNvSpPr/>
+          <p:nvPr/>
+        </p:nvSpPr>
+        <p:spPr>
+          <a:xfrm>
+            <a:off x="1232312" y="3134089"/>
+            <a:ext cx="914400" cy="457200"/>
+          </a:xfrm>
+          <a:prstGeom prst="rect">
+            <a:avLst/>
+          </a:prstGeom>
+          <a:solidFill>
+            <a:srgbClr val="A1A5A9"/>
+          </a:solidFill>
+          <a:ln>
+            <a:noFill/>
+          </a:ln>
+        </p:spPr>
+        <p:style>
+          <a:lnRef idx="2">
+            <a:schemeClr val="accent1">
+              <a:shade val="50000"/>
+            </a:schemeClr>
+          </a:lnRef>
+          <a:fillRef idx="1">
+            <a:schemeClr val="accent1"/>
+          </a:fillRef>
+          <a:effectRef idx="0">
+            <a:schemeClr val="accent1"/>
+          </a:effectRef>
+          <a:fontRef idx="minor">
+            <a:schemeClr val="lt1"/>
+          </a:fontRef>
+        </p:style>
+        <p:txBody>
+          <a:bodyPr rtlCol="0" anchor="ctr"/>
+          <a:lstStyle/>
+          <a:p>
+            <a:pPr algn="ctr"/>
+            <a:r>
+              <a:rPr lang="en-US" sz="1400" dirty="0">
+                <a:solidFill>
+                  <a:schemeClr val="tx1"/>
+                </a:solidFill>
+              </a:rPr>
+              <a:t>#A1A5A9</a:t>
+            </a:r>
+          </a:p>
+        </p:txBody>
+      </p:sp>
+      <p:sp>
+        <p:nvSpPr>
+          <p:cNvPr id="5" name="Rectangle 4">
+            <a:extLst>
+              <a:ext uri="{FF2B5EF4-FFF2-40B4-BE49-F238E27FC236}">
+                <a16:creationId xmlns:a16="http://schemas.microsoft.com/office/drawing/2014/main" id="{C2F642BE-F3EE-46E0-8950-793C3F500B90}"/>
+              </a:ext>
+            </a:extLst>
+          </p:cNvPr>
+          <p:cNvSpPr/>
+          <p:nvPr/>
+        </p:nvSpPr>
+        <p:spPr>
+          <a:xfrm>
+            <a:off x="1269366" y="1137634"/>
+            <a:ext cx="914400" cy="457200"/>
+          </a:xfrm>
+          <a:prstGeom prst="rect">
+            <a:avLst/>
+          </a:prstGeom>
+          <a:solidFill>
+            <a:srgbClr val="949A9D"/>
+          </a:solidFill>
+          <a:ln>
+            <a:noFill/>
+          </a:ln>
+        </p:spPr>
+        <p:style>
+          <a:lnRef idx="2">
+            <a:schemeClr val="accent1">
+              <a:shade val="50000"/>
+            </a:schemeClr>
+          </a:lnRef>
+          <a:fillRef idx="1">
+            <a:schemeClr val="accent1"/>
+          </a:fillRef>
+          <a:effectRef idx="0">
+            <a:schemeClr val="accent1"/>
+          </a:effectRef>
+          <a:fontRef idx="minor">
+            <a:schemeClr val="lt1"/>
+          </a:fontRef>
+        </p:style>
+        <p:txBody>
+          <a:bodyPr rtlCol="0" anchor="ctr"/>
+          <a:lstStyle/>
+          <a:p>
+            <a:pPr algn="ctr"/>
+            <a:r>
+              <a:rPr lang="en-US" sz="1400" dirty="0">
+                <a:solidFill>
+                  <a:schemeClr val="tx1"/>
+                </a:solidFill>
+              </a:rPr>
+              <a:t>#949A9D</a:t>
+            </a:r>
+          </a:p>
+        </p:txBody>
+      </p:sp>
+      <p:sp>
+        <p:nvSpPr>
+          <p:cNvPr id="6" name="Rectangle 5">
+            <a:extLst>
+              <a:ext uri="{FF2B5EF4-FFF2-40B4-BE49-F238E27FC236}">
+                <a16:creationId xmlns:a16="http://schemas.microsoft.com/office/drawing/2014/main" id="{4B719E5E-4869-4FA7-8321-D05817E1E7C2}"/>
+              </a:ext>
+            </a:extLst>
+          </p:cNvPr>
+          <p:cNvSpPr/>
+          <p:nvPr/>
+        </p:nvSpPr>
+        <p:spPr>
+          <a:xfrm>
+            <a:off x="105357" y="5022431"/>
+            <a:ext cx="914400" cy="457200"/>
+          </a:xfrm>
+          <a:prstGeom prst="rect">
+            <a:avLst/>
+          </a:prstGeom>
+          <a:solidFill>
+            <a:srgbClr val="888F92"/>
+          </a:solidFill>
+          <a:ln>
+            <a:noFill/>
+          </a:ln>
+        </p:spPr>
+        <p:style>
+          <a:lnRef idx="2">
+            <a:schemeClr val="accent1">
+              <a:shade val="50000"/>
+            </a:schemeClr>
+          </a:lnRef>
+          <a:fillRef idx="1">
+            <a:schemeClr val="accent1"/>
+          </a:fillRef>
+          <a:effectRef idx="0">
+            <a:schemeClr val="accent1"/>
+          </a:effectRef>
+          <a:fontRef idx="minor">
+            <a:schemeClr val="lt1"/>
+          </a:fontRef>
+        </p:style>
+        <p:txBody>
+          <a:bodyPr rtlCol="0" anchor="ctr"/>
+          <a:lstStyle/>
+          <a:p>
+            <a:pPr algn="ctr"/>
+            <a:r>
+              <a:rPr lang="en-US" sz="1400" dirty="0">
+                <a:solidFill>
+                  <a:schemeClr val="tx1"/>
+                </a:solidFill>
+              </a:rPr>
+              <a:t>#888F92</a:t>
+            </a:r>
+          </a:p>
+        </p:txBody>
+      </p:sp>
+      <p:sp>
+        <p:nvSpPr>
+          <p:cNvPr id="8" name="Rectangle 7">
+            <a:extLst>
+              <a:ext uri="{FF2B5EF4-FFF2-40B4-BE49-F238E27FC236}">
+                <a16:creationId xmlns:a16="http://schemas.microsoft.com/office/drawing/2014/main" id="{271FA45A-4BE0-424B-9BC7-D254E7099A2B}"/>
+              </a:ext>
+            </a:extLst>
+          </p:cNvPr>
+          <p:cNvSpPr/>
+          <p:nvPr/>
+        </p:nvSpPr>
+        <p:spPr>
+          <a:xfrm>
+            <a:off x="95654" y="4058691"/>
+            <a:ext cx="914400" cy="457200"/>
+          </a:xfrm>
+          <a:prstGeom prst="rect">
+            <a:avLst/>
+          </a:prstGeom>
+          <a:solidFill>
+            <a:srgbClr val="7A8385"/>
+          </a:solidFill>
+          <a:ln>
+            <a:noFill/>
+          </a:ln>
+        </p:spPr>
+        <p:style>
+          <a:lnRef idx="2">
+            <a:schemeClr val="accent1">
+              <a:shade val="50000"/>
+            </a:schemeClr>
+          </a:lnRef>
+          <a:fillRef idx="1">
+            <a:schemeClr val="accent1"/>
+          </a:fillRef>
+          <a:effectRef idx="0">
+            <a:schemeClr val="accent1"/>
+          </a:effectRef>
+          <a:fontRef idx="minor">
+            <a:schemeClr val="lt1"/>
+          </a:fontRef>
+        </p:style>
+        <p:txBody>
+          <a:bodyPr rtlCol="0" anchor="ctr"/>
+          <a:lstStyle/>
+          <a:p>
+            <a:pPr algn="ctr"/>
+            <a:r>
+              <a:rPr lang="en-US" sz="1400" dirty="0">
+                <a:solidFill>
+                  <a:schemeClr val="tx1"/>
+                </a:solidFill>
+              </a:rPr>
+              <a:t>#7A8385</a:t>
+            </a:r>
+          </a:p>
+        </p:txBody>
+      </p:sp>
+      <p:sp>
+        <p:nvSpPr>
+          <p:cNvPr id="10" name="Rectangle 9">
+            <a:extLst>
+              <a:ext uri="{FF2B5EF4-FFF2-40B4-BE49-F238E27FC236}">
+                <a16:creationId xmlns:a16="http://schemas.microsoft.com/office/drawing/2014/main" id="{E32CC37B-BE95-4099-8ED9-5D1FEF43E65F}"/>
+              </a:ext>
+            </a:extLst>
+          </p:cNvPr>
+          <p:cNvSpPr/>
+          <p:nvPr/>
+        </p:nvSpPr>
+        <p:spPr>
+          <a:xfrm>
+            <a:off x="95654" y="3569621"/>
+            <a:ext cx="914400" cy="457200"/>
+          </a:xfrm>
+          <a:prstGeom prst="rect">
+            <a:avLst/>
+          </a:prstGeom>
+          <a:solidFill>
+            <a:srgbClr val="6C7076"/>
+          </a:solidFill>
+          <a:ln>
+            <a:noFill/>
+          </a:ln>
+        </p:spPr>
+        <p:style>
+          <a:lnRef idx="2">
+            <a:schemeClr val="accent1">
+              <a:shade val="50000"/>
+            </a:schemeClr>
+          </a:lnRef>
+          <a:fillRef idx="1">
+            <a:schemeClr val="accent1"/>
+          </a:fillRef>
+          <a:effectRef idx="0">
+            <a:schemeClr val="accent1"/>
+          </a:effectRef>
+          <a:fontRef idx="minor">
+            <a:schemeClr val="lt1"/>
+          </a:fontRef>
+        </p:style>
+        <p:txBody>
+          <a:bodyPr rtlCol="0" anchor="ctr"/>
+          <a:lstStyle/>
+          <a:p>
+            <a:pPr algn="ctr"/>
+            <a:r>
+              <a:rPr lang="en-US" sz="1400" dirty="0">
+                <a:solidFill>
+                  <a:schemeClr val="tx1"/>
+                </a:solidFill>
+              </a:rPr>
+              <a:t>#6C7076</a:t>
+            </a:r>
+          </a:p>
+        </p:txBody>
+      </p:sp>
+      <p:sp>
+        <p:nvSpPr>
+          <p:cNvPr id="12" name="Rectangle 11">
+            <a:extLst>
+              <a:ext uri="{FF2B5EF4-FFF2-40B4-BE49-F238E27FC236}">
+                <a16:creationId xmlns:a16="http://schemas.microsoft.com/office/drawing/2014/main" id="{888AFD15-B9A4-4485-B4AD-079F90CFA5E4}"/>
+              </a:ext>
+            </a:extLst>
+          </p:cNvPr>
+          <p:cNvSpPr/>
+          <p:nvPr/>
+        </p:nvSpPr>
+        <p:spPr>
+          <a:xfrm>
+            <a:off x="97943" y="2112850"/>
+            <a:ext cx="914400" cy="457200"/>
+          </a:xfrm>
+          <a:prstGeom prst="rect">
+            <a:avLst/>
+          </a:prstGeom>
+          <a:solidFill>
+            <a:srgbClr val="4C5157"/>
+          </a:solidFill>
+          <a:ln>
+            <a:noFill/>
+          </a:ln>
+        </p:spPr>
+        <p:style>
+          <a:lnRef idx="2">
+            <a:schemeClr val="accent1">
+              <a:shade val="50000"/>
+            </a:schemeClr>
+          </a:lnRef>
+          <a:fillRef idx="1">
+            <a:schemeClr val="accent1"/>
+          </a:fillRef>
+          <a:effectRef idx="0">
+            <a:schemeClr val="accent1"/>
+          </a:effectRef>
+          <a:fontRef idx="minor">
+            <a:schemeClr val="lt1"/>
+          </a:fontRef>
+        </p:style>
+        <p:txBody>
+          <a:bodyPr rtlCol="0" anchor="ctr"/>
+          <a:lstStyle/>
+          <a:p>
+            <a:pPr algn="ctr"/>
+            <a:r>
+              <a:rPr lang="en-US" sz="1400" dirty="0">
+                <a:solidFill>
+                  <a:schemeClr val="bg1"/>
+                </a:solidFill>
+              </a:rPr>
+              <a:t>#4C5157</a:t>
+            </a:r>
+          </a:p>
+        </p:txBody>
+      </p:sp>
+      <p:sp>
+        <p:nvSpPr>
+          <p:cNvPr id="14" name="Rectangle 13">
+            <a:extLst>
+              <a:ext uri="{FF2B5EF4-FFF2-40B4-BE49-F238E27FC236}">
+                <a16:creationId xmlns:a16="http://schemas.microsoft.com/office/drawing/2014/main" id="{FDCBB94E-AB57-4274-BC38-84FD2626AED4}"/>
+              </a:ext>
+            </a:extLst>
+          </p:cNvPr>
+          <p:cNvSpPr/>
+          <p:nvPr/>
+        </p:nvSpPr>
+        <p:spPr>
+          <a:xfrm>
+            <a:off x="110448" y="602390"/>
+            <a:ext cx="914400" cy="457200"/>
+          </a:xfrm>
+          <a:prstGeom prst="rect">
+            <a:avLst/>
+          </a:prstGeom>
+          <a:solidFill>
+            <a:srgbClr val="384046"/>
+          </a:solidFill>
+          <a:ln>
+            <a:noFill/>
+          </a:ln>
+        </p:spPr>
+        <p:style>
+          <a:lnRef idx="2">
+            <a:schemeClr val="accent1">
+              <a:shade val="50000"/>
+            </a:schemeClr>
+          </a:lnRef>
+          <a:fillRef idx="1">
+            <a:schemeClr val="accent1"/>
+          </a:fillRef>
+          <a:effectRef idx="0">
+            <a:schemeClr val="accent1"/>
+          </a:effectRef>
+          <a:fontRef idx="minor">
+            <a:schemeClr val="lt1"/>
+          </a:fontRef>
+        </p:style>
+        <p:txBody>
+          <a:bodyPr rtlCol="0" anchor="ctr"/>
+          <a:lstStyle/>
+          <a:p>
+            <a:pPr algn="ctr"/>
+            <a:r>
+              <a:rPr lang="en-US" sz="1400" dirty="0">
+                <a:solidFill>
+                  <a:schemeClr val="bg1"/>
+                </a:solidFill>
+              </a:rPr>
+              <a:t>#384046</a:t>
             </a:r>
           </a:p>
         </p:txBody>
@@ -7881,6 +8491,7286 @@
     <p:extLst>
       <p:ext uri="{BB962C8B-B14F-4D97-AF65-F5344CB8AC3E}">
         <p14:creationId xmlns:p14="http://schemas.microsoft.com/office/powerpoint/2010/main" val="1031925862"/>
+      </p:ext>
+    </p:extLst>
+  </p:cSld>
+  <p:clrMapOvr>
+    <a:masterClrMapping/>
+  </p:clrMapOvr>
+</p:sld>
+</file>
+
+<file path=ppt/slides/slide6.xml><?xml version="1.0" encoding="utf-8"?>
+<p:sld xmlns:a="http://schemas.openxmlformats.org/drawingml/2006/main" xmlns:r="http://schemas.openxmlformats.org/officeDocument/2006/relationships" xmlns:p="http://schemas.openxmlformats.org/presentationml/2006/main">
+  <p:cSld>
+    <p:spTree>
+      <p:nvGrpSpPr>
+        <p:cNvPr id="1" name=""/>
+        <p:cNvGrpSpPr/>
+        <p:nvPr/>
+      </p:nvGrpSpPr>
+      <p:grpSpPr>
+        <a:xfrm>
+          <a:off x="0" y="0"/>
+          <a:ext cx="0" cy="0"/>
+          <a:chOff x="0" y="0"/>
+          <a:chExt cx="0" cy="0"/>
+        </a:xfrm>
+      </p:grpSpPr>
+      <p:pic>
+        <p:nvPicPr>
+          <p:cNvPr id="3" name="Picture 2">
+            <a:extLst>
+              <a:ext uri="{FF2B5EF4-FFF2-40B4-BE49-F238E27FC236}">
+                <a16:creationId xmlns:a16="http://schemas.microsoft.com/office/drawing/2014/main" id="{98D6B330-4E3A-4999-A14C-CFBA9C84C35B}"/>
+              </a:ext>
+            </a:extLst>
+          </p:cNvPr>
+          <p:cNvPicPr>
+            <a:picLocks noChangeAspect="1"/>
+          </p:cNvPicPr>
+          <p:nvPr/>
+        </p:nvPicPr>
+        <p:blipFill>
+          <a:blip r:embed="rId2">
+            <a:extLst>
+              <a:ext uri="{28A0092B-C50C-407E-A947-70E740481C1C}">
+                <a14:useLocalDpi xmlns:a14="http://schemas.microsoft.com/office/drawing/2010/main" val="0"/>
+              </a:ext>
+            </a:extLst>
+          </a:blip>
+          <a:stretch>
+            <a:fillRect/>
+          </a:stretch>
+        </p:blipFill>
+        <p:spPr>
+          <a:xfrm>
+            <a:off x="3762049" y="1085523"/>
+            <a:ext cx="4667901" cy="4686954"/>
+          </a:xfrm>
+          <a:prstGeom prst="rect">
+            <a:avLst/>
+          </a:prstGeom>
+        </p:spPr>
+      </p:pic>
+      <p:sp>
+        <p:nvSpPr>
+          <p:cNvPr id="5" name="Rectangle 4">
+            <a:extLst>
+              <a:ext uri="{FF2B5EF4-FFF2-40B4-BE49-F238E27FC236}">
+                <a16:creationId xmlns:a16="http://schemas.microsoft.com/office/drawing/2014/main" id="{7461797C-9FDC-4B48-8A5D-2476CEAFCC76}"/>
+              </a:ext>
+            </a:extLst>
+          </p:cNvPr>
+          <p:cNvSpPr/>
+          <p:nvPr/>
+        </p:nvSpPr>
+        <p:spPr>
+          <a:xfrm>
+            <a:off x="1300066" y="3920687"/>
+            <a:ext cx="914400" cy="914400"/>
+          </a:xfrm>
+          <a:prstGeom prst="rect">
+            <a:avLst/>
+          </a:prstGeom>
+          <a:solidFill>
+            <a:srgbClr val="D9D8DD"/>
+          </a:solidFill>
+          <a:ln>
+            <a:noFill/>
+          </a:ln>
+        </p:spPr>
+        <p:style>
+          <a:lnRef idx="2">
+            <a:schemeClr val="accent1">
+              <a:shade val="50000"/>
+            </a:schemeClr>
+          </a:lnRef>
+          <a:fillRef idx="1">
+            <a:schemeClr val="accent1"/>
+          </a:fillRef>
+          <a:effectRef idx="0">
+            <a:schemeClr val="accent1"/>
+          </a:effectRef>
+          <a:fontRef idx="minor">
+            <a:schemeClr val="lt1"/>
+          </a:fontRef>
+        </p:style>
+        <p:txBody>
+          <a:bodyPr rtlCol="0" anchor="ctr"/>
+          <a:lstStyle/>
+          <a:p>
+            <a:pPr algn="ctr"/>
+            <a:r>
+              <a:rPr lang="en-US" sz="1400" dirty="0">
+                <a:solidFill>
+                  <a:schemeClr val="tx1"/>
+                </a:solidFill>
+              </a:rPr>
+              <a:t>#D9D8DD</a:t>
+            </a:r>
+          </a:p>
+        </p:txBody>
+      </p:sp>
+      <p:sp>
+        <p:nvSpPr>
+          <p:cNvPr id="7" name="Rectangle 6">
+            <a:extLst>
+              <a:ext uri="{FF2B5EF4-FFF2-40B4-BE49-F238E27FC236}">
+                <a16:creationId xmlns:a16="http://schemas.microsoft.com/office/drawing/2014/main" id="{537D8BF8-C907-4DDA-86FA-582EA24D25B3}"/>
+              </a:ext>
+            </a:extLst>
+          </p:cNvPr>
+          <p:cNvSpPr/>
+          <p:nvPr/>
+        </p:nvSpPr>
+        <p:spPr>
+          <a:xfrm>
+            <a:off x="751856" y="497969"/>
+            <a:ext cx="914400" cy="914400"/>
+          </a:xfrm>
+          <a:prstGeom prst="rect">
+            <a:avLst/>
+          </a:prstGeom>
+          <a:solidFill>
+            <a:srgbClr val="127D8B"/>
+          </a:solidFill>
+          <a:ln>
+            <a:noFill/>
+          </a:ln>
+        </p:spPr>
+        <p:style>
+          <a:lnRef idx="2">
+            <a:schemeClr val="accent1">
+              <a:shade val="50000"/>
+            </a:schemeClr>
+          </a:lnRef>
+          <a:fillRef idx="1">
+            <a:schemeClr val="accent1"/>
+          </a:fillRef>
+          <a:effectRef idx="0">
+            <a:schemeClr val="accent1"/>
+          </a:effectRef>
+          <a:fontRef idx="minor">
+            <a:schemeClr val="lt1"/>
+          </a:fontRef>
+        </p:style>
+        <p:txBody>
+          <a:bodyPr rtlCol="0" anchor="ctr"/>
+          <a:lstStyle/>
+          <a:p>
+            <a:pPr algn="ctr"/>
+            <a:r>
+              <a:rPr lang="en-US" sz="1400" dirty="0">
+                <a:solidFill>
+                  <a:schemeClr val="bg1"/>
+                </a:solidFill>
+              </a:rPr>
+              <a:t>#127d8b</a:t>
+            </a:r>
+          </a:p>
+        </p:txBody>
+      </p:sp>
+      <p:sp>
+        <p:nvSpPr>
+          <p:cNvPr id="9" name="Rectangle 8">
+            <a:extLst>
+              <a:ext uri="{FF2B5EF4-FFF2-40B4-BE49-F238E27FC236}">
+                <a16:creationId xmlns:a16="http://schemas.microsoft.com/office/drawing/2014/main" id="{E259FB97-0396-46FB-B431-DE567DE90FDC}"/>
+              </a:ext>
+            </a:extLst>
+          </p:cNvPr>
+          <p:cNvSpPr/>
+          <p:nvPr/>
+        </p:nvSpPr>
+        <p:spPr>
+          <a:xfrm>
+            <a:off x="437726" y="1565714"/>
+            <a:ext cx="914400" cy="914400"/>
+          </a:xfrm>
+          <a:prstGeom prst="rect">
+            <a:avLst/>
+          </a:prstGeom>
+          <a:solidFill>
+            <a:srgbClr val="169299"/>
+          </a:solidFill>
+          <a:ln>
+            <a:noFill/>
+          </a:ln>
+        </p:spPr>
+        <p:style>
+          <a:lnRef idx="2">
+            <a:schemeClr val="accent1">
+              <a:shade val="50000"/>
+            </a:schemeClr>
+          </a:lnRef>
+          <a:fillRef idx="1">
+            <a:schemeClr val="accent1"/>
+          </a:fillRef>
+          <a:effectRef idx="0">
+            <a:schemeClr val="accent1"/>
+          </a:effectRef>
+          <a:fontRef idx="minor">
+            <a:schemeClr val="lt1"/>
+          </a:fontRef>
+        </p:style>
+        <p:txBody>
+          <a:bodyPr rtlCol="0" anchor="ctr"/>
+          <a:lstStyle/>
+          <a:p>
+            <a:pPr algn="ctr"/>
+            <a:r>
+              <a:rPr lang="en-US" sz="1400" dirty="0">
+                <a:solidFill>
+                  <a:schemeClr val="bg1"/>
+                </a:solidFill>
+              </a:rPr>
+              <a:t>#169299</a:t>
+            </a:r>
+          </a:p>
+        </p:txBody>
+      </p:sp>
+      <p:sp>
+        <p:nvSpPr>
+          <p:cNvPr id="11" name="Rectangle 10">
+            <a:extLst>
+              <a:ext uri="{FF2B5EF4-FFF2-40B4-BE49-F238E27FC236}">
+                <a16:creationId xmlns:a16="http://schemas.microsoft.com/office/drawing/2014/main" id="{BA2165AF-21B7-482D-88DF-A3A3486E77B7}"/>
+              </a:ext>
+            </a:extLst>
+          </p:cNvPr>
+          <p:cNvSpPr/>
+          <p:nvPr/>
+        </p:nvSpPr>
+        <p:spPr>
+          <a:xfrm>
+            <a:off x="294656" y="2633459"/>
+            <a:ext cx="914400" cy="914400"/>
+          </a:xfrm>
+          <a:prstGeom prst="rect">
+            <a:avLst/>
+          </a:prstGeom>
+          <a:solidFill>
+            <a:srgbClr val="10AFAD"/>
+          </a:solidFill>
+          <a:ln>
+            <a:noFill/>
+          </a:ln>
+        </p:spPr>
+        <p:style>
+          <a:lnRef idx="2">
+            <a:schemeClr val="accent1">
+              <a:shade val="50000"/>
+            </a:schemeClr>
+          </a:lnRef>
+          <a:fillRef idx="1">
+            <a:schemeClr val="accent1"/>
+          </a:fillRef>
+          <a:effectRef idx="0">
+            <a:schemeClr val="accent1"/>
+          </a:effectRef>
+          <a:fontRef idx="minor">
+            <a:schemeClr val="lt1"/>
+          </a:fontRef>
+        </p:style>
+        <p:txBody>
+          <a:bodyPr rtlCol="0" anchor="ctr"/>
+          <a:lstStyle/>
+          <a:p>
+            <a:pPr algn="ctr"/>
+            <a:r>
+              <a:rPr lang="en-US" sz="1400" dirty="0">
+                <a:solidFill>
+                  <a:schemeClr val="bg1"/>
+                </a:solidFill>
+              </a:rPr>
+              <a:t>#10AFAD</a:t>
+            </a:r>
+          </a:p>
+        </p:txBody>
+      </p:sp>
+      <p:sp>
+        <p:nvSpPr>
+          <p:cNvPr id="13" name="Rectangle 12">
+            <a:extLst>
+              <a:ext uri="{FF2B5EF4-FFF2-40B4-BE49-F238E27FC236}">
+                <a16:creationId xmlns:a16="http://schemas.microsoft.com/office/drawing/2014/main" id="{D3C9447A-64E3-48C7-B9D9-BDAEF750789A}"/>
+              </a:ext>
+            </a:extLst>
+          </p:cNvPr>
+          <p:cNvSpPr/>
+          <p:nvPr/>
+        </p:nvSpPr>
+        <p:spPr>
+          <a:xfrm>
+            <a:off x="346716" y="3830887"/>
+            <a:ext cx="914400" cy="914400"/>
+          </a:xfrm>
+          <a:prstGeom prst="rect">
+            <a:avLst/>
+          </a:prstGeom>
+          <a:solidFill>
+            <a:srgbClr val="08090B"/>
+          </a:solidFill>
+          <a:ln>
+            <a:noFill/>
+          </a:ln>
+        </p:spPr>
+        <p:style>
+          <a:lnRef idx="2">
+            <a:schemeClr val="accent1">
+              <a:shade val="50000"/>
+            </a:schemeClr>
+          </a:lnRef>
+          <a:fillRef idx="1">
+            <a:schemeClr val="accent1"/>
+          </a:fillRef>
+          <a:effectRef idx="0">
+            <a:schemeClr val="accent1"/>
+          </a:effectRef>
+          <a:fontRef idx="minor">
+            <a:schemeClr val="lt1"/>
+          </a:fontRef>
+        </p:style>
+        <p:txBody>
+          <a:bodyPr rtlCol="0" anchor="ctr"/>
+          <a:lstStyle/>
+          <a:p>
+            <a:pPr algn="ctr"/>
+            <a:r>
+              <a:rPr lang="en-US" sz="1400" dirty="0">
+                <a:solidFill>
+                  <a:schemeClr val="bg1"/>
+                </a:solidFill>
+              </a:rPr>
+              <a:t>#08090B</a:t>
+            </a:r>
+          </a:p>
+        </p:txBody>
+      </p:sp>
+      <p:sp>
+        <p:nvSpPr>
+          <p:cNvPr id="15" name="Rectangle 14">
+            <a:extLst>
+              <a:ext uri="{FF2B5EF4-FFF2-40B4-BE49-F238E27FC236}">
+                <a16:creationId xmlns:a16="http://schemas.microsoft.com/office/drawing/2014/main" id="{5AB63C33-F0D0-4EAC-9EDE-71CCDF9D836A}"/>
+              </a:ext>
+            </a:extLst>
+          </p:cNvPr>
+          <p:cNvSpPr/>
+          <p:nvPr/>
+        </p:nvSpPr>
+        <p:spPr>
+          <a:xfrm>
+            <a:off x="294656" y="4935009"/>
+            <a:ext cx="914400" cy="914400"/>
+          </a:xfrm>
+          <a:prstGeom prst="rect">
+            <a:avLst/>
+          </a:prstGeom>
+          <a:solidFill>
+            <a:srgbClr val="62697A"/>
+          </a:solidFill>
+          <a:ln>
+            <a:noFill/>
+          </a:ln>
+        </p:spPr>
+        <p:style>
+          <a:lnRef idx="2">
+            <a:schemeClr val="accent1">
+              <a:shade val="50000"/>
+            </a:schemeClr>
+          </a:lnRef>
+          <a:fillRef idx="1">
+            <a:schemeClr val="accent1"/>
+          </a:fillRef>
+          <a:effectRef idx="0">
+            <a:schemeClr val="accent1"/>
+          </a:effectRef>
+          <a:fontRef idx="minor">
+            <a:schemeClr val="lt1"/>
+          </a:fontRef>
+        </p:style>
+        <p:txBody>
+          <a:bodyPr rtlCol="0" anchor="ctr"/>
+          <a:lstStyle/>
+          <a:p>
+            <a:pPr algn="ctr"/>
+            <a:r>
+              <a:rPr lang="en-US" sz="1400" dirty="0">
+                <a:solidFill>
+                  <a:schemeClr val="bg1"/>
+                </a:solidFill>
+              </a:rPr>
+              <a:t>#62697A</a:t>
+            </a:r>
+          </a:p>
+        </p:txBody>
+      </p:sp>
+      <p:sp>
+        <p:nvSpPr>
+          <p:cNvPr id="17" name="Rectangle 16">
+            <a:extLst>
+              <a:ext uri="{FF2B5EF4-FFF2-40B4-BE49-F238E27FC236}">
+                <a16:creationId xmlns:a16="http://schemas.microsoft.com/office/drawing/2014/main" id="{EAFEF7FE-9BAB-464D-A542-F4876225E244}"/>
+              </a:ext>
+            </a:extLst>
+          </p:cNvPr>
+          <p:cNvSpPr/>
+          <p:nvPr/>
+        </p:nvSpPr>
+        <p:spPr>
+          <a:xfrm>
+            <a:off x="1300066" y="4935009"/>
+            <a:ext cx="914400" cy="914400"/>
+          </a:xfrm>
+          <a:prstGeom prst="rect">
+            <a:avLst/>
+          </a:prstGeom>
+          <a:solidFill>
+            <a:srgbClr val="DDE2E6"/>
+          </a:solidFill>
+          <a:ln>
+            <a:noFill/>
+          </a:ln>
+        </p:spPr>
+        <p:style>
+          <a:lnRef idx="2">
+            <a:schemeClr val="accent1">
+              <a:shade val="50000"/>
+            </a:schemeClr>
+          </a:lnRef>
+          <a:fillRef idx="1">
+            <a:schemeClr val="accent1"/>
+          </a:fillRef>
+          <a:effectRef idx="0">
+            <a:schemeClr val="accent1"/>
+          </a:effectRef>
+          <a:fontRef idx="minor">
+            <a:schemeClr val="lt1"/>
+          </a:fontRef>
+        </p:style>
+        <p:txBody>
+          <a:bodyPr rtlCol="0" anchor="ctr"/>
+          <a:lstStyle/>
+          <a:p>
+            <a:pPr algn="ctr"/>
+            <a:r>
+              <a:rPr lang="en-US" sz="1400" dirty="0">
+                <a:solidFill>
+                  <a:schemeClr val="tx1"/>
+                </a:solidFill>
+              </a:rPr>
+              <a:t>#DDE2E6</a:t>
+            </a:r>
+          </a:p>
+        </p:txBody>
+      </p:sp>
+      <p:sp>
+        <p:nvSpPr>
+          <p:cNvPr id="19" name="Rectangle 18">
+            <a:extLst>
+              <a:ext uri="{FF2B5EF4-FFF2-40B4-BE49-F238E27FC236}">
+                <a16:creationId xmlns:a16="http://schemas.microsoft.com/office/drawing/2014/main" id="{544A70EF-F75F-420E-BB97-7AE556B59942}"/>
+              </a:ext>
+            </a:extLst>
+          </p:cNvPr>
+          <p:cNvSpPr/>
+          <p:nvPr/>
+        </p:nvSpPr>
+        <p:spPr>
+          <a:xfrm>
+            <a:off x="2531057" y="4203716"/>
+            <a:ext cx="914400" cy="914400"/>
+          </a:xfrm>
+          <a:prstGeom prst="rect">
+            <a:avLst/>
+          </a:prstGeom>
+          <a:solidFill>
+            <a:srgbClr val="E2E2E7"/>
+          </a:solidFill>
+          <a:ln>
+            <a:noFill/>
+          </a:ln>
+        </p:spPr>
+        <p:style>
+          <a:lnRef idx="2">
+            <a:schemeClr val="accent1">
+              <a:shade val="50000"/>
+            </a:schemeClr>
+          </a:lnRef>
+          <a:fillRef idx="1">
+            <a:schemeClr val="accent1"/>
+          </a:fillRef>
+          <a:effectRef idx="0">
+            <a:schemeClr val="accent1"/>
+          </a:effectRef>
+          <a:fontRef idx="minor">
+            <a:schemeClr val="lt1"/>
+          </a:fontRef>
+        </p:style>
+        <p:txBody>
+          <a:bodyPr rtlCol="0" anchor="ctr"/>
+          <a:lstStyle/>
+          <a:p>
+            <a:pPr algn="ctr"/>
+            <a:r>
+              <a:rPr lang="en-US" sz="1400" dirty="0">
+                <a:solidFill>
+                  <a:schemeClr val="tx1"/>
+                </a:solidFill>
+              </a:rPr>
+              <a:t>#E2E2E7</a:t>
+            </a:r>
+          </a:p>
+        </p:txBody>
+      </p:sp>
+    </p:spTree>
+    <p:extLst>
+      <p:ext uri="{BB962C8B-B14F-4D97-AF65-F5344CB8AC3E}">
+        <p14:creationId xmlns:p14="http://schemas.microsoft.com/office/powerpoint/2010/main" val="2456379934"/>
+      </p:ext>
+    </p:extLst>
+  </p:cSld>
+  <p:clrMapOvr>
+    <a:masterClrMapping/>
+  </p:clrMapOvr>
+</p:sld>
+</file>
+
+<file path=ppt/slides/slide7.xml><?xml version="1.0" encoding="utf-8"?>
+<p:sld xmlns:a="http://schemas.openxmlformats.org/drawingml/2006/main" xmlns:r="http://schemas.openxmlformats.org/officeDocument/2006/relationships" xmlns:p="http://schemas.openxmlformats.org/presentationml/2006/main">
+  <p:cSld>
+    <p:spTree>
+      <p:nvGrpSpPr>
+        <p:cNvPr id="1" name=""/>
+        <p:cNvGrpSpPr/>
+        <p:nvPr/>
+      </p:nvGrpSpPr>
+      <p:grpSpPr>
+        <a:xfrm>
+          <a:off x="0" y="0"/>
+          <a:ext cx="0" cy="0"/>
+          <a:chOff x="0" y="0"/>
+          <a:chExt cx="0" cy="0"/>
+        </a:xfrm>
+      </p:grpSpPr>
+      <p:pic>
+        <p:nvPicPr>
+          <p:cNvPr id="5" name="Picture 4">
+            <a:extLst>
+              <a:ext uri="{FF2B5EF4-FFF2-40B4-BE49-F238E27FC236}">
+                <a16:creationId xmlns:a16="http://schemas.microsoft.com/office/drawing/2014/main" id="{AABF6761-9CB2-4B6D-B802-77444C08478A}"/>
+              </a:ext>
+            </a:extLst>
+          </p:cNvPr>
+          <p:cNvPicPr>
+            <a:picLocks noChangeAspect="1"/>
+          </p:cNvPicPr>
+          <p:nvPr/>
+        </p:nvPicPr>
+        <p:blipFill>
+          <a:blip r:embed="rId2">
+            <a:extLst>
+              <a:ext uri="{28A0092B-C50C-407E-A947-70E740481C1C}">
+                <a14:useLocalDpi xmlns:a14="http://schemas.microsoft.com/office/drawing/2010/main" val="0"/>
+              </a:ext>
+            </a:extLst>
+          </a:blip>
+          <a:stretch>
+            <a:fillRect/>
+          </a:stretch>
+        </p:blipFill>
+        <p:spPr>
+          <a:xfrm>
+            <a:off x="3752523" y="1085523"/>
+            <a:ext cx="4686954" cy="4686954"/>
+          </a:xfrm>
+          <a:prstGeom prst="rect">
+            <a:avLst/>
+          </a:prstGeom>
+        </p:spPr>
+      </p:pic>
+      <p:sp>
+        <p:nvSpPr>
+          <p:cNvPr id="15" name="Rectangle 14">
+            <a:extLst>
+              <a:ext uri="{FF2B5EF4-FFF2-40B4-BE49-F238E27FC236}">
+                <a16:creationId xmlns:a16="http://schemas.microsoft.com/office/drawing/2014/main" id="{44D038DA-D6AE-43CB-9EB0-68B3C12C9C5B}"/>
+              </a:ext>
+            </a:extLst>
+          </p:cNvPr>
+          <p:cNvSpPr/>
+          <p:nvPr/>
+        </p:nvSpPr>
+        <p:spPr>
+          <a:xfrm>
+            <a:off x="95654" y="3084982"/>
+            <a:ext cx="914400" cy="457200"/>
+          </a:xfrm>
+          <a:prstGeom prst="rect">
+            <a:avLst/>
+          </a:prstGeom>
+          <a:solidFill>
+            <a:srgbClr val="9AB0AB"/>
+          </a:solidFill>
+          <a:ln>
+            <a:noFill/>
+          </a:ln>
+        </p:spPr>
+        <p:style>
+          <a:lnRef idx="2">
+            <a:schemeClr val="accent1">
+              <a:shade val="50000"/>
+            </a:schemeClr>
+          </a:lnRef>
+          <a:fillRef idx="1">
+            <a:schemeClr val="accent1"/>
+          </a:fillRef>
+          <a:effectRef idx="0">
+            <a:schemeClr val="accent1"/>
+          </a:effectRef>
+          <a:fontRef idx="minor">
+            <a:schemeClr val="lt1"/>
+          </a:fontRef>
+        </p:style>
+        <p:txBody>
+          <a:bodyPr rtlCol="0" anchor="ctr"/>
+          <a:lstStyle/>
+          <a:p>
+            <a:pPr algn="ctr"/>
+            <a:r>
+              <a:rPr lang="en-US" sz="1400" dirty="0">
+                <a:solidFill>
+                  <a:schemeClr val="tx1"/>
+                </a:solidFill>
+              </a:rPr>
+              <a:t>#9AB0AB</a:t>
+            </a:r>
+          </a:p>
+        </p:txBody>
+      </p:sp>
+      <p:sp>
+        <p:nvSpPr>
+          <p:cNvPr id="17" name="Rectangle 16">
+            <a:extLst>
+              <a:ext uri="{FF2B5EF4-FFF2-40B4-BE49-F238E27FC236}">
+                <a16:creationId xmlns:a16="http://schemas.microsoft.com/office/drawing/2014/main" id="{0F8785E8-905D-4D69-9220-CBA62C5FFFC0}"/>
+              </a:ext>
+            </a:extLst>
+          </p:cNvPr>
+          <p:cNvSpPr/>
+          <p:nvPr/>
+        </p:nvSpPr>
+        <p:spPr>
+          <a:xfrm>
+            <a:off x="113396" y="1099029"/>
+            <a:ext cx="914400" cy="457200"/>
+          </a:xfrm>
+          <a:prstGeom prst="rect">
+            <a:avLst/>
+          </a:prstGeom>
+          <a:solidFill>
+            <a:srgbClr val="214150"/>
+          </a:solidFill>
+          <a:ln>
+            <a:noFill/>
+          </a:ln>
+        </p:spPr>
+        <p:style>
+          <a:lnRef idx="2">
+            <a:schemeClr val="accent1">
+              <a:shade val="50000"/>
+            </a:schemeClr>
+          </a:lnRef>
+          <a:fillRef idx="1">
+            <a:schemeClr val="accent1"/>
+          </a:fillRef>
+          <a:effectRef idx="0">
+            <a:schemeClr val="accent1"/>
+          </a:effectRef>
+          <a:fontRef idx="minor">
+            <a:schemeClr val="lt1"/>
+          </a:fontRef>
+        </p:style>
+        <p:txBody>
+          <a:bodyPr rtlCol="0" anchor="ctr"/>
+          <a:lstStyle/>
+          <a:p>
+            <a:pPr algn="ctr"/>
+            <a:r>
+              <a:rPr lang="en-US" sz="1400" dirty="0">
+                <a:solidFill>
+                  <a:schemeClr val="bg1"/>
+                </a:solidFill>
+              </a:rPr>
+              <a:t>#214150</a:t>
+            </a:r>
+          </a:p>
+        </p:txBody>
+      </p:sp>
+      <p:sp>
+        <p:nvSpPr>
+          <p:cNvPr id="19" name="Rectangle 18">
+            <a:extLst>
+              <a:ext uri="{FF2B5EF4-FFF2-40B4-BE49-F238E27FC236}">
+                <a16:creationId xmlns:a16="http://schemas.microsoft.com/office/drawing/2014/main" id="{5F5F4BDB-F126-4334-AE45-D934A40BEF5E}"/>
+              </a:ext>
+            </a:extLst>
+          </p:cNvPr>
+          <p:cNvSpPr/>
+          <p:nvPr/>
+        </p:nvSpPr>
+        <p:spPr>
+          <a:xfrm>
+            <a:off x="95654" y="4540561"/>
+            <a:ext cx="914400" cy="457200"/>
+          </a:xfrm>
+          <a:prstGeom prst="rect">
+            <a:avLst/>
+          </a:prstGeom>
+          <a:solidFill>
+            <a:srgbClr val="EAF0E9"/>
+          </a:solidFill>
+          <a:ln>
+            <a:noFill/>
+          </a:ln>
+        </p:spPr>
+        <p:style>
+          <a:lnRef idx="2">
+            <a:schemeClr val="accent1">
+              <a:shade val="50000"/>
+            </a:schemeClr>
+          </a:lnRef>
+          <a:fillRef idx="1">
+            <a:schemeClr val="accent1"/>
+          </a:fillRef>
+          <a:effectRef idx="0">
+            <a:schemeClr val="accent1"/>
+          </a:effectRef>
+          <a:fontRef idx="minor">
+            <a:schemeClr val="lt1"/>
+          </a:fontRef>
+        </p:style>
+        <p:txBody>
+          <a:bodyPr rtlCol="0" anchor="ctr"/>
+          <a:lstStyle/>
+          <a:p>
+            <a:pPr algn="ctr"/>
+            <a:r>
+              <a:rPr lang="en-US" sz="1400" dirty="0">
+                <a:solidFill>
+                  <a:schemeClr val="tx1"/>
+                </a:solidFill>
+              </a:rPr>
+              <a:t>#eaf0e9</a:t>
+            </a:r>
+          </a:p>
+        </p:txBody>
+      </p:sp>
+      <p:sp>
+        <p:nvSpPr>
+          <p:cNvPr id="21" name="Rectangle 20">
+            <a:extLst>
+              <a:ext uri="{FF2B5EF4-FFF2-40B4-BE49-F238E27FC236}">
+                <a16:creationId xmlns:a16="http://schemas.microsoft.com/office/drawing/2014/main" id="{6318F81A-6CDA-4F0E-8A75-9E4333C704CD}"/>
+              </a:ext>
+            </a:extLst>
+          </p:cNvPr>
+          <p:cNvSpPr/>
+          <p:nvPr/>
+        </p:nvSpPr>
+        <p:spPr>
+          <a:xfrm>
+            <a:off x="95654" y="2594060"/>
+            <a:ext cx="914400" cy="457200"/>
+          </a:xfrm>
+          <a:prstGeom prst="rect">
+            <a:avLst/>
+          </a:prstGeom>
+          <a:solidFill>
+            <a:srgbClr val="8BA29F"/>
+          </a:solidFill>
+          <a:ln>
+            <a:noFill/>
+          </a:ln>
+        </p:spPr>
+        <p:style>
+          <a:lnRef idx="2">
+            <a:schemeClr val="accent1">
+              <a:shade val="50000"/>
+            </a:schemeClr>
+          </a:lnRef>
+          <a:fillRef idx="1">
+            <a:schemeClr val="accent1"/>
+          </a:fillRef>
+          <a:effectRef idx="0">
+            <a:schemeClr val="accent1"/>
+          </a:effectRef>
+          <a:fontRef idx="minor">
+            <a:schemeClr val="lt1"/>
+          </a:fontRef>
+        </p:style>
+        <p:txBody>
+          <a:bodyPr rtlCol="0" anchor="ctr"/>
+          <a:lstStyle/>
+          <a:p>
+            <a:pPr algn="ctr"/>
+            <a:r>
+              <a:rPr lang="en-US" sz="1400" dirty="0">
+                <a:solidFill>
+                  <a:schemeClr val="tx1"/>
+                </a:solidFill>
+              </a:rPr>
+              <a:t>#8BA29F</a:t>
+            </a:r>
+          </a:p>
+        </p:txBody>
+      </p:sp>
+      <p:sp>
+        <p:nvSpPr>
+          <p:cNvPr id="23" name="Rectangle 22">
+            <a:extLst>
+              <a:ext uri="{FF2B5EF4-FFF2-40B4-BE49-F238E27FC236}">
+                <a16:creationId xmlns:a16="http://schemas.microsoft.com/office/drawing/2014/main" id="{38D3054E-0A90-41B4-A58C-E390C7BB9817}"/>
+              </a:ext>
+            </a:extLst>
+          </p:cNvPr>
+          <p:cNvSpPr/>
+          <p:nvPr/>
+        </p:nvSpPr>
+        <p:spPr>
+          <a:xfrm>
+            <a:off x="95654" y="1631640"/>
+            <a:ext cx="914400" cy="457200"/>
+          </a:xfrm>
+          <a:prstGeom prst="rect">
+            <a:avLst/>
+          </a:prstGeom>
+          <a:solidFill>
+            <a:srgbClr val="577B7F"/>
+          </a:solidFill>
+          <a:ln>
+            <a:noFill/>
+          </a:ln>
+        </p:spPr>
+        <p:style>
+          <a:lnRef idx="2">
+            <a:schemeClr val="accent1">
+              <a:shade val="50000"/>
+            </a:schemeClr>
+          </a:lnRef>
+          <a:fillRef idx="1">
+            <a:schemeClr val="accent1"/>
+          </a:fillRef>
+          <a:effectRef idx="0">
+            <a:schemeClr val="accent1"/>
+          </a:effectRef>
+          <a:fontRef idx="minor">
+            <a:schemeClr val="lt1"/>
+          </a:fontRef>
+        </p:style>
+        <p:txBody>
+          <a:bodyPr rtlCol="0" anchor="ctr"/>
+          <a:lstStyle/>
+          <a:p>
+            <a:pPr algn="ctr"/>
+            <a:r>
+              <a:rPr lang="en-US" sz="1400" dirty="0">
+                <a:solidFill>
+                  <a:schemeClr val="bg1"/>
+                </a:solidFill>
+              </a:rPr>
+              <a:t>#577B7F</a:t>
+            </a:r>
+          </a:p>
+        </p:txBody>
+      </p:sp>
+      <p:sp>
+        <p:nvSpPr>
+          <p:cNvPr id="25" name="Rectangle 24">
+            <a:extLst>
+              <a:ext uri="{FF2B5EF4-FFF2-40B4-BE49-F238E27FC236}">
+                <a16:creationId xmlns:a16="http://schemas.microsoft.com/office/drawing/2014/main" id="{80D7108B-E1E1-4A1D-8F27-69BF3AD829CA}"/>
+              </a:ext>
+            </a:extLst>
+          </p:cNvPr>
+          <p:cNvSpPr/>
+          <p:nvPr/>
+        </p:nvSpPr>
+        <p:spPr>
+          <a:xfrm>
+            <a:off x="113396" y="123465"/>
+            <a:ext cx="914400" cy="457200"/>
+          </a:xfrm>
+          <a:prstGeom prst="rect">
+            <a:avLst/>
+          </a:prstGeom>
+          <a:solidFill>
+            <a:srgbClr val="0B1E2A"/>
+          </a:solidFill>
+          <a:ln>
+            <a:noFill/>
+          </a:ln>
+        </p:spPr>
+        <p:style>
+          <a:lnRef idx="2">
+            <a:schemeClr val="accent1">
+              <a:shade val="50000"/>
+            </a:schemeClr>
+          </a:lnRef>
+          <a:fillRef idx="1">
+            <a:schemeClr val="accent1"/>
+          </a:fillRef>
+          <a:effectRef idx="0">
+            <a:schemeClr val="accent1"/>
+          </a:effectRef>
+          <a:fontRef idx="minor">
+            <a:schemeClr val="lt1"/>
+          </a:fontRef>
+        </p:style>
+        <p:txBody>
+          <a:bodyPr rtlCol="0" anchor="ctr"/>
+          <a:lstStyle/>
+          <a:p>
+            <a:pPr algn="ctr"/>
+            <a:r>
+              <a:rPr lang="en-US" sz="1400" dirty="0">
+                <a:solidFill>
+                  <a:schemeClr val="bg1"/>
+                </a:solidFill>
+              </a:rPr>
+              <a:t>#0B1E2A</a:t>
+            </a:r>
+          </a:p>
+        </p:txBody>
+      </p:sp>
+      <p:sp>
+        <p:nvSpPr>
+          <p:cNvPr id="29" name="Rectangle 28">
+            <a:extLst>
+              <a:ext uri="{FF2B5EF4-FFF2-40B4-BE49-F238E27FC236}">
+                <a16:creationId xmlns:a16="http://schemas.microsoft.com/office/drawing/2014/main" id="{BDCC9431-7828-4F7B-8BB6-AA3126DEE227}"/>
+              </a:ext>
+            </a:extLst>
+          </p:cNvPr>
+          <p:cNvSpPr/>
+          <p:nvPr/>
+        </p:nvSpPr>
+        <p:spPr>
+          <a:xfrm>
+            <a:off x="95654" y="4058691"/>
+            <a:ext cx="914400" cy="457200"/>
+          </a:xfrm>
+          <a:prstGeom prst="rect">
+            <a:avLst/>
+          </a:prstGeom>
+          <a:solidFill>
+            <a:srgbClr val="D2DED8"/>
+          </a:solidFill>
+          <a:ln>
+            <a:noFill/>
+          </a:ln>
+        </p:spPr>
+        <p:style>
+          <a:lnRef idx="2">
+            <a:schemeClr val="accent1">
+              <a:shade val="50000"/>
+            </a:schemeClr>
+          </a:lnRef>
+          <a:fillRef idx="1">
+            <a:schemeClr val="accent1"/>
+          </a:fillRef>
+          <a:effectRef idx="0">
+            <a:schemeClr val="accent1"/>
+          </a:effectRef>
+          <a:fontRef idx="minor">
+            <a:schemeClr val="lt1"/>
+          </a:fontRef>
+        </p:style>
+        <p:txBody>
+          <a:bodyPr rtlCol="0" anchor="ctr"/>
+          <a:lstStyle/>
+          <a:p>
+            <a:pPr algn="ctr"/>
+            <a:r>
+              <a:rPr lang="en-US" sz="1400" dirty="0">
+                <a:solidFill>
+                  <a:schemeClr val="tx1"/>
+                </a:solidFill>
+              </a:rPr>
+              <a:t>#D2DED8</a:t>
+            </a:r>
+          </a:p>
+        </p:txBody>
+      </p:sp>
+      <p:sp>
+        <p:nvSpPr>
+          <p:cNvPr id="31" name="Rectangle 30">
+            <a:extLst>
+              <a:ext uri="{FF2B5EF4-FFF2-40B4-BE49-F238E27FC236}">
+                <a16:creationId xmlns:a16="http://schemas.microsoft.com/office/drawing/2014/main" id="{8F058FAE-B79E-4C79-930D-11025A54BECB}"/>
+              </a:ext>
+            </a:extLst>
+          </p:cNvPr>
+          <p:cNvSpPr/>
+          <p:nvPr/>
+        </p:nvSpPr>
+        <p:spPr>
+          <a:xfrm>
+            <a:off x="95654" y="3569621"/>
+            <a:ext cx="914400" cy="457200"/>
+          </a:xfrm>
+          <a:prstGeom prst="rect">
+            <a:avLst/>
+          </a:prstGeom>
+          <a:solidFill>
+            <a:srgbClr val="CFDDDB"/>
+          </a:solidFill>
+          <a:ln>
+            <a:noFill/>
+          </a:ln>
+        </p:spPr>
+        <p:style>
+          <a:lnRef idx="2">
+            <a:schemeClr val="accent1">
+              <a:shade val="50000"/>
+            </a:schemeClr>
+          </a:lnRef>
+          <a:fillRef idx="1">
+            <a:schemeClr val="accent1"/>
+          </a:fillRef>
+          <a:effectRef idx="0">
+            <a:schemeClr val="accent1"/>
+          </a:effectRef>
+          <a:fontRef idx="minor">
+            <a:schemeClr val="lt1"/>
+          </a:fontRef>
+        </p:style>
+        <p:txBody>
+          <a:bodyPr rtlCol="0" anchor="ctr"/>
+          <a:lstStyle/>
+          <a:p>
+            <a:pPr algn="ctr"/>
+            <a:r>
+              <a:rPr lang="en-US" sz="1400" dirty="0">
+                <a:solidFill>
+                  <a:schemeClr val="tx1"/>
+                </a:solidFill>
+              </a:rPr>
+              <a:t>#CFDDDB</a:t>
+            </a:r>
+          </a:p>
+        </p:txBody>
+      </p:sp>
+      <p:sp>
+        <p:nvSpPr>
+          <p:cNvPr id="33" name="Rectangle 32">
+            <a:extLst>
+              <a:ext uri="{FF2B5EF4-FFF2-40B4-BE49-F238E27FC236}">
+                <a16:creationId xmlns:a16="http://schemas.microsoft.com/office/drawing/2014/main" id="{B7E47345-1C63-4774-B325-E99F63075D9E}"/>
+              </a:ext>
+            </a:extLst>
+          </p:cNvPr>
+          <p:cNvSpPr/>
+          <p:nvPr/>
+        </p:nvSpPr>
+        <p:spPr>
+          <a:xfrm>
+            <a:off x="97943" y="2112850"/>
+            <a:ext cx="914400" cy="457200"/>
+          </a:xfrm>
+          <a:prstGeom prst="rect">
+            <a:avLst/>
+          </a:prstGeom>
+          <a:solidFill>
+            <a:srgbClr val="648B7F"/>
+          </a:solidFill>
+          <a:ln>
+            <a:noFill/>
+          </a:ln>
+        </p:spPr>
+        <p:style>
+          <a:lnRef idx="2">
+            <a:schemeClr val="accent1">
+              <a:shade val="50000"/>
+            </a:schemeClr>
+          </a:lnRef>
+          <a:fillRef idx="1">
+            <a:schemeClr val="accent1"/>
+          </a:fillRef>
+          <a:effectRef idx="0">
+            <a:schemeClr val="accent1"/>
+          </a:effectRef>
+          <a:fontRef idx="minor">
+            <a:schemeClr val="lt1"/>
+          </a:fontRef>
+        </p:style>
+        <p:txBody>
+          <a:bodyPr rtlCol="0" anchor="ctr"/>
+          <a:lstStyle/>
+          <a:p>
+            <a:pPr algn="ctr"/>
+            <a:r>
+              <a:rPr lang="en-US" sz="1400" dirty="0">
+                <a:solidFill>
+                  <a:schemeClr val="bg1"/>
+                </a:solidFill>
+              </a:rPr>
+              <a:t>#648B7F</a:t>
+            </a:r>
+          </a:p>
+        </p:txBody>
+      </p:sp>
+      <p:sp>
+        <p:nvSpPr>
+          <p:cNvPr id="35" name="Rectangle 34">
+            <a:extLst>
+              <a:ext uri="{FF2B5EF4-FFF2-40B4-BE49-F238E27FC236}">
+                <a16:creationId xmlns:a16="http://schemas.microsoft.com/office/drawing/2014/main" id="{AEBBCA5E-0D29-4132-8706-F2B28A29E62E}"/>
+              </a:ext>
+            </a:extLst>
+          </p:cNvPr>
+          <p:cNvSpPr/>
+          <p:nvPr/>
+        </p:nvSpPr>
+        <p:spPr>
+          <a:xfrm>
+            <a:off x="110448" y="602390"/>
+            <a:ext cx="914400" cy="457200"/>
+          </a:xfrm>
+          <a:prstGeom prst="rect">
+            <a:avLst/>
+          </a:prstGeom>
+          <a:solidFill>
+            <a:srgbClr val="142133"/>
+          </a:solidFill>
+          <a:ln>
+            <a:noFill/>
+          </a:ln>
+        </p:spPr>
+        <p:style>
+          <a:lnRef idx="2">
+            <a:schemeClr val="accent1">
+              <a:shade val="50000"/>
+            </a:schemeClr>
+          </a:lnRef>
+          <a:fillRef idx="1">
+            <a:schemeClr val="accent1"/>
+          </a:fillRef>
+          <a:effectRef idx="0">
+            <a:schemeClr val="accent1"/>
+          </a:effectRef>
+          <a:fontRef idx="minor">
+            <a:schemeClr val="lt1"/>
+          </a:fontRef>
+        </p:style>
+        <p:txBody>
+          <a:bodyPr rtlCol="0" anchor="ctr"/>
+          <a:lstStyle/>
+          <a:p>
+            <a:pPr algn="ctr"/>
+            <a:r>
+              <a:rPr lang="en-US" sz="1400" dirty="0">
+                <a:solidFill>
+                  <a:schemeClr val="bg1"/>
+                </a:solidFill>
+              </a:rPr>
+              <a:t>#142133</a:t>
+            </a:r>
+          </a:p>
+        </p:txBody>
+      </p:sp>
+      <p:sp>
+        <p:nvSpPr>
+          <p:cNvPr id="37" name="Rectangle 36">
+            <a:extLst>
+              <a:ext uri="{FF2B5EF4-FFF2-40B4-BE49-F238E27FC236}">
+                <a16:creationId xmlns:a16="http://schemas.microsoft.com/office/drawing/2014/main" id="{6F793C87-38FF-4854-B0FC-589EB1ED97C3}"/>
+              </a:ext>
+            </a:extLst>
+          </p:cNvPr>
+          <p:cNvSpPr/>
+          <p:nvPr/>
+        </p:nvSpPr>
+        <p:spPr>
+          <a:xfrm>
+            <a:off x="9776898" y="3480315"/>
+            <a:ext cx="914400" cy="457200"/>
+          </a:xfrm>
+          <a:prstGeom prst="rect">
+            <a:avLst/>
+          </a:prstGeom>
+          <a:solidFill>
+            <a:srgbClr val="3A6357"/>
+          </a:solidFill>
+          <a:ln>
+            <a:noFill/>
+          </a:ln>
+        </p:spPr>
+        <p:style>
+          <a:lnRef idx="2">
+            <a:schemeClr val="accent1">
+              <a:shade val="50000"/>
+            </a:schemeClr>
+          </a:lnRef>
+          <a:fillRef idx="1">
+            <a:schemeClr val="accent1"/>
+          </a:fillRef>
+          <a:effectRef idx="0">
+            <a:schemeClr val="accent1"/>
+          </a:effectRef>
+          <a:fontRef idx="minor">
+            <a:schemeClr val="lt1"/>
+          </a:fontRef>
+        </p:style>
+        <p:txBody>
+          <a:bodyPr rtlCol="0" anchor="ctr"/>
+          <a:lstStyle/>
+          <a:p>
+            <a:pPr algn="ctr"/>
+            <a:r>
+              <a:rPr lang="en-US" sz="1400" dirty="0">
+                <a:solidFill>
+                  <a:schemeClr val="bg1"/>
+                </a:solidFill>
+              </a:rPr>
+              <a:t>#3A6357</a:t>
+            </a:r>
+          </a:p>
+        </p:txBody>
+      </p:sp>
+    </p:spTree>
+    <p:extLst>
+      <p:ext uri="{BB962C8B-B14F-4D97-AF65-F5344CB8AC3E}">
+        <p14:creationId xmlns:p14="http://schemas.microsoft.com/office/powerpoint/2010/main" val="1523986931"/>
+      </p:ext>
+    </p:extLst>
+  </p:cSld>
+  <p:clrMapOvr>
+    <a:masterClrMapping/>
+  </p:clrMapOvr>
+</p:sld>
+</file>
+
+<file path=ppt/slides/slide8.xml><?xml version="1.0" encoding="utf-8"?>
+<p:sld xmlns:a="http://schemas.openxmlformats.org/drawingml/2006/main" xmlns:r="http://schemas.openxmlformats.org/officeDocument/2006/relationships" xmlns:p="http://schemas.openxmlformats.org/presentationml/2006/main">
+  <p:cSld>
+    <p:spTree>
+      <p:nvGrpSpPr>
+        <p:cNvPr id="1" name=""/>
+        <p:cNvGrpSpPr/>
+        <p:nvPr/>
+      </p:nvGrpSpPr>
+      <p:grpSpPr>
+        <a:xfrm>
+          <a:off x="0" y="0"/>
+          <a:ext cx="0" cy="0"/>
+          <a:chOff x="0" y="0"/>
+          <a:chExt cx="0" cy="0"/>
+        </a:xfrm>
+      </p:grpSpPr>
+      <p:sp>
+        <p:nvSpPr>
+          <p:cNvPr id="15" name="Rectangle 14">
+            <a:extLst>
+              <a:ext uri="{FF2B5EF4-FFF2-40B4-BE49-F238E27FC236}">
+                <a16:creationId xmlns:a16="http://schemas.microsoft.com/office/drawing/2014/main" id="{9DAC8E25-BFA8-4EF6-96BA-8DF44BDF4604}"/>
+              </a:ext>
+            </a:extLst>
+          </p:cNvPr>
+          <p:cNvSpPr/>
+          <p:nvPr/>
+        </p:nvSpPr>
+        <p:spPr>
+          <a:xfrm>
+            <a:off x="1371600" y="457200"/>
+            <a:ext cx="1097280" cy="457200"/>
+          </a:xfrm>
+          <a:prstGeom prst="rect">
+            <a:avLst/>
+          </a:prstGeom>
+          <a:solidFill>
+            <a:srgbClr val="F8F9FA"/>
+          </a:solidFill>
+          <a:ln w="3175">
+            <a:noFill/>
+          </a:ln>
+        </p:spPr>
+        <p:style>
+          <a:lnRef idx="2">
+            <a:schemeClr val="accent1">
+              <a:shade val="50000"/>
+            </a:schemeClr>
+          </a:lnRef>
+          <a:fillRef idx="1">
+            <a:schemeClr val="accent1"/>
+          </a:fillRef>
+          <a:effectRef idx="0">
+            <a:schemeClr val="accent1"/>
+          </a:effectRef>
+          <a:fontRef idx="minor">
+            <a:schemeClr val="lt1"/>
+          </a:fontRef>
+        </p:style>
+        <p:txBody>
+          <a:bodyPr rtlCol="0" anchor="ctr"/>
+          <a:lstStyle/>
+          <a:p>
+            <a:pPr algn="ctr"/>
+            <a:r>
+              <a:rPr lang="en-US" sz="1400" dirty="0">
+                <a:solidFill>
+                  <a:schemeClr val="tx1"/>
+                </a:solidFill>
+              </a:rPr>
+              <a:t>#F8F9FA</a:t>
+            </a:r>
+          </a:p>
+        </p:txBody>
+      </p:sp>
+      <p:sp>
+        <p:nvSpPr>
+          <p:cNvPr id="21" name="Rectangle 20">
+            <a:extLst>
+              <a:ext uri="{FF2B5EF4-FFF2-40B4-BE49-F238E27FC236}">
+                <a16:creationId xmlns:a16="http://schemas.microsoft.com/office/drawing/2014/main" id="{3009F5C2-7F3A-4E0F-9FA7-50BE8B657325}"/>
+              </a:ext>
+            </a:extLst>
+          </p:cNvPr>
+          <p:cNvSpPr/>
+          <p:nvPr/>
+        </p:nvSpPr>
+        <p:spPr>
+          <a:xfrm>
+            <a:off x="1371600" y="914400"/>
+            <a:ext cx="1097280" cy="457200"/>
+          </a:xfrm>
+          <a:prstGeom prst="rect">
+            <a:avLst/>
+          </a:prstGeom>
+          <a:solidFill>
+            <a:srgbClr val="E9ECEF"/>
+          </a:solidFill>
+          <a:ln w="3175">
+            <a:noFill/>
+          </a:ln>
+        </p:spPr>
+        <p:style>
+          <a:lnRef idx="2">
+            <a:schemeClr val="accent1">
+              <a:shade val="50000"/>
+            </a:schemeClr>
+          </a:lnRef>
+          <a:fillRef idx="1">
+            <a:schemeClr val="accent1"/>
+          </a:fillRef>
+          <a:effectRef idx="0">
+            <a:schemeClr val="accent1"/>
+          </a:effectRef>
+          <a:fontRef idx="minor">
+            <a:schemeClr val="lt1"/>
+          </a:fontRef>
+        </p:style>
+        <p:txBody>
+          <a:bodyPr rtlCol="0" anchor="ctr"/>
+          <a:lstStyle/>
+          <a:p>
+            <a:pPr algn="ctr"/>
+            <a:r>
+              <a:rPr lang="en-US" sz="1400" dirty="0">
+                <a:solidFill>
+                  <a:schemeClr val="tx1"/>
+                </a:solidFill>
+              </a:rPr>
+              <a:t>#E9ECEF</a:t>
+            </a:r>
+          </a:p>
+        </p:txBody>
+      </p:sp>
+      <p:sp>
+        <p:nvSpPr>
+          <p:cNvPr id="37" name="Rectangle 36">
+            <a:extLst>
+              <a:ext uri="{FF2B5EF4-FFF2-40B4-BE49-F238E27FC236}">
+                <a16:creationId xmlns:a16="http://schemas.microsoft.com/office/drawing/2014/main" id="{636AD901-58A9-48A5-B204-041B50DE2199}"/>
+              </a:ext>
+            </a:extLst>
+          </p:cNvPr>
+          <p:cNvSpPr/>
+          <p:nvPr/>
+        </p:nvSpPr>
+        <p:spPr>
+          <a:xfrm>
+            <a:off x="1371600" y="1371600"/>
+            <a:ext cx="1097280" cy="457200"/>
+          </a:xfrm>
+          <a:prstGeom prst="rect">
+            <a:avLst/>
+          </a:prstGeom>
+          <a:solidFill>
+            <a:srgbClr val="DEE2E6"/>
+          </a:solidFill>
+          <a:ln w="3175">
+            <a:noFill/>
+          </a:ln>
+        </p:spPr>
+        <p:style>
+          <a:lnRef idx="2">
+            <a:schemeClr val="accent1">
+              <a:shade val="50000"/>
+            </a:schemeClr>
+          </a:lnRef>
+          <a:fillRef idx="1">
+            <a:schemeClr val="accent1"/>
+          </a:fillRef>
+          <a:effectRef idx="0">
+            <a:schemeClr val="accent1"/>
+          </a:effectRef>
+          <a:fontRef idx="minor">
+            <a:schemeClr val="lt1"/>
+          </a:fontRef>
+        </p:style>
+        <p:txBody>
+          <a:bodyPr rtlCol="0" anchor="ctr"/>
+          <a:lstStyle/>
+          <a:p>
+            <a:pPr algn="ctr"/>
+            <a:r>
+              <a:rPr lang="en-US" sz="1400" dirty="0">
+                <a:solidFill>
+                  <a:schemeClr val="tx1"/>
+                </a:solidFill>
+              </a:rPr>
+              <a:t>#DEE2E6</a:t>
+            </a:r>
+          </a:p>
+        </p:txBody>
+      </p:sp>
+      <p:sp>
+        <p:nvSpPr>
+          <p:cNvPr id="39" name="Rectangle 38">
+            <a:extLst>
+              <a:ext uri="{FF2B5EF4-FFF2-40B4-BE49-F238E27FC236}">
+                <a16:creationId xmlns:a16="http://schemas.microsoft.com/office/drawing/2014/main" id="{097F371C-50D7-4D54-9E4B-E0A1E1DE0031}"/>
+              </a:ext>
+            </a:extLst>
+          </p:cNvPr>
+          <p:cNvSpPr/>
+          <p:nvPr/>
+        </p:nvSpPr>
+        <p:spPr>
+          <a:xfrm>
+            <a:off x="1371600" y="1828800"/>
+            <a:ext cx="1097280" cy="457200"/>
+          </a:xfrm>
+          <a:prstGeom prst="rect">
+            <a:avLst/>
+          </a:prstGeom>
+          <a:solidFill>
+            <a:srgbClr val="CED4DA"/>
+          </a:solidFill>
+          <a:ln w="3175">
+            <a:noFill/>
+          </a:ln>
+        </p:spPr>
+        <p:style>
+          <a:lnRef idx="2">
+            <a:schemeClr val="accent1">
+              <a:shade val="50000"/>
+            </a:schemeClr>
+          </a:lnRef>
+          <a:fillRef idx="1">
+            <a:schemeClr val="accent1"/>
+          </a:fillRef>
+          <a:effectRef idx="0">
+            <a:schemeClr val="accent1"/>
+          </a:effectRef>
+          <a:fontRef idx="minor">
+            <a:schemeClr val="lt1"/>
+          </a:fontRef>
+        </p:style>
+        <p:txBody>
+          <a:bodyPr rtlCol="0" anchor="ctr"/>
+          <a:lstStyle/>
+          <a:p>
+            <a:pPr algn="ctr"/>
+            <a:r>
+              <a:rPr lang="en-US" sz="1400" dirty="0">
+                <a:solidFill>
+                  <a:schemeClr val="tx1"/>
+                </a:solidFill>
+              </a:rPr>
+              <a:t>#CED4DA</a:t>
+            </a:r>
+          </a:p>
+        </p:txBody>
+      </p:sp>
+      <p:sp>
+        <p:nvSpPr>
+          <p:cNvPr id="41" name="Rectangle 40">
+            <a:extLst>
+              <a:ext uri="{FF2B5EF4-FFF2-40B4-BE49-F238E27FC236}">
+                <a16:creationId xmlns:a16="http://schemas.microsoft.com/office/drawing/2014/main" id="{0C4AA271-4271-43AB-BED4-5D76BEB6CECC}"/>
+              </a:ext>
+            </a:extLst>
+          </p:cNvPr>
+          <p:cNvSpPr/>
+          <p:nvPr/>
+        </p:nvSpPr>
+        <p:spPr>
+          <a:xfrm>
+            <a:off x="1371600" y="2286000"/>
+            <a:ext cx="1097280" cy="457200"/>
+          </a:xfrm>
+          <a:prstGeom prst="rect">
+            <a:avLst/>
+          </a:prstGeom>
+          <a:solidFill>
+            <a:srgbClr val="ADB5BD"/>
+          </a:solidFill>
+          <a:ln w="3175">
+            <a:noFill/>
+          </a:ln>
+        </p:spPr>
+        <p:style>
+          <a:lnRef idx="2">
+            <a:schemeClr val="accent1">
+              <a:shade val="50000"/>
+            </a:schemeClr>
+          </a:lnRef>
+          <a:fillRef idx="1">
+            <a:schemeClr val="accent1"/>
+          </a:fillRef>
+          <a:effectRef idx="0">
+            <a:schemeClr val="accent1"/>
+          </a:effectRef>
+          <a:fontRef idx="minor">
+            <a:schemeClr val="lt1"/>
+          </a:fontRef>
+        </p:style>
+        <p:txBody>
+          <a:bodyPr rtlCol="0" anchor="ctr"/>
+          <a:lstStyle/>
+          <a:p>
+            <a:pPr algn="ctr"/>
+            <a:r>
+              <a:rPr lang="en-US" sz="1400" dirty="0">
+                <a:solidFill>
+                  <a:schemeClr val="tx1"/>
+                </a:solidFill>
+              </a:rPr>
+              <a:t># ADB5BD</a:t>
+            </a:r>
+          </a:p>
+        </p:txBody>
+      </p:sp>
+      <p:sp>
+        <p:nvSpPr>
+          <p:cNvPr id="43" name="Rectangle 42">
+            <a:extLst>
+              <a:ext uri="{FF2B5EF4-FFF2-40B4-BE49-F238E27FC236}">
+                <a16:creationId xmlns:a16="http://schemas.microsoft.com/office/drawing/2014/main" id="{C4CFA200-A3FC-412E-95CA-FCF128EDCC6D}"/>
+              </a:ext>
+            </a:extLst>
+          </p:cNvPr>
+          <p:cNvSpPr/>
+          <p:nvPr/>
+        </p:nvSpPr>
+        <p:spPr>
+          <a:xfrm>
+            <a:off x="1371600" y="2743200"/>
+            <a:ext cx="1097280" cy="457200"/>
+          </a:xfrm>
+          <a:prstGeom prst="rect">
+            <a:avLst/>
+          </a:prstGeom>
+          <a:solidFill>
+            <a:srgbClr val="6C757D"/>
+          </a:solidFill>
+          <a:ln w="3175">
+            <a:noFill/>
+          </a:ln>
+        </p:spPr>
+        <p:style>
+          <a:lnRef idx="2">
+            <a:schemeClr val="accent1">
+              <a:shade val="50000"/>
+            </a:schemeClr>
+          </a:lnRef>
+          <a:fillRef idx="1">
+            <a:schemeClr val="accent1"/>
+          </a:fillRef>
+          <a:effectRef idx="0">
+            <a:schemeClr val="accent1"/>
+          </a:effectRef>
+          <a:fontRef idx="minor">
+            <a:schemeClr val="lt1"/>
+          </a:fontRef>
+        </p:style>
+        <p:txBody>
+          <a:bodyPr rtlCol="0" anchor="ctr"/>
+          <a:lstStyle/>
+          <a:p>
+            <a:pPr algn="ctr"/>
+            <a:r>
+              <a:rPr lang="en-US" sz="1400" dirty="0">
+                <a:solidFill>
+                  <a:schemeClr val="tx1"/>
+                </a:solidFill>
+              </a:rPr>
+              <a:t>#6C757D</a:t>
+            </a:r>
+          </a:p>
+        </p:txBody>
+      </p:sp>
+      <p:sp>
+        <p:nvSpPr>
+          <p:cNvPr id="45" name="Rectangle 44">
+            <a:extLst>
+              <a:ext uri="{FF2B5EF4-FFF2-40B4-BE49-F238E27FC236}">
+                <a16:creationId xmlns:a16="http://schemas.microsoft.com/office/drawing/2014/main" id="{5D31EFE1-A4E1-4DC1-B4F5-B198914E4105}"/>
+              </a:ext>
+            </a:extLst>
+          </p:cNvPr>
+          <p:cNvSpPr/>
+          <p:nvPr/>
+        </p:nvSpPr>
+        <p:spPr>
+          <a:xfrm>
+            <a:off x="1371600" y="3200400"/>
+            <a:ext cx="1097280" cy="457200"/>
+          </a:xfrm>
+          <a:prstGeom prst="rect">
+            <a:avLst/>
+          </a:prstGeom>
+          <a:solidFill>
+            <a:srgbClr val="495057"/>
+          </a:solidFill>
+          <a:ln w="3175">
+            <a:noFill/>
+          </a:ln>
+        </p:spPr>
+        <p:style>
+          <a:lnRef idx="2">
+            <a:schemeClr val="accent1">
+              <a:shade val="50000"/>
+            </a:schemeClr>
+          </a:lnRef>
+          <a:fillRef idx="1">
+            <a:schemeClr val="accent1"/>
+          </a:fillRef>
+          <a:effectRef idx="0">
+            <a:schemeClr val="accent1"/>
+          </a:effectRef>
+          <a:fontRef idx="minor">
+            <a:schemeClr val="lt1"/>
+          </a:fontRef>
+        </p:style>
+        <p:txBody>
+          <a:bodyPr rtlCol="0" anchor="ctr"/>
+          <a:lstStyle/>
+          <a:p>
+            <a:pPr algn="ctr"/>
+            <a:r>
+              <a:rPr lang="en-US" sz="1400" dirty="0">
+                <a:solidFill>
+                  <a:schemeClr val="bg1"/>
+                </a:solidFill>
+              </a:rPr>
+              <a:t>#495057</a:t>
+            </a:r>
+          </a:p>
+        </p:txBody>
+      </p:sp>
+      <p:sp>
+        <p:nvSpPr>
+          <p:cNvPr id="47" name="Rectangle 46">
+            <a:extLst>
+              <a:ext uri="{FF2B5EF4-FFF2-40B4-BE49-F238E27FC236}">
+                <a16:creationId xmlns:a16="http://schemas.microsoft.com/office/drawing/2014/main" id="{051FA4DC-71B0-472D-8D63-BE6924C37ACA}"/>
+              </a:ext>
+            </a:extLst>
+          </p:cNvPr>
+          <p:cNvSpPr/>
+          <p:nvPr/>
+        </p:nvSpPr>
+        <p:spPr>
+          <a:xfrm>
+            <a:off x="1371600" y="3657600"/>
+            <a:ext cx="1097280" cy="457200"/>
+          </a:xfrm>
+          <a:prstGeom prst="rect">
+            <a:avLst/>
+          </a:prstGeom>
+          <a:solidFill>
+            <a:srgbClr val="343A40"/>
+          </a:solidFill>
+          <a:ln w="3175">
+            <a:noFill/>
+          </a:ln>
+        </p:spPr>
+        <p:style>
+          <a:lnRef idx="2">
+            <a:schemeClr val="accent1">
+              <a:shade val="50000"/>
+            </a:schemeClr>
+          </a:lnRef>
+          <a:fillRef idx="1">
+            <a:schemeClr val="accent1"/>
+          </a:fillRef>
+          <a:effectRef idx="0">
+            <a:schemeClr val="accent1"/>
+          </a:effectRef>
+          <a:fontRef idx="minor">
+            <a:schemeClr val="lt1"/>
+          </a:fontRef>
+        </p:style>
+        <p:txBody>
+          <a:bodyPr rtlCol="0" anchor="ctr"/>
+          <a:lstStyle/>
+          <a:p>
+            <a:pPr algn="ctr"/>
+            <a:r>
+              <a:rPr lang="en-US" sz="1400" dirty="0">
+                <a:solidFill>
+                  <a:schemeClr val="bg1"/>
+                </a:solidFill>
+              </a:rPr>
+              <a:t>#343A40</a:t>
+            </a:r>
+          </a:p>
+        </p:txBody>
+      </p:sp>
+      <p:sp>
+        <p:nvSpPr>
+          <p:cNvPr id="49" name="Rectangle 48">
+            <a:extLst>
+              <a:ext uri="{FF2B5EF4-FFF2-40B4-BE49-F238E27FC236}">
+                <a16:creationId xmlns:a16="http://schemas.microsoft.com/office/drawing/2014/main" id="{2D152176-F906-490A-B427-39BE4016AF44}"/>
+              </a:ext>
+            </a:extLst>
+          </p:cNvPr>
+          <p:cNvSpPr/>
+          <p:nvPr/>
+        </p:nvSpPr>
+        <p:spPr>
+          <a:xfrm>
+            <a:off x="1371600" y="4114800"/>
+            <a:ext cx="1097280" cy="457200"/>
+          </a:xfrm>
+          <a:prstGeom prst="rect">
+            <a:avLst/>
+          </a:prstGeom>
+          <a:solidFill>
+            <a:srgbClr val="212529"/>
+          </a:solidFill>
+          <a:ln w="3175">
+            <a:noFill/>
+          </a:ln>
+        </p:spPr>
+        <p:style>
+          <a:lnRef idx="2">
+            <a:schemeClr val="accent1">
+              <a:shade val="50000"/>
+            </a:schemeClr>
+          </a:lnRef>
+          <a:fillRef idx="1">
+            <a:schemeClr val="accent1"/>
+          </a:fillRef>
+          <a:effectRef idx="0">
+            <a:schemeClr val="accent1"/>
+          </a:effectRef>
+          <a:fontRef idx="minor">
+            <a:schemeClr val="lt1"/>
+          </a:fontRef>
+        </p:style>
+        <p:txBody>
+          <a:bodyPr rtlCol="0" anchor="ctr"/>
+          <a:lstStyle/>
+          <a:p>
+            <a:pPr algn="ctr"/>
+            <a:r>
+              <a:rPr lang="en-US" sz="1400" dirty="0">
+                <a:solidFill>
+                  <a:schemeClr val="bg1"/>
+                </a:solidFill>
+              </a:rPr>
+              <a:t>#212529</a:t>
+            </a:r>
+          </a:p>
+        </p:txBody>
+      </p:sp>
+      <p:sp>
+        <p:nvSpPr>
+          <p:cNvPr id="51" name="Rectangle 50">
+            <a:extLst>
+              <a:ext uri="{FF2B5EF4-FFF2-40B4-BE49-F238E27FC236}">
+                <a16:creationId xmlns:a16="http://schemas.microsoft.com/office/drawing/2014/main" id="{9EB36334-2C94-49CE-A3D5-943184DBAA14}"/>
+              </a:ext>
+            </a:extLst>
+          </p:cNvPr>
+          <p:cNvSpPr/>
+          <p:nvPr/>
+        </p:nvSpPr>
+        <p:spPr>
+          <a:xfrm>
+            <a:off x="3259494" y="705418"/>
+            <a:ext cx="1097280" cy="457200"/>
+          </a:xfrm>
+          <a:prstGeom prst="rect">
+            <a:avLst/>
+          </a:prstGeom>
+          <a:solidFill>
+            <a:srgbClr val="E5EBEB"/>
+          </a:solidFill>
+          <a:ln w="3175">
+            <a:noFill/>
+          </a:ln>
+        </p:spPr>
+        <p:style>
+          <a:lnRef idx="2">
+            <a:schemeClr val="accent1">
+              <a:shade val="50000"/>
+            </a:schemeClr>
+          </a:lnRef>
+          <a:fillRef idx="1">
+            <a:schemeClr val="accent1"/>
+          </a:fillRef>
+          <a:effectRef idx="0">
+            <a:schemeClr val="accent1"/>
+          </a:effectRef>
+          <a:fontRef idx="minor">
+            <a:schemeClr val="lt1"/>
+          </a:fontRef>
+        </p:style>
+        <p:txBody>
+          <a:bodyPr rtlCol="0" anchor="ctr"/>
+          <a:lstStyle/>
+          <a:p>
+            <a:pPr algn="ctr"/>
+            <a:r>
+              <a:rPr lang="en-US" sz="1400" dirty="0">
+                <a:solidFill>
+                  <a:schemeClr val="tx1"/>
+                </a:solidFill>
+              </a:rPr>
+              <a:t>#E5EBEB</a:t>
+            </a:r>
+          </a:p>
+        </p:txBody>
+      </p:sp>
+      <p:sp>
+        <p:nvSpPr>
+          <p:cNvPr id="53" name="Rectangle 52">
+            <a:extLst>
+              <a:ext uri="{FF2B5EF4-FFF2-40B4-BE49-F238E27FC236}">
+                <a16:creationId xmlns:a16="http://schemas.microsoft.com/office/drawing/2014/main" id="{DCB6B61F-8672-445A-B515-02820AD1B119}"/>
+              </a:ext>
+            </a:extLst>
+          </p:cNvPr>
+          <p:cNvSpPr/>
+          <p:nvPr/>
+        </p:nvSpPr>
+        <p:spPr>
+          <a:xfrm>
+            <a:off x="3259494" y="1162618"/>
+            <a:ext cx="1097280" cy="457200"/>
+          </a:xfrm>
+          <a:prstGeom prst="rect">
+            <a:avLst/>
+          </a:prstGeom>
+          <a:solidFill>
+            <a:srgbClr val="D4DEDE"/>
+          </a:solidFill>
+          <a:ln w="3175">
+            <a:noFill/>
+          </a:ln>
+        </p:spPr>
+        <p:style>
+          <a:lnRef idx="2">
+            <a:schemeClr val="accent1">
+              <a:shade val="50000"/>
+            </a:schemeClr>
+          </a:lnRef>
+          <a:fillRef idx="1">
+            <a:schemeClr val="accent1"/>
+          </a:fillRef>
+          <a:effectRef idx="0">
+            <a:schemeClr val="accent1"/>
+          </a:effectRef>
+          <a:fontRef idx="minor">
+            <a:schemeClr val="lt1"/>
+          </a:fontRef>
+        </p:style>
+        <p:txBody>
+          <a:bodyPr rtlCol="0" anchor="ctr"/>
+          <a:lstStyle/>
+          <a:p>
+            <a:pPr algn="ctr"/>
+            <a:r>
+              <a:rPr lang="en-US" sz="1400" dirty="0">
+                <a:solidFill>
+                  <a:schemeClr val="tx1"/>
+                </a:solidFill>
+              </a:rPr>
+              <a:t>#D4DEDE</a:t>
+            </a:r>
+          </a:p>
+        </p:txBody>
+      </p:sp>
+      <p:sp>
+        <p:nvSpPr>
+          <p:cNvPr id="55" name="Rectangle 54">
+            <a:extLst>
+              <a:ext uri="{FF2B5EF4-FFF2-40B4-BE49-F238E27FC236}">
+                <a16:creationId xmlns:a16="http://schemas.microsoft.com/office/drawing/2014/main" id="{36E987E0-2F84-4DBE-8FBF-B5D2798DA9F9}"/>
+              </a:ext>
+            </a:extLst>
+          </p:cNvPr>
+          <p:cNvSpPr/>
+          <p:nvPr/>
+        </p:nvSpPr>
+        <p:spPr>
+          <a:xfrm>
+            <a:off x="3259494" y="1619818"/>
+            <a:ext cx="1097280" cy="457200"/>
+          </a:xfrm>
+          <a:prstGeom prst="rect">
+            <a:avLst/>
+          </a:prstGeom>
+          <a:solidFill>
+            <a:srgbClr val="CBD7D7"/>
+          </a:solidFill>
+          <a:ln w="3175">
+            <a:noFill/>
+          </a:ln>
+        </p:spPr>
+        <p:style>
+          <a:lnRef idx="2">
+            <a:schemeClr val="accent1">
+              <a:shade val="50000"/>
+            </a:schemeClr>
+          </a:lnRef>
+          <a:fillRef idx="1">
+            <a:schemeClr val="accent1"/>
+          </a:fillRef>
+          <a:effectRef idx="0">
+            <a:schemeClr val="accent1"/>
+          </a:effectRef>
+          <a:fontRef idx="minor">
+            <a:schemeClr val="lt1"/>
+          </a:fontRef>
+        </p:style>
+        <p:txBody>
+          <a:bodyPr rtlCol="0" anchor="ctr"/>
+          <a:lstStyle/>
+          <a:p>
+            <a:pPr algn="ctr"/>
+            <a:r>
+              <a:rPr lang="en-US" sz="1400" dirty="0">
+                <a:solidFill>
+                  <a:schemeClr val="tx1"/>
+                </a:solidFill>
+              </a:rPr>
+              <a:t>#CBD7D7</a:t>
+            </a:r>
+          </a:p>
+        </p:txBody>
+      </p:sp>
+      <p:sp>
+        <p:nvSpPr>
+          <p:cNvPr id="57" name="Rectangle 56">
+            <a:extLst>
+              <a:ext uri="{FF2B5EF4-FFF2-40B4-BE49-F238E27FC236}">
+                <a16:creationId xmlns:a16="http://schemas.microsoft.com/office/drawing/2014/main" id="{C9A5F0D6-4C14-45D8-AE2F-1892B18E9E2B}"/>
+              </a:ext>
+            </a:extLst>
+          </p:cNvPr>
+          <p:cNvSpPr/>
+          <p:nvPr/>
+        </p:nvSpPr>
+        <p:spPr>
+          <a:xfrm>
+            <a:off x="3259494" y="2077018"/>
+            <a:ext cx="1097280" cy="457200"/>
+          </a:xfrm>
+          <a:prstGeom prst="rect">
+            <a:avLst/>
+          </a:prstGeom>
+          <a:solidFill>
+            <a:srgbClr val="C2D0D0"/>
+          </a:solidFill>
+          <a:ln w="3175">
+            <a:noFill/>
+          </a:ln>
+        </p:spPr>
+        <p:style>
+          <a:lnRef idx="2">
+            <a:schemeClr val="accent1">
+              <a:shade val="50000"/>
+            </a:schemeClr>
+          </a:lnRef>
+          <a:fillRef idx="1">
+            <a:schemeClr val="accent1"/>
+          </a:fillRef>
+          <a:effectRef idx="0">
+            <a:schemeClr val="accent1"/>
+          </a:effectRef>
+          <a:fontRef idx="minor">
+            <a:schemeClr val="lt1"/>
+          </a:fontRef>
+        </p:style>
+        <p:txBody>
+          <a:bodyPr rtlCol="0" anchor="ctr"/>
+          <a:lstStyle/>
+          <a:p>
+            <a:pPr algn="ctr"/>
+            <a:r>
+              <a:rPr lang="en-US" sz="1400" dirty="0">
+                <a:solidFill>
+                  <a:schemeClr val="tx1"/>
+                </a:solidFill>
+              </a:rPr>
+              <a:t>#C2D0D0</a:t>
+            </a:r>
+          </a:p>
+        </p:txBody>
+      </p:sp>
+      <p:sp>
+        <p:nvSpPr>
+          <p:cNvPr id="59" name="Rectangle 58">
+            <a:extLst>
+              <a:ext uri="{FF2B5EF4-FFF2-40B4-BE49-F238E27FC236}">
+                <a16:creationId xmlns:a16="http://schemas.microsoft.com/office/drawing/2014/main" id="{1FD3E4DD-F447-4A1D-B0A7-F6A16D8D978D}"/>
+              </a:ext>
+            </a:extLst>
+          </p:cNvPr>
+          <p:cNvSpPr/>
+          <p:nvPr/>
+        </p:nvSpPr>
+        <p:spPr>
+          <a:xfrm>
+            <a:off x="3259494" y="2534218"/>
+            <a:ext cx="1097280" cy="457200"/>
+          </a:xfrm>
+          <a:prstGeom prst="rect">
+            <a:avLst/>
+          </a:prstGeom>
+          <a:solidFill>
+            <a:srgbClr val="BACACA"/>
+          </a:solidFill>
+          <a:ln w="3175">
+            <a:noFill/>
+          </a:ln>
+        </p:spPr>
+        <p:style>
+          <a:lnRef idx="2">
+            <a:schemeClr val="accent1">
+              <a:shade val="50000"/>
+            </a:schemeClr>
+          </a:lnRef>
+          <a:fillRef idx="1">
+            <a:schemeClr val="accent1"/>
+          </a:fillRef>
+          <a:effectRef idx="0">
+            <a:schemeClr val="accent1"/>
+          </a:effectRef>
+          <a:fontRef idx="minor">
+            <a:schemeClr val="lt1"/>
+          </a:fontRef>
+        </p:style>
+        <p:txBody>
+          <a:bodyPr rtlCol="0" anchor="ctr"/>
+          <a:lstStyle/>
+          <a:p>
+            <a:pPr algn="ctr"/>
+            <a:r>
+              <a:rPr lang="en-US" sz="1400" dirty="0">
+                <a:solidFill>
+                  <a:schemeClr val="tx1"/>
+                </a:solidFill>
+              </a:rPr>
+              <a:t># BACACA</a:t>
+            </a:r>
+          </a:p>
+        </p:txBody>
+      </p:sp>
+      <p:sp>
+        <p:nvSpPr>
+          <p:cNvPr id="61" name="Rectangle 60">
+            <a:extLst>
+              <a:ext uri="{FF2B5EF4-FFF2-40B4-BE49-F238E27FC236}">
+                <a16:creationId xmlns:a16="http://schemas.microsoft.com/office/drawing/2014/main" id="{74C8C94E-2C31-4D9F-A7AF-C47892900737}"/>
+              </a:ext>
+            </a:extLst>
+          </p:cNvPr>
+          <p:cNvSpPr/>
+          <p:nvPr/>
+        </p:nvSpPr>
+        <p:spPr>
+          <a:xfrm>
+            <a:off x="3259494" y="2991418"/>
+            <a:ext cx="1097280" cy="457200"/>
+          </a:xfrm>
+          <a:prstGeom prst="rect">
+            <a:avLst/>
+          </a:prstGeom>
+          <a:solidFill>
+            <a:srgbClr val="A9BDBD"/>
+          </a:solidFill>
+          <a:ln w="3175">
+            <a:noFill/>
+          </a:ln>
+        </p:spPr>
+        <p:style>
+          <a:lnRef idx="2">
+            <a:schemeClr val="accent1">
+              <a:shade val="50000"/>
+            </a:schemeClr>
+          </a:lnRef>
+          <a:fillRef idx="1">
+            <a:schemeClr val="accent1"/>
+          </a:fillRef>
+          <a:effectRef idx="0">
+            <a:schemeClr val="accent1"/>
+          </a:effectRef>
+          <a:fontRef idx="minor">
+            <a:schemeClr val="lt1"/>
+          </a:fontRef>
+        </p:style>
+        <p:txBody>
+          <a:bodyPr rtlCol="0" anchor="ctr"/>
+          <a:lstStyle/>
+          <a:p>
+            <a:pPr algn="ctr"/>
+            <a:r>
+              <a:rPr lang="en-US" sz="1400" dirty="0">
+                <a:solidFill>
+                  <a:schemeClr val="tx1"/>
+                </a:solidFill>
+              </a:rPr>
+              <a:t>#A9BDBD</a:t>
+            </a:r>
+          </a:p>
+        </p:txBody>
+      </p:sp>
+      <p:sp>
+        <p:nvSpPr>
+          <p:cNvPr id="63" name="Rectangle 62">
+            <a:extLst>
+              <a:ext uri="{FF2B5EF4-FFF2-40B4-BE49-F238E27FC236}">
+                <a16:creationId xmlns:a16="http://schemas.microsoft.com/office/drawing/2014/main" id="{B46D13C8-D93E-4434-A83E-DCEF99110517}"/>
+              </a:ext>
+            </a:extLst>
+          </p:cNvPr>
+          <p:cNvSpPr/>
+          <p:nvPr/>
+        </p:nvSpPr>
+        <p:spPr>
+          <a:xfrm>
+            <a:off x="3259494" y="3448618"/>
+            <a:ext cx="1097280" cy="457200"/>
+          </a:xfrm>
+          <a:prstGeom prst="rect">
+            <a:avLst/>
+          </a:prstGeom>
+          <a:solidFill>
+            <a:srgbClr val="657171"/>
+          </a:solidFill>
+          <a:ln w="3175">
+            <a:noFill/>
+          </a:ln>
+        </p:spPr>
+        <p:style>
+          <a:lnRef idx="2">
+            <a:schemeClr val="accent1">
+              <a:shade val="50000"/>
+            </a:schemeClr>
+          </a:lnRef>
+          <a:fillRef idx="1">
+            <a:schemeClr val="accent1"/>
+          </a:fillRef>
+          <a:effectRef idx="0">
+            <a:schemeClr val="accent1"/>
+          </a:effectRef>
+          <a:fontRef idx="minor">
+            <a:schemeClr val="lt1"/>
+          </a:fontRef>
+        </p:style>
+        <p:txBody>
+          <a:bodyPr rtlCol="0" anchor="ctr"/>
+          <a:lstStyle/>
+          <a:p>
+            <a:pPr algn="ctr"/>
+            <a:r>
+              <a:rPr lang="en-US" sz="1400" dirty="0">
+                <a:solidFill>
+                  <a:schemeClr val="bg1"/>
+                </a:solidFill>
+              </a:rPr>
+              <a:t>#657171</a:t>
+            </a:r>
+          </a:p>
+        </p:txBody>
+      </p:sp>
+      <p:sp>
+        <p:nvSpPr>
+          <p:cNvPr id="65" name="Rectangle 64">
+            <a:extLst>
+              <a:ext uri="{FF2B5EF4-FFF2-40B4-BE49-F238E27FC236}">
+                <a16:creationId xmlns:a16="http://schemas.microsoft.com/office/drawing/2014/main" id="{8B65FD9F-6AC9-41BE-B593-8EC63A96F6C9}"/>
+              </a:ext>
+            </a:extLst>
+          </p:cNvPr>
+          <p:cNvSpPr/>
+          <p:nvPr/>
+        </p:nvSpPr>
+        <p:spPr>
+          <a:xfrm>
+            <a:off x="3259494" y="3905818"/>
+            <a:ext cx="1097280" cy="457200"/>
+          </a:xfrm>
+          <a:prstGeom prst="rect">
+            <a:avLst/>
+          </a:prstGeom>
+          <a:solidFill>
+            <a:srgbClr val="323838"/>
+          </a:solidFill>
+          <a:ln w="3175">
+            <a:noFill/>
+          </a:ln>
+        </p:spPr>
+        <p:style>
+          <a:lnRef idx="2">
+            <a:schemeClr val="accent1">
+              <a:shade val="50000"/>
+            </a:schemeClr>
+          </a:lnRef>
+          <a:fillRef idx="1">
+            <a:schemeClr val="accent1"/>
+          </a:fillRef>
+          <a:effectRef idx="0">
+            <a:schemeClr val="accent1"/>
+          </a:effectRef>
+          <a:fontRef idx="minor">
+            <a:schemeClr val="lt1"/>
+          </a:fontRef>
+        </p:style>
+        <p:txBody>
+          <a:bodyPr rtlCol="0" anchor="ctr"/>
+          <a:lstStyle/>
+          <a:p>
+            <a:pPr algn="ctr"/>
+            <a:r>
+              <a:rPr lang="en-US" sz="1400" dirty="0">
+                <a:solidFill>
+                  <a:schemeClr val="bg1"/>
+                </a:solidFill>
+              </a:rPr>
+              <a:t>#323838</a:t>
+            </a:r>
+          </a:p>
+        </p:txBody>
+      </p:sp>
+      <p:sp>
+        <p:nvSpPr>
+          <p:cNvPr id="67" name="Rectangle 66">
+            <a:extLst>
+              <a:ext uri="{FF2B5EF4-FFF2-40B4-BE49-F238E27FC236}">
+                <a16:creationId xmlns:a16="http://schemas.microsoft.com/office/drawing/2014/main" id="{82202640-4C1B-454F-98A9-22789FA42514}"/>
+              </a:ext>
+            </a:extLst>
+          </p:cNvPr>
+          <p:cNvSpPr/>
+          <p:nvPr/>
+        </p:nvSpPr>
+        <p:spPr>
+          <a:xfrm>
+            <a:off x="3259494" y="4363018"/>
+            <a:ext cx="1097280" cy="457200"/>
+          </a:xfrm>
+          <a:prstGeom prst="rect">
+            <a:avLst/>
+          </a:prstGeom>
+          <a:solidFill>
+            <a:srgbClr val="212525"/>
+          </a:solidFill>
+          <a:ln w="3175">
+            <a:noFill/>
+          </a:ln>
+        </p:spPr>
+        <p:style>
+          <a:lnRef idx="2">
+            <a:schemeClr val="accent1">
+              <a:shade val="50000"/>
+            </a:schemeClr>
+          </a:lnRef>
+          <a:fillRef idx="1">
+            <a:schemeClr val="accent1"/>
+          </a:fillRef>
+          <a:effectRef idx="0">
+            <a:schemeClr val="accent1"/>
+          </a:effectRef>
+          <a:fontRef idx="minor">
+            <a:schemeClr val="lt1"/>
+          </a:fontRef>
+        </p:style>
+        <p:txBody>
+          <a:bodyPr rtlCol="0" anchor="ctr"/>
+          <a:lstStyle/>
+          <a:p>
+            <a:pPr algn="ctr"/>
+            <a:r>
+              <a:rPr lang="en-US" sz="1400" dirty="0">
+                <a:solidFill>
+                  <a:schemeClr val="bg1"/>
+                </a:solidFill>
+              </a:rPr>
+              <a:t>#212525</a:t>
+            </a:r>
+          </a:p>
+        </p:txBody>
+      </p:sp>
+      <p:sp>
+        <p:nvSpPr>
+          <p:cNvPr id="91" name="Rectangle 90">
+            <a:extLst>
+              <a:ext uri="{FF2B5EF4-FFF2-40B4-BE49-F238E27FC236}">
+                <a16:creationId xmlns:a16="http://schemas.microsoft.com/office/drawing/2014/main" id="{15234F65-5AA4-4A61-8F58-D1D56C670514}"/>
+              </a:ext>
+            </a:extLst>
+          </p:cNvPr>
+          <p:cNvSpPr/>
+          <p:nvPr/>
+        </p:nvSpPr>
+        <p:spPr>
+          <a:xfrm>
+            <a:off x="3259494" y="248218"/>
+            <a:ext cx="1097280" cy="457200"/>
+          </a:xfrm>
+          <a:prstGeom prst="rect">
+            <a:avLst/>
+          </a:prstGeom>
+          <a:solidFill>
+            <a:srgbClr val="F6F8F8"/>
+          </a:solidFill>
+          <a:ln w="3175">
+            <a:noFill/>
+          </a:ln>
+        </p:spPr>
+        <p:style>
+          <a:lnRef idx="2">
+            <a:schemeClr val="accent1">
+              <a:shade val="50000"/>
+            </a:schemeClr>
+          </a:lnRef>
+          <a:fillRef idx="1">
+            <a:schemeClr val="accent1"/>
+          </a:fillRef>
+          <a:effectRef idx="0">
+            <a:schemeClr val="accent1"/>
+          </a:effectRef>
+          <a:fontRef idx="minor">
+            <a:schemeClr val="lt1"/>
+          </a:fontRef>
+        </p:style>
+        <p:txBody>
+          <a:bodyPr rtlCol="0" anchor="ctr"/>
+          <a:lstStyle/>
+          <a:p>
+            <a:pPr algn="ctr"/>
+            <a:r>
+              <a:rPr lang="en-US" sz="1400" dirty="0">
+                <a:solidFill>
+                  <a:schemeClr val="tx1"/>
+                </a:solidFill>
+              </a:rPr>
+              <a:t>#F6F8F8</a:t>
+            </a:r>
+          </a:p>
+        </p:txBody>
+      </p:sp>
+      <p:sp>
+        <p:nvSpPr>
+          <p:cNvPr id="93" name="Rectangle 92">
+            <a:extLst>
+              <a:ext uri="{FF2B5EF4-FFF2-40B4-BE49-F238E27FC236}">
+                <a16:creationId xmlns:a16="http://schemas.microsoft.com/office/drawing/2014/main" id="{34B8A8ED-78EC-445B-B5E2-FF771074F567}"/>
+              </a:ext>
+            </a:extLst>
+          </p:cNvPr>
+          <p:cNvSpPr/>
+          <p:nvPr/>
+        </p:nvSpPr>
+        <p:spPr>
+          <a:xfrm>
+            <a:off x="4733731" y="457200"/>
+            <a:ext cx="1097280" cy="457200"/>
+          </a:xfrm>
+          <a:prstGeom prst="rect">
+            <a:avLst/>
+          </a:prstGeom>
+          <a:solidFill>
+            <a:srgbClr val="F5FCFC"/>
+          </a:solidFill>
+          <a:ln w="3175">
+            <a:noFill/>
+          </a:ln>
+        </p:spPr>
+        <p:style>
+          <a:lnRef idx="2">
+            <a:schemeClr val="accent1">
+              <a:shade val="50000"/>
+            </a:schemeClr>
+          </a:lnRef>
+          <a:fillRef idx="1">
+            <a:schemeClr val="accent1"/>
+          </a:fillRef>
+          <a:effectRef idx="0">
+            <a:schemeClr val="accent1"/>
+          </a:effectRef>
+          <a:fontRef idx="minor">
+            <a:schemeClr val="lt1"/>
+          </a:fontRef>
+        </p:style>
+        <p:txBody>
+          <a:bodyPr rtlCol="0" anchor="ctr"/>
+          <a:lstStyle/>
+          <a:p>
+            <a:pPr algn="ctr"/>
+            <a:r>
+              <a:rPr lang="en-US" sz="1400" dirty="0">
+                <a:solidFill>
+                  <a:schemeClr val="tx1"/>
+                </a:solidFill>
+              </a:rPr>
+              <a:t>#F5FCFC</a:t>
+            </a:r>
+          </a:p>
+        </p:txBody>
+      </p:sp>
+      <p:sp>
+        <p:nvSpPr>
+          <p:cNvPr id="95" name="Rectangle 94">
+            <a:extLst>
+              <a:ext uri="{FF2B5EF4-FFF2-40B4-BE49-F238E27FC236}">
+                <a16:creationId xmlns:a16="http://schemas.microsoft.com/office/drawing/2014/main" id="{4592E892-30E6-4644-9D52-7D3A473FAD5E}"/>
+              </a:ext>
+            </a:extLst>
+          </p:cNvPr>
+          <p:cNvSpPr/>
+          <p:nvPr/>
+        </p:nvSpPr>
+        <p:spPr>
+          <a:xfrm>
+            <a:off x="4733731" y="914400"/>
+            <a:ext cx="1097280" cy="457200"/>
+          </a:xfrm>
+          <a:prstGeom prst="rect">
+            <a:avLst/>
+          </a:prstGeom>
+          <a:solidFill>
+            <a:srgbClr val="E9ECEF"/>
+          </a:solidFill>
+          <a:ln w="3175">
+            <a:noFill/>
+          </a:ln>
+        </p:spPr>
+        <p:style>
+          <a:lnRef idx="2">
+            <a:schemeClr val="accent1">
+              <a:shade val="50000"/>
+            </a:schemeClr>
+          </a:lnRef>
+          <a:fillRef idx="1">
+            <a:schemeClr val="accent1"/>
+          </a:fillRef>
+          <a:effectRef idx="0">
+            <a:schemeClr val="accent1"/>
+          </a:effectRef>
+          <a:fontRef idx="minor">
+            <a:schemeClr val="lt1"/>
+          </a:fontRef>
+        </p:style>
+        <p:txBody>
+          <a:bodyPr rtlCol="0" anchor="ctr"/>
+          <a:lstStyle/>
+          <a:p>
+            <a:pPr algn="ctr"/>
+            <a:r>
+              <a:rPr lang="en-US" sz="1400" dirty="0">
+                <a:solidFill>
+                  <a:schemeClr val="tx1"/>
+                </a:solidFill>
+              </a:rPr>
+              <a:t>#E9ECEF</a:t>
+            </a:r>
+          </a:p>
+        </p:txBody>
+      </p:sp>
+      <p:sp>
+        <p:nvSpPr>
+          <p:cNvPr id="97" name="Rectangle 96">
+            <a:extLst>
+              <a:ext uri="{FF2B5EF4-FFF2-40B4-BE49-F238E27FC236}">
+                <a16:creationId xmlns:a16="http://schemas.microsoft.com/office/drawing/2014/main" id="{0C6174F9-938D-4635-8DEE-67132F486AA2}"/>
+              </a:ext>
+            </a:extLst>
+          </p:cNvPr>
+          <p:cNvSpPr/>
+          <p:nvPr/>
+        </p:nvSpPr>
+        <p:spPr>
+          <a:xfrm>
+            <a:off x="4733731" y="1371600"/>
+            <a:ext cx="1097280" cy="457200"/>
+          </a:xfrm>
+          <a:prstGeom prst="rect">
+            <a:avLst/>
+          </a:prstGeom>
+          <a:solidFill>
+            <a:srgbClr val="DEE2E6"/>
+          </a:solidFill>
+          <a:ln w="3175">
+            <a:noFill/>
+          </a:ln>
+        </p:spPr>
+        <p:style>
+          <a:lnRef idx="2">
+            <a:schemeClr val="accent1">
+              <a:shade val="50000"/>
+            </a:schemeClr>
+          </a:lnRef>
+          <a:fillRef idx="1">
+            <a:schemeClr val="accent1"/>
+          </a:fillRef>
+          <a:effectRef idx="0">
+            <a:schemeClr val="accent1"/>
+          </a:effectRef>
+          <a:fontRef idx="minor">
+            <a:schemeClr val="lt1"/>
+          </a:fontRef>
+        </p:style>
+        <p:txBody>
+          <a:bodyPr rtlCol="0" anchor="ctr"/>
+          <a:lstStyle/>
+          <a:p>
+            <a:pPr algn="ctr"/>
+            <a:r>
+              <a:rPr lang="en-US" sz="1400" dirty="0">
+                <a:solidFill>
+                  <a:schemeClr val="tx1"/>
+                </a:solidFill>
+              </a:rPr>
+              <a:t>#DEE2E6</a:t>
+            </a:r>
+          </a:p>
+        </p:txBody>
+      </p:sp>
+      <p:sp>
+        <p:nvSpPr>
+          <p:cNvPr id="99" name="Rectangle 98">
+            <a:extLst>
+              <a:ext uri="{FF2B5EF4-FFF2-40B4-BE49-F238E27FC236}">
+                <a16:creationId xmlns:a16="http://schemas.microsoft.com/office/drawing/2014/main" id="{718E2227-0D44-48AE-BF55-996F55D222DC}"/>
+              </a:ext>
+            </a:extLst>
+          </p:cNvPr>
+          <p:cNvSpPr/>
+          <p:nvPr/>
+        </p:nvSpPr>
+        <p:spPr>
+          <a:xfrm>
+            <a:off x="4733731" y="1828800"/>
+            <a:ext cx="1097280" cy="457200"/>
+          </a:xfrm>
+          <a:prstGeom prst="rect">
+            <a:avLst/>
+          </a:prstGeom>
+          <a:solidFill>
+            <a:srgbClr val="CBCED2"/>
+          </a:solidFill>
+          <a:ln w="3175">
+            <a:noFill/>
+          </a:ln>
+        </p:spPr>
+        <p:style>
+          <a:lnRef idx="2">
+            <a:schemeClr val="accent1">
+              <a:shade val="50000"/>
+            </a:schemeClr>
+          </a:lnRef>
+          <a:fillRef idx="1">
+            <a:schemeClr val="accent1"/>
+          </a:fillRef>
+          <a:effectRef idx="0">
+            <a:schemeClr val="accent1"/>
+          </a:effectRef>
+          <a:fontRef idx="minor">
+            <a:schemeClr val="lt1"/>
+          </a:fontRef>
+        </p:style>
+        <p:txBody>
+          <a:bodyPr rtlCol="0" anchor="ctr"/>
+          <a:lstStyle/>
+          <a:p>
+            <a:pPr algn="ctr"/>
+            <a:r>
+              <a:rPr lang="en-US" sz="1400" dirty="0">
+                <a:solidFill>
+                  <a:schemeClr val="tx1"/>
+                </a:solidFill>
+              </a:rPr>
+              <a:t>#CBCED2</a:t>
+            </a:r>
+          </a:p>
+        </p:txBody>
+      </p:sp>
+      <p:sp>
+        <p:nvSpPr>
+          <p:cNvPr id="101" name="Rectangle 100">
+            <a:extLst>
+              <a:ext uri="{FF2B5EF4-FFF2-40B4-BE49-F238E27FC236}">
+                <a16:creationId xmlns:a16="http://schemas.microsoft.com/office/drawing/2014/main" id="{EEFB16DF-A62D-4E34-8DC0-D1619E9F1496}"/>
+              </a:ext>
+            </a:extLst>
+          </p:cNvPr>
+          <p:cNvSpPr/>
+          <p:nvPr/>
+        </p:nvSpPr>
+        <p:spPr>
+          <a:xfrm>
+            <a:off x="4733731" y="2286000"/>
+            <a:ext cx="1097280" cy="457200"/>
+          </a:xfrm>
+          <a:prstGeom prst="rect">
+            <a:avLst/>
+          </a:prstGeom>
+          <a:solidFill>
+            <a:srgbClr val="A2A6AA"/>
+          </a:solidFill>
+          <a:ln w="3175">
+            <a:noFill/>
+          </a:ln>
+        </p:spPr>
+        <p:style>
+          <a:lnRef idx="2">
+            <a:schemeClr val="accent1">
+              <a:shade val="50000"/>
+            </a:schemeClr>
+          </a:lnRef>
+          <a:fillRef idx="1">
+            <a:schemeClr val="accent1"/>
+          </a:fillRef>
+          <a:effectRef idx="0">
+            <a:schemeClr val="accent1"/>
+          </a:effectRef>
+          <a:fontRef idx="minor">
+            <a:schemeClr val="lt1"/>
+          </a:fontRef>
+        </p:style>
+        <p:txBody>
+          <a:bodyPr rtlCol="0" anchor="ctr"/>
+          <a:lstStyle/>
+          <a:p>
+            <a:pPr algn="ctr"/>
+            <a:r>
+              <a:rPr lang="en-US" sz="1400" dirty="0">
+                <a:solidFill>
+                  <a:schemeClr val="tx1"/>
+                </a:solidFill>
+              </a:rPr>
+              <a:t># A2A6AA</a:t>
+            </a:r>
+          </a:p>
+        </p:txBody>
+      </p:sp>
+      <p:sp>
+        <p:nvSpPr>
+          <p:cNvPr id="103" name="Rectangle 102">
+            <a:extLst>
+              <a:ext uri="{FF2B5EF4-FFF2-40B4-BE49-F238E27FC236}">
+                <a16:creationId xmlns:a16="http://schemas.microsoft.com/office/drawing/2014/main" id="{43198963-9AB2-4813-9CA6-51CD61209F38}"/>
+              </a:ext>
+            </a:extLst>
+          </p:cNvPr>
+          <p:cNvSpPr/>
+          <p:nvPr/>
+        </p:nvSpPr>
+        <p:spPr>
+          <a:xfrm>
+            <a:off x="4733731" y="2743200"/>
+            <a:ext cx="1097280" cy="457200"/>
+          </a:xfrm>
+          <a:prstGeom prst="rect">
+            <a:avLst/>
+          </a:prstGeom>
+          <a:solidFill>
+            <a:srgbClr val="6B6F73"/>
+          </a:solidFill>
+          <a:ln w="3175">
+            <a:noFill/>
+          </a:ln>
+        </p:spPr>
+        <p:style>
+          <a:lnRef idx="2">
+            <a:schemeClr val="accent1">
+              <a:shade val="50000"/>
+            </a:schemeClr>
+          </a:lnRef>
+          <a:fillRef idx="1">
+            <a:schemeClr val="accent1"/>
+          </a:fillRef>
+          <a:effectRef idx="0">
+            <a:schemeClr val="accent1"/>
+          </a:effectRef>
+          <a:fontRef idx="minor">
+            <a:schemeClr val="lt1"/>
+          </a:fontRef>
+        </p:style>
+        <p:txBody>
+          <a:bodyPr rtlCol="0" anchor="ctr"/>
+          <a:lstStyle/>
+          <a:p>
+            <a:pPr algn="ctr"/>
+            <a:r>
+              <a:rPr lang="en-US" sz="1400" dirty="0">
+                <a:solidFill>
+                  <a:schemeClr val="tx1"/>
+                </a:solidFill>
+              </a:rPr>
+              <a:t>#6B6F73</a:t>
+            </a:r>
+          </a:p>
+        </p:txBody>
+      </p:sp>
+      <p:sp>
+        <p:nvSpPr>
+          <p:cNvPr id="105" name="Rectangle 104">
+            <a:extLst>
+              <a:ext uri="{FF2B5EF4-FFF2-40B4-BE49-F238E27FC236}">
+                <a16:creationId xmlns:a16="http://schemas.microsoft.com/office/drawing/2014/main" id="{E4E35DB9-C817-4DFF-A65F-929E36D91500}"/>
+              </a:ext>
+            </a:extLst>
+          </p:cNvPr>
+          <p:cNvSpPr/>
+          <p:nvPr/>
+        </p:nvSpPr>
+        <p:spPr>
+          <a:xfrm>
+            <a:off x="4733731" y="3200400"/>
+            <a:ext cx="1097280" cy="457200"/>
+          </a:xfrm>
+          <a:prstGeom prst="rect">
+            <a:avLst/>
+          </a:prstGeom>
+          <a:solidFill>
+            <a:srgbClr val="4C5157"/>
+          </a:solidFill>
+          <a:ln w="3175">
+            <a:noFill/>
+          </a:ln>
+        </p:spPr>
+        <p:style>
+          <a:lnRef idx="2">
+            <a:schemeClr val="accent1">
+              <a:shade val="50000"/>
+            </a:schemeClr>
+          </a:lnRef>
+          <a:fillRef idx="1">
+            <a:schemeClr val="accent1"/>
+          </a:fillRef>
+          <a:effectRef idx="0">
+            <a:schemeClr val="accent1"/>
+          </a:effectRef>
+          <a:fontRef idx="minor">
+            <a:schemeClr val="lt1"/>
+          </a:fontRef>
+        </p:style>
+        <p:txBody>
+          <a:bodyPr rtlCol="0" anchor="ctr"/>
+          <a:lstStyle/>
+          <a:p>
+            <a:pPr algn="ctr"/>
+            <a:r>
+              <a:rPr lang="en-US" sz="1400" dirty="0">
+                <a:solidFill>
+                  <a:schemeClr val="bg1"/>
+                </a:solidFill>
+              </a:rPr>
+              <a:t>#4C5157</a:t>
+            </a:r>
+          </a:p>
+        </p:txBody>
+      </p:sp>
+      <p:sp>
+        <p:nvSpPr>
+          <p:cNvPr id="107" name="Rectangle 106">
+            <a:extLst>
+              <a:ext uri="{FF2B5EF4-FFF2-40B4-BE49-F238E27FC236}">
+                <a16:creationId xmlns:a16="http://schemas.microsoft.com/office/drawing/2014/main" id="{51FEA32F-3D06-4283-AA1B-73055BF6A449}"/>
+              </a:ext>
+            </a:extLst>
+          </p:cNvPr>
+          <p:cNvSpPr/>
+          <p:nvPr/>
+        </p:nvSpPr>
+        <p:spPr>
+          <a:xfrm>
+            <a:off x="4733731" y="3657600"/>
+            <a:ext cx="1097280" cy="457200"/>
+          </a:xfrm>
+          <a:prstGeom prst="rect">
+            <a:avLst/>
+          </a:prstGeom>
+          <a:solidFill>
+            <a:srgbClr val="384046"/>
+          </a:solidFill>
+          <a:ln w="3175">
+            <a:noFill/>
+          </a:ln>
+        </p:spPr>
+        <p:style>
+          <a:lnRef idx="2">
+            <a:schemeClr val="accent1">
+              <a:shade val="50000"/>
+            </a:schemeClr>
+          </a:lnRef>
+          <a:fillRef idx="1">
+            <a:schemeClr val="accent1"/>
+          </a:fillRef>
+          <a:effectRef idx="0">
+            <a:schemeClr val="accent1"/>
+          </a:effectRef>
+          <a:fontRef idx="minor">
+            <a:schemeClr val="lt1"/>
+          </a:fontRef>
+        </p:style>
+        <p:txBody>
+          <a:bodyPr rtlCol="0" anchor="ctr"/>
+          <a:lstStyle/>
+          <a:p>
+            <a:pPr algn="ctr"/>
+            <a:r>
+              <a:rPr lang="en-US" sz="1400" dirty="0">
+                <a:solidFill>
+                  <a:schemeClr val="bg1"/>
+                </a:solidFill>
+              </a:rPr>
+              <a:t>#384046</a:t>
+            </a:r>
+          </a:p>
+        </p:txBody>
+      </p:sp>
+      <p:sp>
+        <p:nvSpPr>
+          <p:cNvPr id="109" name="Rectangle 108">
+            <a:extLst>
+              <a:ext uri="{FF2B5EF4-FFF2-40B4-BE49-F238E27FC236}">
+                <a16:creationId xmlns:a16="http://schemas.microsoft.com/office/drawing/2014/main" id="{408F75F2-690C-4C91-8CD7-534AB68E0D72}"/>
+              </a:ext>
+            </a:extLst>
+          </p:cNvPr>
+          <p:cNvSpPr/>
+          <p:nvPr/>
+        </p:nvSpPr>
+        <p:spPr>
+          <a:xfrm>
+            <a:off x="4733731" y="4114800"/>
+            <a:ext cx="1097280" cy="457200"/>
+          </a:xfrm>
+          <a:prstGeom prst="rect">
+            <a:avLst/>
+          </a:prstGeom>
+          <a:solidFill>
+            <a:srgbClr val="212529"/>
+          </a:solidFill>
+          <a:ln w="3175">
+            <a:noFill/>
+          </a:ln>
+        </p:spPr>
+        <p:style>
+          <a:lnRef idx="2">
+            <a:schemeClr val="accent1">
+              <a:shade val="50000"/>
+            </a:schemeClr>
+          </a:lnRef>
+          <a:fillRef idx="1">
+            <a:schemeClr val="accent1"/>
+          </a:fillRef>
+          <a:effectRef idx="0">
+            <a:schemeClr val="accent1"/>
+          </a:effectRef>
+          <a:fontRef idx="minor">
+            <a:schemeClr val="lt1"/>
+          </a:fontRef>
+        </p:style>
+        <p:txBody>
+          <a:bodyPr rtlCol="0" anchor="ctr"/>
+          <a:lstStyle/>
+          <a:p>
+            <a:pPr algn="ctr"/>
+            <a:r>
+              <a:rPr lang="en-US" sz="1400" dirty="0">
+                <a:solidFill>
+                  <a:schemeClr val="bg1"/>
+                </a:solidFill>
+              </a:rPr>
+              <a:t>#212529</a:t>
+            </a:r>
+          </a:p>
+        </p:txBody>
+      </p:sp>
+      <p:sp>
+        <p:nvSpPr>
+          <p:cNvPr id="147" name="Rectangle 146">
+            <a:extLst>
+              <a:ext uri="{FF2B5EF4-FFF2-40B4-BE49-F238E27FC236}">
+                <a16:creationId xmlns:a16="http://schemas.microsoft.com/office/drawing/2014/main" id="{D6F65C1F-2DE9-4781-BA14-879E15CDE0F5}"/>
+              </a:ext>
+            </a:extLst>
+          </p:cNvPr>
+          <p:cNvSpPr/>
+          <p:nvPr/>
+        </p:nvSpPr>
+        <p:spPr>
+          <a:xfrm>
+            <a:off x="5659328" y="482440"/>
+            <a:ext cx="1097280" cy="457200"/>
+          </a:xfrm>
+          <a:prstGeom prst="rect">
+            <a:avLst/>
+          </a:prstGeom>
+          <a:solidFill>
+            <a:srgbClr val="F8F9FA"/>
+          </a:solidFill>
+          <a:ln w="3175">
+            <a:noFill/>
+          </a:ln>
+        </p:spPr>
+        <p:style>
+          <a:lnRef idx="2">
+            <a:schemeClr val="accent1">
+              <a:shade val="50000"/>
+            </a:schemeClr>
+          </a:lnRef>
+          <a:fillRef idx="1">
+            <a:schemeClr val="accent1"/>
+          </a:fillRef>
+          <a:effectRef idx="0">
+            <a:schemeClr val="accent1"/>
+          </a:effectRef>
+          <a:fontRef idx="minor">
+            <a:schemeClr val="lt1"/>
+          </a:fontRef>
+        </p:style>
+        <p:txBody>
+          <a:bodyPr rtlCol="0" anchor="ctr"/>
+          <a:lstStyle/>
+          <a:p>
+            <a:pPr algn="ctr"/>
+            <a:r>
+              <a:rPr lang="en-US" sz="1400" dirty="0">
+                <a:solidFill>
+                  <a:schemeClr val="tx1"/>
+                </a:solidFill>
+              </a:rPr>
+              <a:t>#F8F9FA</a:t>
+            </a:r>
+          </a:p>
+        </p:txBody>
+      </p:sp>
+      <p:sp>
+        <p:nvSpPr>
+          <p:cNvPr id="151" name="Rectangle 150">
+            <a:extLst>
+              <a:ext uri="{FF2B5EF4-FFF2-40B4-BE49-F238E27FC236}">
+                <a16:creationId xmlns:a16="http://schemas.microsoft.com/office/drawing/2014/main" id="{BB72F7B8-F997-4764-9CE7-F649E6B2E843}"/>
+              </a:ext>
+            </a:extLst>
+          </p:cNvPr>
+          <p:cNvSpPr/>
+          <p:nvPr/>
+        </p:nvSpPr>
+        <p:spPr>
+          <a:xfrm>
+            <a:off x="7839112" y="2534218"/>
+            <a:ext cx="914400" cy="914400"/>
+          </a:xfrm>
+          <a:prstGeom prst="rect">
+            <a:avLst/>
+          </a:prstGeom>
+          <a:solidFill>
+            <a:srgbClr val="000610"/>
+          </a:solidFill>
+          <a:ln>
+            <a:noFill/>
+          </a:ln>
+        </p:spPr>
+        <p:style>
+          <a:lnRef idx="2">
+            <a:schemeClr val="accent1">
+              <a:shade val="50000"/>
+            </a:schemeClr>
+          </a:lnRef>
+          <a:fillRef idx="1">
+            <a:schemeClr val="accent1"/>
+          </a:fillRef>
+          <a:effectRef idx="0">
+            <a:schemeClr val="accent1"/>
+          </a:effectRef>
+          <a:fontRef idx="minor">
+            <a:schemeClr val="lt1"/>
+          </a:fontRef>
+        </p:style>
+        <p:txBody>
+          <a:bodyPr rtlCol="0" anchor="ctr"/>
+          <a:lstStyle/>
+          <a:p>
+            <a:pPr algn="ctr"/>
+            <a:r>
+              <a:rPr lang="en-US" sz="1400" dirty="0">
+                <a:solidFill>
+                  <a:schemeClr val="bg1"/>
+                </a:solidFill>
+              </a:rPr>
+              <a:t>#000610</a:t>
+            </a:r>
+          </a:p>
+        </p:txBody>
+      </p:sp>
+      <p:sp>
+        <p:nvSpPr>
+          <p:cNvPr id="153" name="Rectangle 152">
+            <a:extLst>
+              <a:ext uri="{FF2B5EF4-FFF2-40B4-BE49-F238E27FC236}">
+                <a16:creationId xmlns:a16="http://schemas.microsoft.com/office/drawing/2014/main" id="{24EBEAAF-4860-4CC0-BF5B-7D34246F09CF}"/>
+              </a:ext>
+            </a:extLst>
+          </p:cNvPr>
+          <p:cNvSpPr/>
+          <p:nvPr/>
+        </p:nvSpPr>
+        <p:spPr>
+          <a:xfrm>
+            <a:off x="7808634" y="3677218"/>
+            <a:ext cx="914400" cy="914400"/>
+          </a:xfrm>
+          <a:prstGeom prst="rect">
+            <a:avLst/>
+          </a:prstGeom>
+          <a:solidFill>
+            <a:srgbClr val="010101"/>
+          </a:solidFill>
+          <a:ln>
+            <a:noFill/>
+          </a:ln>
+        </p:spPr>
+        <p:style>
+          <a:lnRef idx="2">
+            <a:schemeClr val="accent1">
+              <a:shade val="50000"/>
+            </a:schemeClr>
+          </a:lnRef>
+          <a:fillRef idx="1">
+            <a:schemeClr val="accent1"/>
+          </a:fillRef>
+          <a:effectRef idx="0">
+            <a:schemeClr val="accent1"/>
+          </a:effectRef>
+          <a:fontRef idx="minor">
+            <a:schemeClr val="lt1"/>
+          </a:fontRef>
+        </p:style>
+        <p:txBody>
+          <a:bodyPr rtlCol="0" anchor="ctr"/>
+          <a:lstStyle/>
+          <a:p>
+            <a:pPr algn="ctr"/>
+            <a:r>
+              <a:rPr lang="en-US" sz="1400" dirty="0">
+                <a:solidFill>
+                  <a:schemeClr val="bg1"/>
+                </a:solidFill>
+              </a:rPr>
+              <a:t>#010101</a:t>
+            </a:r>
+          </a:p>
+        </p:txBody>
+      </p:sp>
+      <p:sp>
+        <p:nvSpPr>
+          <p:cNvPr id="155" name="Rectangle 154">
+            <a:extLst>
+              <a:ext uri="{FF2B5EF4-FFF2-40B4-BE49-F238E27FC236}">
+                <a16:creationId xmlns:a16="http://schemas.microsoft.com/office/drawing/2014/main" id="{93619E49-4C16-4FE5-86EF-793522BAEE14}"/>
+              </a:ext>
+            </a:extLst>
+          </p:cNvPr>
+          <p:cNvSpPr/>
+          <p:nvPr/>
+        </p:nvSpPr>
+        <p:spPr>
+          <a:xfrm>
+            <a:off x="8041900" y="4680259"/>
+            <a:ext cx="914400" cy="914400"/>
+          </a:xfrm>
+          <a:prstGeom prst="rect">
+            <a:avLst/>
+          </a:prstGeom>
+          <a:solidFill>
+            <a:srgbClr val="010509"/>
+          </a:solidFill>
+          <a:ln>
+            <a:noFill/>
+          </a:ln>
+        </p:spPr>
+        <p:style>
+          <a:lnRef idx="2">
+            <a:schemeClr val="accent1">
+              <a:shade val="50000"/>
+            </a:schemeClr>
+          </a:lnRef>
+          <a:fillRef idx="1">
+            <a:schemeClr val="accent1"/>
+          </a:fillRef>
+          <a:effectRef idx="0">
+            <a:schemeClr val="accent1"/>
+          </a:effectRef>
+          <a:fontRef idx="minor">
+            <a:schemeClr val="lt1"/>
+          </a:fontRef>
+        </p:style>
+        <p:txBody>
+          <a:bodyPr rtlCol="0" anchor="ctr"/>
+          <a:lstStyle/>
+          <a:p>
+            <a:pPr algn="ctr"/>
+            <a:r>
+              <a:rPr lang="en-US" sz="1400" dirty="0">
+                <a:solidFill>
+                  <a:schemeClr val="bg1"/>
+                </a:solidFill>
+              </a:rPr>
+              <a:t>#010509</a:t>
+            </a:r>
+          </a:p>
+        </p:txBody>
+      </p:sp>
+      <p:sp>
+        <p:nvSpPr>
+          <p:cNvPr id="157" name="Rectangle 156">
+            <a:extLst>
+              <a:ext uri="{FF2B5EF4-FFF2-40B4-BE49-F238E27FC236}">
+                <a16:creationId xmlns:a16="http://schemas.microsoft.com/office/drawing/2014/main" id="{6185FD5A-E1CF-470B-8985-77DF618B2A9C}"/>
+              </a:ext>
+            </a:extLst>
+          </p:cNvPr>
+          <p:cNvSpPr/>
+          <p:nvPr/>
+        </p:nvSpPr>
+        <p:spPr>
+          <a:xfrm>
+            <a:off x="6169558" y="5137459"/>
+            <a:ext cx="914400" cy="914400"/>
+          </a:xfrm>
+          <a:prstGeom prst="rect">
+            <a:avLst/>
+          </a:prstGeom>
+          <a:solidFill>
+            <a:srgbClr val="0A0C0B"/>
+          </a:solidFill>
+          <a:ln>
+            <a:noFill/>
+          </a:ln>
+        </p:spPr>
+        <p:style>
+          <a:lnRef idx="2">
+            <a:schemeClr val="accent1">
+              <a:shade val="50000"/>
+            </a:schemeClr>
+          </a:lnRef>
+          <a:fillRef idx="1">
+            <a:schemeClr val="accent1"/>
+          </a:fillRef>
+          <a:effectRef idx="0">
+            <a:schemeClr val="accent1"/>
+          </a:effectRef>
+          <a:fontRef idx="minor">
+            <a:schemeClr val="lt1"/>
+          </a:fontRef>
+        </p:style>
+        <p:txBody>
+          <a:bodyPr rtlCol="0" anchor="ctr"/>
+          <a:lstStyle/>
+          <a:p>
+            <a:pPr algn="ctr"/>
+            <a:r>
+              <a:rPr lang="en-US" sz="1400" dirty="0">
+                <a:solidFill>
+                  <a:schemeClr val="bg1"/>
+                </a:solidFill>
+              </a:rPr>
+              <a:t>#0A0C0B</a:t>
+            </a:r>
+          </a:p>
+        </p:txBody>
+      </p:sp>
+    </p:spTree>
+    <p:extLst>
+      <p:ext uri="{BB962C8B-B14F-4D97-AF65-F5344CB8AC3E}">
+        <p14:creationId xmlns:p14="http://schemas.microsoft.com/office/powerpoint/2010/main" val="1950444475"/>
+      </p:ext>
+    </p:extLst>
+  </p:cSld>
+  <p:clrMapOvr>
+    <a:masterClrMapping/>
+  </p:clrMapOvr>
+</p:sld>
+</file>
+
+<file path=ppt/slides/slide9.xml><?xml version="1.0" encoding="utf-8"?>
+<p:sld xmlns:a="http://schemas.openxmlformats.org/drawingml/2006/main" xmlns:r="http://schemas.openxmlformats.org/officeDocument/2006/relationships" xmlns:p="http://schemas.openxmlformats.org/presentationml/2006/main">
+  <p:cSld>
+    <p:bg>
+      <p:bgPr>
+        <a:solidFill>
+          <a:srgbClr val="212529"/>
+        </a:solidFill>
+        <a:effectLst/>
+      </p:bgPr>
+    </p:bg>
+    <p:spTree>
+      <p:nvGrpSpPr>
+        <p:cNvPr id="1" name=""/>
+        <p:cNvGrpSpPr/>
+        <p:nvPr/>
+      </p:nvGrpSpPr>
+      <p:grpSpPr>
+        <a:xfrm>
+          <a:off x="0" y="0"/>
+          <a:ext cx="0" cy="0"/>
+          <a:chOff x="0" y="0"/>
+          <a:chExt cx="0" cy="0"/>
+        </a:xfrm>
+      </p:grpSpPr>
+      <p:sp>
+        <p:nvSpPr>
+          <p:cNvPr id="5" name="Rectangle 4">
+            <a:extLst>
+              <a:ext uri="{FF2B5EF4-FFF2-40B4-BE49-F238E27FC236}">
+                <a16:creationId xmlns:a16="http://schemas.microsoft.com/office/drawing/2014/main" id="{9EF704F2-46F2-4671-9B1C-546424DE13B5}"/>
+              </a:ext>
+            </a:extLst>
+          </p:cNvPr>
+          <p:cNvSpPr/>
+          <p:nvPr/>
+        </p:nvSpPr>
+        <p:spPr>
+          <a:xfrm>
+            <a:off x="1371600" y="457200"/>
+            <a:ext cx="1097280" cy="457200"/>
+          </a:xfrm>
+          <a:prstGeom prst="rect">
+            <a:avLst/>
+          </a:prstGeom>
+          <a:solidFill>
+            <a:srgbClr val="007BFF"/>
+          </a:solidFill>
+          <a:ln w="3175">
+            <a:noFill/>
+          </a:ln>
+        </p:spPr>
+        <p:style>
+          <a:lnRef idx="2">
+            <a:schemeClr val="accent1">
+              <a:shade val="50000"/>
+            </a:schemeClr>
+          </a:lnRef>
+          <a:fillRef idx="1">
+            <a:schemeClr val="accent1"/>
+          </a:fillRef>
+          <a:effectRef idx="0">
+            <a:schemeClr val="accent1"/>
+          </a:effectRef>
+          <a:fontRef idx="minor">
+            <a:schemeClr val="lt1"/>
+          </a:fontRef>
+        </p:style>
+        <p:txBody>
+          <a:bodyPr rtlCol="0" anchor="ctr"/>
+          <a:lstStyle/>
+          <a:p>
+            <a:pPr algn="ctr"/>
+            <a:r>
+              <a:rPr lang="en-US" sz="1400" dirty="0">
+                <a:solidFill>
+                  <a:schemeClr val="tx1"/>
+                </a:solidFill>
+              </a:rPr>
+              <a:t>#007bff</a:t>
+            </a:r>
+          </a:p>
+        </p:txBody>
+      </p:sp>
+      <p:sp>
+        <p:nvSpPr>
+          <p:cNvPr id="7" name="Rectangle 6">
+            <a:extLst>
+              <a:ext uri="{FF2B5EF4-FFF2-40B4-BE49-F238E27FC236}">
+                <a16:creationId xmlns:a16="http://schemas.microsoft.com/office/drawing/2014/main" id="{9DC75BAD-6439-4A6D-AC2F-806F49E6867E}"/>
+              </a:ext>
+            </a:extLst>
+          </p:cNvPr>
+          <p:cNvSpPr/>
+          <p:nvPr/>
+        </p:nvSpPr>
+        <p:spPr>
+          <a:xfrm>
+            <a:off x="1371600" y="914400"/>
+            <a:ext cx="1097280" cy="457200"/>
+          </a:xfrm>
+          <a:prstGeom prst="rect">
+            <a:avLst/>
+          </a:prstGeom>
+          <a:solidFill>
+            <a:srgbClr val="6610F2"/>
+          </a:solidFill>
+          <a:ln w="3175">
+            <a:noFill/>
+          </a:ln>
+        </p:spPr>
+        <p:style>
+          <a:lnRef idx="2">
+            <a:schemeClr val="accent1">
+              <a:shade val="50000"/>
+            </a:schemeClr>
+          </a:lnRef>
+          <a:fillRef idx="1">
+            <a:schemeClr val="accent1"/>
+          </a:fillRef>
+          <a:effectRef idx="0">
+            <a:schemeClr val="accent1"/>
+          </a:effectRef>
+          <a:fontRef idx="minor">
+            <a:schemeClr val="lt1"/>
+          </a:fontRef>
+        </p:style>
+        <p:txBody>
+          <a:bodyPr rtlCol="0" anchor="ctr"/>
+          <a:lstStyle/>
+          <a:p>
+            <a:pPr algn="ctr"/>
+            <a:r>
+              <a:rPr lang="en-US" sz="1400" dirty="0">
+                <a:solidFill>
+                  <a:schemeClr val="tx1"/>
+                </a:solidFill>
+              </a:rPr>
+              <a:t>#6610f2</a:t>
+            </a:r>
+          </a:p>
+        </p:txBody>
+      </p:sp>
+      <p:sp>
+        <p:nvSpPr>
+          <p:cNvPr id="9" name="Rectangle 8">
+            <a:extLst>
+              <a:ext uri="{FF2B5EF4-FFF2-40B4-BE49-F238E27FC236}">
+                <a16:creationId xmlns:a16="http://schemas.microsoft.com/office/drawing/2014/main" id="{7459AD86-A7FF-4046-9AD3-C3CB97EFA09C}"/>
+              </a:ext>
+            </a:extLst>
+          </p:cNvPr>
+          <p:cNvSpPr/>
+          <p:nvPr/>
+        </p:nvSpPr>
+        <p:spPr>
+          <a:xfrm>
+            <a:off x="1371600" y="1371600"/>
+            <a:ext cx="1097280" cy="457200"/>
+          </a:xfrm>
+          <a:prstGeom prst="rect">
+            <a:avLst/>
+          </a:prstGeom>
+          <a:solidFill>
+            <a:srgbClr val="6F42C1"/>
+          </a:solidFill>
+          <a:ln w="3175">
+            <a:noFill/>
+          </a:ln>
+        </p:spPr>
+        <p:style>
+          <a:lnRef idx="2">
+            <a:schemeClr val="accent1">
+              <a:shade val="50000"/>
+            </a:schemeClr>
+          </a:lnRef>
+          <a:fillRef idx="1">
+            <a:schemeClr val="accent1"/>
+          </a:fillRef>
+          <a:effectRef idx="0">
+            <a:schemeClr val="accent1"/>
+          </a:effectRef>
+          <a:fontRef idx="minor">
+            <a:schemeClr val="lt1"/>
+          </a:fontRef>
+        </p:style>
+        <p:txBody>
+          <a:bodyPr rtlCol="0" anchor="ctr"/>
+          <a:lstStyle/>
+          <a:p>
+            <a:pPr algn="ctr"/>
+            <a:r>
+              <a:rPr lang="en-US" sz="1400" dirty="0">
+                <a:solidFill>
+                  <a:schemeClr val="tx1"/>
+                </a:solidFill>
+              </a:rPr>
+              <a:t>#6f42c1</a:t>
+            </a:r>
+          </a:p>
+        </p:txBody>
+      </p:sp>
+      <p:sp>
+        <p:nvSpPr>
+          <p:cNvPr id="11" name="Rectangle 10">
+            <a:extLst>
+              <a:ext uri="{FF2B5EF4-FFF2-40B4-BE49-F238E27FC236}">
+                <a16:creationId xmlns:a16="http://schemas.microsoft.com/office/drawing/2014/main" id="{96FD3DEE-C0B0-4B20-807C-48F4121B34AE}"/>
+              </a:ext>
+            </a:extLst>
+          </p:cNvPr>
+          <p:cNvSpPr/>
+          <p:nvPr/>
+        </p:nvSpPr>
+        <p:spPr>
+          <a:xfrm>
+            <a:off x="1371600" y="1828800"/>
+            <a:ext cx="1097280" cy="457200"/>
+          </a:xfrm>
+          <a:prstGeom prst="rect">
+            <a:avLst/>
+          </a:prstGeom>
+          <a:solidFill>
+            <a:srgbClr val="E83E8C"/>
+          </a:solidFill>
+          <a:ln w="3175">
+            <a:noFill/>
+          </a:ln>
+        </p:spPr>
+        <p:style>
+          <a:lnRef idx="2">
+            <a:schemeClr val="accent1">
+              <a:shade val="50000"/>
+            </a:schemeClr>
+          </a:lnRef>
+          <a:fillRef idx="1">
+            <a:schemeClr val="accent1"/>
+          </a:fillRef>
+          <a:effectRef idx="0">
+            <a:schemeClr val="accent1"/>
+          </a:effectRef>
+          <a:fontRef idx="minor">
+            <a:schemeClr val="lt1"/>
+          </a:fontRef>
+        </p:style>
+        <p:txBody>
+          <a:bodyPr rtlCol="0" anchor="ctr"/>
+          <a:lstStyle/>
+          <a:p>
+            <a:pPr algn="ctr"/>
+            <a:r>
+              <a:rPr lang="en-US" sz="1400" dirty="0">
+                <a:solidFill>
+                  <a:schemeClr val="tx1"/>
+                </a:solidFill>
+              </a:rPr>
+              <a:t>#e83e8c</a:t>
+            </a:r>
+          </a:p>
+        </p:txBody>
+      </p:sp>
+      <p:sp>
+        <p:nvSpPr>
+          <p:cNvPr id="13" name="Rectangle 12">
+            <a:extLst>
+              <a:ext uri="{FF2B5EF4-FFF2-40B4-BE49-F238E27FC236}">
+                <a16:creationId xmlns:a16="http://schemas.microsoft.com/office/drawing/2014/main" id="{8937621D-79E6-4E2F-8ADF-7A5D01A2F54F}"/>
+              </a:ext>
+            </a:extLst>
+          </p:cNvPr>
+          <p:cNvSpPr/>
+          <p:nvPr/>
+        </p:nvSpPr>
+        <p:spPr>
+          <a:xfrm>
+            <a:off x="1371600" y="2286000"/>
+            <a:ext cx="1097280" cy="457200"/>
+          </a:xfrm>
+          <a:prstGeom prst="rect">
+            <a:avLst/>
+          </a:prstGeom>
+          <a:solidFill>
+            <a:srgbClr val="DC3545"/>
+          </a:solidFill>
+          <a:ln w="3175">
+            <a:noFill/>
+          </a:ln>
+        </p:spPr>
+        <p:style>
+          <a:lnRef idx="2">
+            <a:schemeClr val="accent1">
+              <a:shade val="50000"/>
+            </a:schemeClr>
+          </a:lnRef>
+          <a:fillRef idx="1">
+            <a:schemeClr val="accent1"/>
+          </a:fillRef>
+          <a:effectRef idx="0">
+            <a:schemeClr val="accent1"/>
+          </a:effectRef>
+          <a:fontRef idx="minor">
+            <a:schemeClr val="lt1"/>
+          </a:fontRef>
+        </p:style>
+        <p:txBody>
+          <a:bodyPr rtlCol="0" anchor="ctr"/>
+          <a:lstStyle/>
+          <a:p>
+            <a:pPr algn="ctr"/>
+            <a:r>
+              <a:rPr lang="en-US" sz="1400" dirty="0">
+                <a:solidFill>
+                  <a:schemeClr val="tx1"/>
+                </a:solidFill>
+              </a:rPr>
+              <a:t>#dc3545</a:t>
+            </a:r>
+          </a:p>
+        </p:txBody>
+      </p:sp>
+      <p:sp>
+        <p:nvSpPr>
+          <p:cNvPr id="15" name="Rectangle 14">
+            <a:extLst>
+              <a:ext uri="{FF2B5EF4-FFF2-40B4-BE49-F238E27FC236}">
+                <a16:creationId xmlns:a16="http://schemas.microsoft.com/office/drawing/2014/main" id="{9BC3957D-69BA-4B20-BD91-16521C767003}"/>
+              </a:ext>
+            </a:extLst>
+          </p:cNvPr>
+          <p:cNvSpPr/>
+          <p:nvPr/>
+        </p:nvSpPr>
+        <p:spPr>
+          <a:xfrm>
+            <a:off x="1371600" y="2743200"/>
+            <a:ext cx="1097280" cy="457200"/>
+          </a:xfrm>
+          <a:prstGeom prst="rect">
+            <a:avLst/>
+          </a:prstGeom>
+          <a:solidFill>
+            <a:srgbClr val="FD7E14"/>
+          </a:solidFill>
+          <a:ln w="3175">
+            <a:noFill/>
+          </a:ln>
+        </p:spPr>
+        <p:style>
+          <a:lnRef idx="2">
+            <a:schemeClr val="accent1">
+              <a:shade val="50000"/>
+            </a:schemeClr>
+          </a:lnRef>
+          <a:fillRef idx="1">
+            <a:schemeClr val="accent1"/>
+          </a:fillRef>
+          <a:effectRef idx="0">
+            <a:schemeClr val="accent1"/>
+          </a:effectRef>
+          <a:fontRef idx="minor">
+            <a:schemeClr val="lt1"/>
+          </a:fontRef>
+        </p:style>
+        <p:txBody>
+          <a:bodyPr rtlCol="0" anchor="ctr"/>
+          <a:lstStyle/>
+          <a:p>
+            <a:pPr algn="ctr"/>
+            <a:r>
+              <a:rPr lang="en-US" sz="1400" dirty="0">
+                <a:solidFill>
+                  <a:schemeClr val="tx1"/>
+                </a:solidFill>
+              </a:rPr>
+              <a:t>#fd7e14</a:t>
+            </a:r>
+          </a:p>
+        </p:txBody>
+      </p:sp>
+      <p:sp>
+        <p:nvSpPr>
+          <p:cNvPr id="17" name="Rectangle 16">
+            <a:extLst>
+              <a:ext uri="{FF2B5EF4-FFF2-40B4-BE49-F238E27FC236}">
+                <a16:creationId xmlns:a16="http://schemas.microsoft.com/office/drawing/2014/main" id="{A9067388-0B32-4A73-A8AD-6E93DD48E89F}"/>
+              </a:ext>
+            </a:extLst>
+          </p:cNvPr>
+          <p:cNvSpPr/>
+          <p:nvPr/>
+        </p:nvSpPr>
+        <p:spPr>
+          <a:xfrm>
+            <a:off x="1371600" y="3200400"/>
+            <a:ext cx="1097280" cy="457200"/>
+          </a:xfrm>
+          <a:prstGeom prst="rect">
+            <a:avLst/>
+          </a:prstGeom>
+          <a:solidFill>
+            <a:srgbClr val="FFC107"/>
+          </a:solidFill>
+          <a:ln w="3175">
+            <a:noFill/>
+          </a:ln>
+        </p:spPr>
+        <p:style>
+          <a:lnRef idx="2">
+            <a:schemeClr val="accent1">
+              <a:shade val="50000"/>
+            </a:schemeClr>
+          </a:lnRef>
+          <a:fillRef idx="1">
+            <a:schemeClr val="accent1"/>
+          </a:fillRef>
+          <a:effectRef idx="0">
+            <a:schemeClr val="accent1"/>
+          </a:effectRef>
+          <a:fontRef idx="minor">
+            <a:schemeClr val="lt1"/>
+          </a:fontRef>
+        </p:style>
+        <p:txBody>
+          <a:bodyPr rtlCol="0" anchor="ctr"/>
+          <a:lstStyle/>
+          <a:p>
+            <a:pPr algn="ctr"/>
+            <a:r>
+              <a:rPr lang="en-US" sz="1400" dirty="0">
+                <a:solidFill>
+                  <a:schemeClr val="bg1"/>
+                </a:solidFill>
+              </a:rPr>
+              <a:t>#ffc107</a:t>
+            </a:r>
+          </a:p>
+        </p:txBody>
+      </p:sp>
+      <p:sp>
+        <p:nvSpPr>
+          <p:cNvPr id="19" name="Rectangle 18">
+            <a:extLst>
+              <a:ext uri="{FF2B5EF4-FFF2-40B4-BE49-F238E27FC236}">
+                <a16:creationId xmlns:a16="http://schemas.microsoft.com/office/drawing/2014/main" id="{D27BEA9B-2718-48B9-B743-8C8E3C4CD718}"/>
+              </a:ext>
+            </a:extLst>
+          </p:cNvPr>
+          <p:cNvSpPr/>
+          <p:nvPr/>
+        </p:nvSpPr>
+        <p:spPr>
+          <a:xfrm>
+            <a:off x="1371600" y="3657600"/>
+            <a:ext cx="1097280" cy="457200"/>
+          </a:xfrm>
+          <a:prstGeom prst="rect">
+            <a:avLst/>
+          </a:prstGeom>
+          <a:solidFill>
+            <a:srgbClr val="28A745"/>
+          </a:solidFill>
+          <a:ln w="3175">
+            <a:noFill/>
+          </a:ln>
+        </p:spPr>
+        <p:style>
+          <a:lnRef idx="2">
+            <a:schemeClr val="accent1">
+              <a:shade val="50000"/>
+            </a:schemeClr>
+          </a:lnRef>
+          <a:fillRef idx="1">
+            <a:schemeClr val="accent1"/>
+          </a:fillRef>
+          <a:effectRef idx="0">
+            <a:schemeClr val="accent1"/>
+          </a:effectRef>
+          <a:fontRef idx="minor">
+            <a:schemeClr val="lt1"/>
+          </a:fontRef>
+        </p:style>
+        <p:txBody>
+          <a:bodyPr rtlCol="0" anchor="ctr"/>
+          <a:lstStyle/>
+          <a:p>
+            <a:pPr algn="ctr"/>
+            <a:r>
+              <a:rPr lang="en-US" sz="1400" dirty="0">
+                <a:solidFill>
+                  <a:schemeClr val="bg1"/>
+                </a:solidFill>
+              </a:rPr>
+              <a:t>#28a745</a:t>
+            </a:r>
+          </a:p>
+        </p:txBody>
+      </p:sp>
+      <p:sp>
+        <p:nvSpPr>
+          <p:cNvPr id="21" name="Rectangle 20">
+            <a:extLst>
+              <a:ext uri="{FF2B5EF4-FFF2-40B4-BE49-F238E27FC236}">
+                <a16:creationId xmlns:a16="http://schemas.microsoft.com/office/drawing/2014/main" id="{25D7A336-5C83-49E9-9734-0FDA2DB845BD}"/>
+              </a:ext>
+            </a:extLst>
+          </p:cNvPr>
+          <p:cNvSpPr/>
+          <p:nvPr/>
+        </p:nvSpPr>
+        <p:spPr>
+          <a:xfrm>
+            <a:off x="1371600" y="4114800"/>
+            <a:ext cx="1097280" cy="457200"/>
+          </a:xfrm>
+          <a:prstGeom prst="rect">
+            <a:avLst/>
+          </a:prstGeom>
+          <a:solidFill>
+            <a:srgbClr val="20C997"/>
+          </a:solidFill>
+          <a:ln w="3175">
+            <a:noFill/>
+          </a:ln>
+        </p:spPr>
+        <p:style>
+          <a:lnRef idx="2">
+            <a:schemeClr val="accent1">
+              <a:shade val="50000"/>
+            </a:schemeClr>
+          </a:lnRef>
+          <a:fillRef idx="1">
+            <a:schemeClr val="accent1"/>
+          </a:fillRef>
+          <a:effectRef idx="0">
+            <a:schemeClr val="accent1"/>
+          </a:effectRef>
+          <a:fontRef idx="minor">
+            <a:schemeClr val="lt1"/>
+          </a:fontRef>
+        </p:style>
+        <p:txBody>
+          <a:bodyPr rtlCol="0" anchor="ctr"/>
+          <a:lstStyle/>
+          <a:p>
+            <a:pPr algn="ctr"/>
+            <a:r>
+              <a:rPr lang="en-US" sz="1400" dirty="0">
+                <a:solidFill>
+                  <a:schemeClr val="bg1"/>
+                </a:solidFill>
+              </a:rPr>
+              <a:t>#20c997</a:t>
+            </a:r>
+          </a:p>
+        </p:txBody>
+      </p:sp>
+      <p:sp>
+        <p:nvSpPr>
+          <p:cNvPr id="23" name="Rectangle 22">
+            <a:extLst>
+              <a:ext uri="{FF2B5EF4-FFF2-40B4-BE49-F238E27FC236}">
+                <a16:creationId xmlns:a16="http://schemas.microsoft.com/office/drawing/2014/main" id="{59078D41-7C12-48EB-AA1A-7CD5861CBEF3}"/>
+              </a:ext>
+            </a:extLst>
+          </p:cNvPr>
+          <p:cNvSpPr/>
+          <p:nvPr/>
+        </p:nvSpPr>
+        <p:spPr>
+          <a:xfrm>
+            <a:off x="1371600" y="4572000"/>
+            <a:ext cx="1097280" cy="457200"/>
+          </a:xfrm>
+          <a:prstGeom prst="rect">
+            <a:avLst/>
+          </a:prstGeom>
+          <a:solidFill>
+            <a:srgbClr val="17A2B8"/>
+          </a:solidFill>
+          <a:ln w="3175">
+            <a:noFill/>
+          </a:ln>
+        </p:spPr>
+        <p:style>
+          <a:lnRef idx="2">
+            <a:schemeClr val="accent1">
+              <a:shade val="50000"/>
+            </a:schemeClr>
+          </a:lnRef>
+          <a:fillRef idx="1">
+            <a:schemeClr val="accent1"/>
+          </a:fillRef>
+          <a:effectRef idx="0">
+            <a:schemeClr val="accent1"/>
+          </a:effectRef>
+          <a:fontRef idx="minor">
+            <a:schemeClr val="lt1"/>
+          </a:fontRef>
+        </p:style>
+        <p:txBody>
+          <a:bodyPr rtlCol="0" anchor="ctr"/>
+          <a:lstStyle/>
+          <a:p>
+            <a:pPr algn="ctr"/>
+            <a:r>
+              <a:rPr lang="en-US" sz="1400" dirty="0">
+                <a:solidFill>
+                  <a:schemeClr val="bg1"/>
+                </a:solidFill>
+              </a:rPr>
+              <a:t>#17a2b8</a:t>
+            </a:r>
+          </a:p>
+        </p:txBody>
+      </p:sp>
+      <p:sp>
+        <p:nvSpPr>
+          <p:cNvPr id="25" name="Rectangle 24">
+            <a:extLst>
+              <a:ext uri="{FF2B5EF4-FFF2-40B4-BE49-F238E27FC236}">
+                <a16:creationId xmlns:a16="http://schemas.microsoft.com/office/drawing/2014/main" id="{87DFF7C0-8F43-496A-9D3B-DD6B5449C832}"/>
+              </a:ext>
+            </a:extLst>
+          </p:cNvPr>
+          <p:cNvSpPr/>
+          <p:nvPr/>
+        </p:nvSpPr>
+        <p:spPr>
+          <a:xfrm>
+            <a:off x="274320" y="457200"/>
+            <a:ext cx="1097280" cy="457200"/>
+          </a:xfrm>
+          <a:prstGeom prst="rect">
+            <a:avLst/>
+          </a:prstGeom>
+          <a:solidFill>
+            <a:srgbClr val="007BFF"/>
+          </a:solidFill>
+          <a:ln w="3175">
+            <a:noFill/>
+          </a:ln>
+        </p:spPr>
+        <p:style>
+          <a:lnRef idx="2">
+            <a:schemeClr val="accent1">
+              <a:shade val="50000"/>
+            </a:schemeClr>
+          </a:lnRef>
+          <a:fillRef idx="1">
+            <a:schemeClr val="accent1"/>
+          </a:fillRef>
+          <a:effectRef idx="0">
+            <a:schemeClr val="accent1"/>
+          </a:effectRef>
+          <a:fontRef idx="minor">
+            <a:schemeClr val="lt1"/>
+          </a:fontRef>
+        </p:style>
+        <p:txBody>
+          <a:bodyPr rtlCol="0" anchor="ctr"/>
+          <a:lstStyle/>
+          <a:p>
+            <a:pPr algn="ctr"/>
+            <a:r>
+              <a:rPr lang="en-US" sz="1400" dirty="0">
+                <a:solidFill>
+                  <a:schemeClr val="tx1"/>
+                </a:solidFill>
+              </a:rPr>
+              <a:t>Blue</a:t>
+            </a:r>
+          </a:p>
+        </p:txBody>
+      </p:sp>
+      <p:sp>
+        <p:nvSpPr>
+          <p:cNvPr id="27" name="Rectangle 26">
+            <a:extLst>
+              <a:ext uri="{FF2B5EF4-FFF2-40B4-BE49-F238E27FC236}">
+                <a16:creationId xmlns:a16="http://schemas.microsoft.com/office/drawing/2014/main" id="{F3FB17FB-8E6F-4A5C-BD59-A949DF2DF2CC}"/>
+              </a:ext>
+            </a:extLst>
+          </p:cNvPr>
+          <p:cNvSpPr/>
+          <p:nvPr/>
+        </p:nvSpPr>
+        <p:spPr>
+          <a:xfrm>
+            <a:off x="274320" y="914400"/>
+            <a:ext cx="1097280" cy="457200"/>
+          </a:xfrm>
+          <a:prstGeom prst="rect">
+            <a:avLst/>
+          </a:prstGeom>
+          <a:solidFill>
+            <a:srgbClr val="6610F2"/>
+          </a:solidFill>
+          <a:ln w="3175">
+            <a:noFill/>
+          </a:ln>
+        </p:spPr>
+        <p:style>
+          <a:lnRef idx="2">
+            <a:schemeClr val="accent1">
+              <a:shade val="50000"/>
+            </a:schemeClr>
+          </a:lnRef>
+          <a:fillRef idx="1">
+            <a:schemeClr val="accent1"/>
+          </a:fillRef>
+          <a:effectRef idx="0">
+            <a:schemeClr val="accent1"/>
+          </a:effectRef>
+          <a:fontRef idx="minor">
+            <a:schemeClr val="lt1"/>
+          </a:fontRef>
+        </p:style>
+        <p:txBody>
+          <a:bodyPr rtlCol="0" anchor="ctr"/>
+          <a:lstStyle/>
+          <a:p>
+            <a:pPr algn="ctr"/>
+            <a:r>
+              <a:rPr lang="en-US" sz="1400" dirty="0">
+                <a:solidFill>
+                  <a:schemeClr val="tx1"/>
+                </a:solidFill>
+              </a:rPr>
+              <a:t>Indigo</a:t>
+            </a:r>
+          </a:p>
+        </p:txBody>
+      </p:sp>
+      <p:sp>
+        <p:nvSpPr>
+          <p:cNvPr id="29" name="Rectangle 28">
+            <a:extLst>
+              <a:ext uri="{FF2B5EF4-FFF2-40B4-BE49-F238E27FC236}">
+                <a16:creationId xmlns:a16="http://schemas.microsoft.com/office/drawing/2014/main" id="{D920055E-C7C3-40EA-9538-126999ACC7CB}"/>
+              </a:ext>
+            </a:extLst>
+          </p:cNvPr>
+          <p:cNvSpPr/>
+          <p:nvPr/>
+        </p:nvSpPr>
+        <p:spPr>
+          <a:xfrm>
+            <a:off x="274320" y="1371600"/>
+            <a:ext cx="1097280" cy="457200"/>
+          </a:xfrm>
+          <a:prstGeom prst="rect">
+            <a:avLst/>
+          </a:prstGeom>
+          <a:solidFill>
+            <a:srgbClr val="6F42C1"/>
+          </a:solidFill>
+          <a:ln w="3175">
+            <a:noFill/>
+          </a:ln>
+        </p:spPr>
+        <p:style>
+          <a:lnRef idx="2">
+            <a:schemeClr val="accent1">
+              <a:shade val="50000"/>
+            </a:schemeClr>
+          </a:lnRef>
+          <a:fillRef idx="1">
+            <a:schemeClr val="accent1"/>
+          </a:fillRef>
+          <a:effectRef idx="0">
+            <a:schemeClr val="accent1"/>
+          </a:effectRef>
+          <a:fontRef idx="minor">
+            <a:schemeClr val="lt1"/>
+          </a:fontRef>
+        </p:style>
+        <p:txBody>
+          <a:bodyPr rtlCol="0" anchor="ctr"/>
+          <a:lstStyle/>
+          <a:p>
+            <a:pPr algn="ctr"/>
+            <a:r>
+              <a:rPr lang="en-US" sz="1400" dirty="0">
+                <a:solidFill>
+                  <a:schemeClr val="tx1"/>
+                </a:solidFill>
+              </a:rPr>
+              <a:t>Purple</a:t>
+            </a:r>
+          </a:p>
+        </p:txBody>
+      </p:sp>
+      <p:sp>
+        <p:nvSpPr>
+          <p:cNvPr id="31" name="Rectangle 30">
+            <a:extLst>
+              <a:ext uri="{FF2B5EF4-FFF2-40B4-BE49-F238E27FC236}">
+                <a16:creationId xmlns:a16="http://schemas.microsoft.com/office/drawing/2014/main" id="{0253FE20-C912-45BA-B853-489D6C7C7516}"/>
+              </a:ext>
+            </a:extLst>
+          </p:cNvPr>
+          <p:cNvSpPr/>
+          <p:nvPr/>
+        </p:nvSpPr>
+        <p:spPr>
+          <a:xfrm>
+            <a:off x="274320" y="1828800"/>
+            <a:ext cx="1097280" cy="457200"/>
+          </a:xfrm>
+          <a:prstGeom prst="rect">
+            <a:avLst/>
+          </a:prstGeom>
+          <a:solidFill>
+            <a:srgbClr val="E83E8C"/>
+          </a:solidFill>
+          <a:ln w="3175">
+            <a:noFill/>
+          </a:ln>
+        </p:spPr>
+        <p:style>
+          <a:lnRef idx="2">
+            <a:schemeClr val="accent1">
+              <a:shade val="50000"/>
+            </a:schemeClr>
+          </a:lnRef>
+          <a:fillRef idx="1">
+            <a:schemeClr val="accent1"/>
+          </a:fillRef>
+          <a:effectRef idx="0">
+            <a:schemeClr val="accent1"/>
+          </a:effectRef>
+          <a:fontRef idx="minor">
+            <a:schemeClr val="lt1"/>
+          </a:fontRef>
+        </p:style>
+        <p:txBody>
+          <a:bodyPr rtlCol="0" anchor="ctr"/>
+          <a:lstStyle/>
+          <a:p>
+            <a:pPr algn="ctr"/>
+            <a:r>
+              <a:rPr lang="en-US" sz="1400" dirty="0">
+                <a:solidFill>
+                  <a:schemeClr val="tx1"/>
+                </a:solidFill>
+              </a:rPr>
+              <a:t>Pink</a:t>
+            </a:r>
+          </a:p>
+        </p:txBody>
+      </p:sp>
+      <p:sp>
+        <p:nvSpPr>
+          <p:cNvPr id="33" name="Rectangle 32">
+            <a:extLst>
+              <a:ext uri="{FF2B5EF4-FFF2-40B4-BE49-F238E27FC236}">
+                <a16:creationId xmlns:a16="http://schemas.microsoft.com/office/drawing/2014/main" id="{9F2B6353-4886-45BB-8CCD-2C63E168216E}"/>
+              </a:ext>
+            </a:extLst>
+          </p:cNvPr>
+          <p:cNvSpPr/>
+          <p:nvPr/>
+        </p:nvSpPr>
+        <p:spPr>
+          <a:xfrm>
+            <a:off x="274320" y="2286000"/>
+            <a:ext cx="1097280" cy="457200"/>
+          </a:xfrm>
+          <a:prstGeom prst="rect">
+            <a:avLst/>
+          </a:prstGeom>
+          <a:solidFill>
+            <a:srgbClr val="DC3545"/>
+          </a:solidFill>
+          <a:ln w="3175">
+            <a:noFill/>
+          </a:ln>
+        </p:spPr>
+        <p:style>
+          <a:lnRef idx="2">
+            <a:schemeClr val="accent1">
+              <a:shade val="50000"/>
+            </a:schemeClr>
+          </a:lnRef>
+          <a:fillRef idx="1">
+            <a:schemeClr val="accent1"/>
+          </a:fillRef>
+          <a:effectRef idx="0">
+            <a:schemeClr val="accent1"/>
+          </a:effectRef>
+          <a:fontRef idx="minor">
+            <a:schemeClr val="lt1"/>
+          </a:fontRef>
+        </p:style>
+        <p:txBody>
+          <a:bodyPr rtlCol="0" anchor="ctr"/>
+          <a:lstStyle/>
+          <a:p>
+            <a:pPr algn="ctr"/>
+            <a:r>
+              <a:rPr lang="en-US" sz="1400" dirty="0">
+                <a:solidFill>
+                  <a:schemeClr val="tx1"/>
+                </a:solidFill>
+              </a:rPr>
+              <a:t>Red</a:t>
+            </a:r>
+          </a:p>
+        </p:txBody>
+      </p:sp>
+      <p:sp>
+        <p:nvSpPr>
+          <p:cNvPr id="35" name="Rectangle 34">
+            <a:extLst>
+              <a:ext uri="{FF2B5EF4-FFF2-40B4-BE49-F238E27FC236}">
+                <a16:creationId xmlns:a16="http://schemas.microsoft.com/office/drawing/2014/main" id="{C20001C9-10A4-4D3B-A4BB-D7C259954C7A}"/>
+              </a:ext>
+            </a:extLst>
+          </p:cNvPr>
+          <p:cNvSpPr/>
+          <p:nvPr/>
+        </p:nvSpPr>
+        <p:spPr>
+          <a:xfrm>
+            <a:off x="274320" y="2743200"/>
+            <a:ext cx="1097280" cy="457200"/>
+          </a:xfrm>
+          <a:prstGeom prst="rect">
+            <a:avLst/>
+          </a:prstGeom>
+          <a:solidFill>
+            <a:srgbClr val="FD7E14"/>
+          </a:solidFill>
+          <a:ln w="3175">
+            <a:noFill/>
+          </a:ln>
+        </p:spPr>
+        <p:style>
+          <a:lnRef idx="2">
+            <a:schemeClr val="accent1">
+              <a:shade val="50000"/>
+            </a:schemeClr>
+          </a:lnRef>
+          <a:fillRef idx="1">
+            <a:schemeClr val="accent1"/>
+          </a:fillRef>
+          <a:effectRef idx="0">
+            <a:schemeClr val="accent1"/>
+          </a:effectRef>
+          <a:fontRef idx="minor">
+            <a:schemeClr val="lt1"/>
+          </a:fontRef>
+        </p:style>
+        <p:txBody>
+          <a:bodyPr rtlCol="0" anchor="ctr"/>
+          <a:lstStyle/>
+          <a:p>
+            <a:pPr algn="ctr"/>
+            <a:r>
+              <a:rPr lang="en-US" sz="1400" dirty="0">
+                <a:solidFill>
+                  <a:schemeClr val="tx1"/>
+                </a:solidFill>
+              </a:rPr>
+              <a:t>Orange</a:t>
+            </a:r>
+          </a:p>
+        </p:txBody>
+      </p:sp>
+      <p:sp>
+        <p:nvSpPr>
+          <p:cNvPr id="37" name="Rectangle 36">
+            <a:extLst>
+              <a:ext uri="{FF2B5EF4-FFF2-40B4-BE49-F238E27FC236}">
+                <a16:creationId xmlns:a16="http://schemas.microsoft.com/office/drawing/2014/main" id="{5586B42B-9258-41D6-BB6F-BDEA2A48217A}"/>
+              </a:ext>
+            </a:extLst>
+          </p:cNvPr>
+          <p:cNvSpPr/>
+          <p:nvPr/>
+        </p:nvSpPr>
+        <p:spPr>
+          <a:xfrm>
+            <a:off x="274320" y="3200400"/>
+            <a:ext cx="1097280" cy="457200"/>
+          </a:xfrm>
+          <a:prstGeom prst="rect">
+            <a:avLst/>
+          </a:prstGeom>
+          <a:solidFill>
+            <a:srgbClr val="FFC107"/>
+          </a:solidFill>
+          <a:ln w="3175">
+            <a:noFill/>
+          </a:ln>
+        </p:spPr>
+        <p:style>
+          <a:lnRef idx="2">
+            <a:schemeClr val="accent1">
+              <a:shade val="50000"/>
+            </a:schemeClr>
+          </a:lnRef>
+          <a:fillRef idx="1">
+            <a:schemeClr val="accent1"/>
+          </a:fillRef>
+          <a:effectRef idx="0">
+            <a:schemeClr val="accent1"/>
+          </a:effectRef>
+          <a:fontRef idx="minor">
+            <a:schemeClr val="lt1"/>
+          </a:fontRef>
+        </p:style>
+        <p:txBody>
+          <a:bodyPr rtlCol="0" anchor="ctr"/>
+          <a:lstStyle/>
+          <a:p>
+            <a:pPr algn="ctr"/>
+            <a:r>
+              <a:rPr lang="en-US" sz="1400" dirty="0">
+                <a:solidFill>
+                  <a:schemeClr val="bg1"/>
+                </a:solidFill>
+              </a:rPr>
+              <a:t>Yellow</a:t>
+            </a:r>
+          </a:p>
+        </p:txBody>
+      </p:sp>
+      <p:sp>
+        <p:nvSpPr>
+          <p:cNvPr id="39" name="Rectangle 38">
+            <a:extLst>
+              <a:ext uri="{FF2B5EF4-FFF2-40B4-BE49-F238E27FC236}">
+                <a16:creationId xmlns:a16="http://schemas.microsoft.com/office/drawing/2014/main" id="{B43CB4C6-7E45-4665-817F-62C44EA8BAAC}"/>
+              </a:ext>
+            </a:extLst>
+          </p:cNvPr>
+          <p:cNvSpPr/>
+          <p:nvPr/>
+        </p:nvSpPr>
+        <p:spPr>
+          <a:xfrm>
+            <a:off x="274320" y="3657600"/>
+            <a:ext cx="1097280" cy="457200"/>
+          </a:xfrm>
+          <a:prstGeom prst="rect">
+            <a:avLst/>
+          </a:prstGeom>
+          <a:solidFill>
+            <a:srgbClr val="28A745"/>
+          </a:solidFill>
+          <a:ln w="3175">
+            <a:noFill/>
+          </a:ln>
+        </p:spPr>
+        <p:style>
+          <a:lnRef idx="2">
+            <a:schemeClr val="accent1">
+              <a:shade val="50000"/>
+            </a:schemeClr>
+          </a:lnRef>
+          <a:fillRef idx="1">
+            <a:schemeClr val="accent1"/>
+          </a:fillRef>
+          <a:effectRef idx="0">
+            <a:schemeClr val="accent1"/>
+          </a:effectRef>
+          <a:fontRef idx="minor">
+            <a:schemeClr val="lt1"/>
+          </a:fontRef>
+        </p:style>
+        <p:txBody>
+          <a:bodyPr rtlCol="0" anchor="ctr"/>
+          <a:lstStyle/>
+          <a:p>
+            <a:pPr algn="ctr"/>
+            <a:r>
+              <a:rPr lang="en-US" sz="1400" dirty="0">
+                <a:solidFill>
+                  <a:schemeClr val="bg1"/>
+                </a:solidFill>
+              </a:rPr>
+              <a:t>Green</a:t>
+            </a:r>
+          </a:p>
+        </p:txBody>
+      </p:sp>
+      <p:sp>
+        <p:nvSpPr>
+          <p:cNvPr id="41" name="Rectangle 40">
+            <a:extLst>
+              <a:ext uri="{FF2B5EF4-FFF2-40B4-BE49-F238E27FC236}">
+                <a16:creationId xmlns:a16="http://schemas.microsoft.com/office/drawing/2014/main" id="{5BAE107B-93D5-4B1D-8750-EDBA0816828B}"/>
+              </a:ext>
+            </a:extLst>
+          </p:cNvPr>
+          <p:cNvSpPr/>
+          <p:nvPr/>
+        </p:nvSpPr>
+        <p:spPr>
+          <a:xfrm>
+            <a:off x="274320" y="4114800"/>
+            <a:ext cx="1097280" cy="457200"/>
+          </a:xfrm>
+          <a:prstGeom prst="rect">
+            <a:avLst/>
+          </a:prstGeom>
+          <a:solidFill>
+            <a:srgbClr val="20C997"/>
+          </a:solidFill>
+          <a:ln w="3175">
+            <a:noFill/>
+          </a:ln>
+        </p:spPr>
+        <p:style>
+          <a:lnRef idx="2">
+            <a:schemeClr val="accent1">
+              <a:shade val="50000"/>
+            </a:schemeClr>
+          </a:lnRef>
+          <a:fillRef idx="1">
+            <a:schemeClr val="accent1"/>
+          </a:fillRef>
+          <a:effectRef idx="0">
+            <a:schemeClr val="accent1"/>
+          </a:effectRef>
+          <a:fontRef idx="minor">
+            <a:schemeClr val="lt1"/>
+          </a:fontRef>
+        </p:style>
+        <p:txBody>
+          <a:bodyPr rtlCol="0" anchor="ctr"/>
+          <a:lstStyle/>
+          <a:p>
+            <a:pPr algn="ctr"/>
+            <a:r>
+              <a:rPr lang="en-US" sz="1400" dirty="0">
+                <a:solidFill>
+                  <a:schemeClr val="bg1"/>
+                </a:solidFill>
+              </a:rPr>
+              <a:t>Teal</a:t>
+            </a:r>
+          </a:p>
+        </p:txBody>
+      </p:sp>
+      <p:sp>
+        <p:nvSpPr>
+          <p:cNvPr id="43" name="Rectangle 42">
+            <a:extLst>
+              <a:ext uri="{FF2B5EF4-FFF2-40B4-BE49-F238E27FC236}">
+                <a16:creationId xmlns:a16="http://schemas.microsoft.com/office/drawing/2014/main" id="{D9AA0932-6765-41DB-BF5E-3E3138F481A8}"/>
+              </a:ext>
+            </a:extLst>
+          </p:cNvPr>
+          <p:cNvSpPr/>
+          <p:nvPr/>
+        </p:nvSpPr>
+        <p:spPr>
+          <a:xfrm>
+            <a:off x="274320" y="4572000"/>
+            <a:ext cx="1097280" cy="457200"/>
+          </a:xfrm>
+          <a:prstGeom prst="rect">
+            <a:avLst/>
+          </a:prstGeom>
+          <a:solidFill>
+            <a:srgbClr val="17A2B8"/>
+          </a:solidFill>
+          <a:ln w="3175">
+            <a:noFill/>
+          </a:ln>
+        </p:spPr>
+        <p:style>
+          <a:lnRef idx="2">
+            <a:schemeClr val="accent1">
+              <a:shade val="50000"/>
+            </a:schemeClr>
+          </a:lnRef>
+          <a:fillRef idx="1">
+            <a:schemeClr val="accent1"/>
+          </a:fillRef>
+          <a:effectRef idx="0">
+            <a:schemeClr val="accent1"/>
+          </a:effectRef>
+          <a:fontRef idx="minor">
+            <a:schemeClr val="lt1"/>
+          </a:fontRef>
+        </p:style>
+        <p:txBody>
+          <a:bodyPr rtlCol="0" anchor="ctr"/>
+          <a:lstStyle/>
+          <a:p>
+            <a:pPr algn="ctr"/>
+            <a:r>
+              <a:rPr lang="en-US" sz="1400" dirty="0">
+                <a:solidFill>
+                  <a:schemeClr val="bg1"/>
+                </a:solidFill>
+              </a:rPr>
+              <a:t>Cyan</a:t>
+            </a:r>
+          </a:p>
+        </p:txBody>
+      </p:sp>
+      <p:sp>
+        <p:nvSpPr>
+          <p:cNvPr id="45" name="Rectangle 44">
+            <a:extLst>
+              <a:ext uri="{FF2B5EF4-FFF2-40B4-BE49-F238E27FC236}">
+                <a16:creationId xmlns:a16="http://schemas.microsoft.com/office/drawing/2014/main" id="{3EFD5351-F901-445D-8F7F-CCF49836711C}"/>
+              </a:ext>
+            </a:extLst>
+          </p:cNvPr>
+          <p:cNvSpPr/>
+          <p:nvPr/>
+        </p:nvSpPr>
+        <p:spPr>
+          <a:xfrm>
+            <a:off x="2923592" y="457200"/>
+            <a:ext cx="1097280" cy="457200"/>
+          </a:xfrm>
+          <a:prstGeom prst="rect">
+            <a:avLst/>
+          </a:prstGeom>
+          <a:solidFill>
+            <a:srgbClr val="05668D"/>
+          </a:solidFill>
+          <a:ln w="3175">
+            <a:noFill/>
+          </a:ln>
+        </p:spPr>
+        <p:style>
+          <a:lnRef idx="2">
+            <a:schemeClr val="accent1">
+              <a:shade val="50000"/>
+            </a:schemeClr>
+          </a:lnRef>
+          <a:fillRef idx="1">
+            <a:schemeClr val="accent1"/>
+          </a:fillRef>
+          <a:effectRef idx="0">
+            <a:schemeClr val="accent1"/>
+          </a:effectRef>
+          <a:fontRef idx="minor">
+            <a:schemeClr val="lt1"/>
+          </a:fontRef>
+        </p:style>
+        <p:txBody>
+          <a:bodyPr rtlCol="0" anchor="ctr"/>
+          <a:lstStyle/>
+          <a:p>
+            <a:pPr algn="ctr"/>
+            <a:r>
+              <a:rPr lang="en-US" sz="1400" dirty="0">
+                <a:solidFill>
+                  <a:schemeClr val="bg1"/>
+                </a:solidFill>
+              </a:rPr>
+              <a:t>#05668D</a:t>
+            </a:r>
+          </a:p>
+        </p:txBody>
+      </p:sp>
+      <p:sp>
+        <p:nvSpPr>
+          <p:cNvPr id="47" name="Rectangle 46">
+            <a:extLst>
+              <a:ext uri="{FF2B5EF4-FFF2-40B4-BE49-F238E27FC236}">
+                <a16:creationId xmlns:a16="http://schemas.microsoft.com/office/drawing/2014/main" id="{66B9ACD3-CD72-476D-AA82-3F85AEA6773E}"/>
+              </a:ext>
+            </a:extLst>
+          </p:cNvPr>
+          <p:cNvSpPr/>
+          <p:nvPr/>
+        </p:nvSpPr>
+        <p:spPr>
+          <a:xfrm>
+            <a:off x="2923592" y="914400"/>
+            <a:ext cx="1097280" cy="457200"/>
+          </a:xfrm>
+          <a:prstGeom prst="rect">
+            <a:avLst/>
+          </a:prstGeom>
+          <a:solidFill>
+            <a:srgbClr val="6610F2"/>
+          </a:solidFill>
+          <a:ln w="3175">
+            <a:noFill/>
+          </a:ln>
+        </p:spPr>
+        <p:style>
+          <a:lnRef idx="2">
+            <a:schemeClr val="accent1">
+              <a:shade val="50000"/>
+            </a:schemeClr>
+          </a:lnRef>
+          <a:fillRef idx="1">
+            <a:schemeClr val="accent1"/>
+          </a:fillRef>
+          <a:effectRef idx="0">
+            <a:schemeClr val="accent1"/>
+          </a:effectRef>
+          <a:fontRef idx="minor">
+            <a:schemeClr val="lt1"/>
+          </a:fontRef>
+        </p:style>
+        <p:txBody>
+          <a:bodyPr rtlCol="0" anchor="ctr"/>
+          <a:lstStyle/>
+          <a:p>
+            <a:pPr algn="ctr"/>
+            <a:r>
+              <a:rPr lang="en-US" sz="1400" dirty="0">
+                <a:solidFill>
+                  <a:schemeClr val="tx1"/>
+                </a:solidFill>
+              </a:rPr>
+              <a:t>#6610f2</a:t>
+            </a:r>
+          </a:p>
+        </p:txBody>
+      </p:sp>
+      <p:sp>
+        <p:nvSpPr>
+          <p:cNvPr id="49" name="Rectangle 48">
+            <a:extLst>
+              <a:ext uri="{FF2B5EF4-FFF2-40B4-BE49-F238E27FC236}">
+                <a16:creationId xmlns:a16="http://schemas.microsoft.com/office/drawing/2014/main" id="{9D96D616-FE0E-4780-BCBD-F6D0B39ED5E1}"/>
+              </a:ext>
+            </a:extLst>
+          </p:cNvPr>
+          <p:cNvSpPr/>
+          <p:nvPr/>
+        </p:nvSpPr>
+        <p:spPr>
+          <a:xfrm>
+            <a:off x="2923592" y="1371600"/>
+            <a:ext cx="1097280" cy="457200"/>
+          </a:xfrm>
+          <a:prstGeom prst="rect">
+            <a:avLst/>
+          </a:prstGeom>
+          <a:solidFill>
+            <a:srgbClr val="6F42C1"/>
+          </a:solidFill>
+          <a:ln w="3175">
+            <a:noFill/>
+          </a:ln>
+        </p:spPr>
+        <p:style>
+          <a:lnRef idx="2">
+            <a:schemeClr val="accent1">
+              <a:shade val="50000"/>
+            </a:schemeClr>
+          </a:lnRef>
+          <a:fillRef idx="1">
+            <a:schemeClr val="accent1"/>
+          </a:fillRef>
+          <a:effectRef idx="0">
+            <a:schemeClr val="accent1"/>
+          </a:effectRef>
+          <a:fontRef idx="minor">
+            <a:schemeClr val="lt1"/>
+          </a:fontRef>
+        </p:style>
+        <p:txBody>
+          <a:bodyPr rtlCol="0" anchor="ctr"/>
+          <a:lstStyle/>
+          <a:p>
+            <a:pPr algn="ctr"/>
+            <a:r>
+              <a:rPr lang="en-US" sz="1400" dirty="0">
+                <a:solidFill>
+                  <a:schemeClr val="tx1"/>
+                </a:solidFill>
+              </a:rPr>
+              <a:t>#6f42c1</a:t>
+            </a:r>
+          </a:p>
+        </p:txBody>
+      </p:sp>
+      <p:sp>
+        <p:nvSpPr>
+          <p:cNvPr id="51" name="Rectangle 50">
+            <a:extLst>
+              <a:ext uri="{FF2B5EF4-FFF2-40B4-BE49-F238E27FC236}">
+                <a16:creationId xmlns:a16="http://schemas.microsoft.com/office/drawing/2014/main" id="{33EDF537-CCF3-4787-9527-D320E80FDA23}"/>
+              </a:ext>
+            </a:extLst>
+          </p:cNvPr>
+          <p:cNvSpPr/>
+          <p:nvPr/>
+        </p:nvSpPr>
+        <p:spPr>
+          <a:xfrm>
+            <a:off x="2923592" y="1828800"/>
+            <a:ext cx="1097280" cy="457200"/>
+          </a:xfrm>
+          <a:prstGeom prst="rect">
+            <a:avLst/>
+          </a:prstGeom>
+          <a:solidFill>
+            <a:srgbClr val="E83E8C"/>
+          </a:solidFill>
+          <a:ln w="3175">
+            <a:noFill/>
+          </a:ln>
+        </p:spPr>
+        <p:style>
+          <a:lnRef idx="2">
+            <a:schemeClr val="accent1">
+              <a:shade val="50000"/>
+            </a:schemeClr>
+          </a:lnRef>
+          <a:fillRef idx="1">
+            <a:schemeClr val="accent1"/>
+          </a:fillRef>
+          <a:effectRef idx="0">
+            <a:schemeClr val="accent1"/>
+          </a:effectRef>
+          <a:fontRef idx="minor">
+            <a:schemeClr val="lt1"/>
+          </a:fontRef>
+        </p:style>
+        <p:txBody>
+          <a:bodyPr rtlCol="0" anchor="ctr"/>
+          <a:lstStyle/>
+          <a:p>
+            <a:pPr algn="ctr"/>
+            <a:r>
+              <a:rPr lang="en-US" sz="1400" dirty="0">
+                <a:solidFill>
+                  <a:schemeClr val="tx1"/>
+                </a:solidFill>
+              </a:rPr>
+              <a:t>#e83e8c</a:t>
+            </a:r>
+          </a:p>
+        </p:txBody>
+      </p:sp>
+      <p:sp>
+        <p:nvSpPr>
+          <p:cNvPr id="53" name="Rectangle 52">
+            <a:extLst>
+              <a:ext uri="{FF2B5EF4-FFF2-40B4-BE49-F238E27FC236}">
+                <a16:creationId xmlns:a16="http://schemas.microsoft.com/office/drawing/2014/main" id="{354D1601-FF99-4D72-9AE1-B8FF1A9ABC76}"/>
+              </a:ext>
+            </a:extLst>
+          </p:cNvPr>
+          <p:cNvSpPr/>
+          <p:nvPr/>
+        </p:nvSpPr>
+        <p:spPr>
+          <a:xfrm>
+            <a:off x="2923592" y="2286000"/>
+            <a:ext cx="1097280" cy="457200"/>
+          </a:xfrm>
+          <a:prstGeom prst="rect">
+            <a:avLst/>
+          </a:prstGeom>
+          <a:solidFill>
+            <a:srgbClr val="E71D36"/>
+          </a:solidFill>
+          <a:ln w="3175">
+            <a:noFill/>
+          </a:ln>
+        </p:spPr>
+        <p:style>
+          <a:lnRef idx="2">
+            <a:schemeClr val="accent1">
+              <a:shade val="50000"/>
+            </a:schemeClr>
+          </a:lnRef>
+          <a:fillRef idx="1">
+            <a:schemeClr val="accent1"/>
+          </a:fillRef>
+          <a:effectRef idx="0">
+            <a:schemeClr val="accent1"/>
+          </a:effectRef>
+          <a:fontRef idx="minor">
+            <a:schemeClr val="lt1"/>
+          </a:fontRef>
+        </p:style>
+        <p:txBody>
+          <a:bodyPr rtlCol="0" anchor="ctr"/>
+          <a:lstStyle/>
+          <a:p>
+            <a:pPr algn="ctr"/>
+            <a:r>
+              <a:rPr lang="en-US" sz="1400" dirty="0">
+                <a:solidFill>
+                  <a:schemeClr val="tx1"/>
+                </a:solidFill>
+              </a:rPr>
+              <a:t>#E71D36</a:t>
+            </a:r>
+          </a:p>
+        </p:txBody>
+      </p:sp>
+      <p:sp>
+        <p:nvSpPr>
+          <p:cNvPr id="55" name="Rectangle 54">
+            <a:extLst>
+              <a:ext uri="{FF2B5EF4-FFF2-40B4-BE49-F238E27FC236}">
+                <a16:creationId xmlns:a16="http://schemas.microsoft.com/office/drawing/2014/main" id="{729B0F59-CC56-4979-A22C-BF221032AD78}"/>
+              </a:ext>
+            </a:extLst>
+          </p:cNvPr>
+          <p:cNvSpPr/>
+          <p:nvPr/>
+        </p:nvSpPr>
+        <p:spPr>
+          <a:xfrm>
+            <a:off x="2923592" y="2743200"/>
+            <a:ext cx="1097280" cy="457200"/>
+          </a:xfrm>
+          <a:prstGeom prst="rect">
+            <a:avLst/>
+          </a:prstGeom>
+          <a:solidFill>
+            <a:srgbClr val="CB4B16"/>
+          </a:solidFill>
+          <a:ln w="3175">
+            <a:noFill/>
+          </a:ln>
+        </p:spPr>
+        <p:style>
+          <a:lnRef idx="2">
+            <a:schemeClr val="accent1">
+              <a:shade val="50000"/>
+            </a:schemeClr>
+          </a:lnRef>
+          <a:fillRef idx="1">
+            <a:schemeClr val="accent1"/>
+          </a:fillRef>
+          <a:effectRef idx="0">
+            <a:schemeClr val="accent1"/>
+          </a:effectRef>
+          <a:fontRef idx="minor">
+            <a:schemeClr val="lt1"/>
+          </a:fontRef>
+        </p:style>
+        <p:txBody>
+          <a:bodyPr rtlCol="0" anchor="ctr"/>
+          <a:lstStyle/>
+          <a:p>
+            <a:pPr algn="ctr"/>
+            <a:r>
+              <a:rPr lang="en-US" sz="1400" dirty="0">
+                <a:solidFill>
+                  <a:schemeClr val="tx1"/>
+                </a:solidFill>
+              </a:rPr>
+              <a:t>#CB4B16</a:t>
+            </a:r>
+          </a:p>
+        </p:txBody>
+      </p:sp>
+      <p:sp>
+        <p:nvSpPr>
+          <p:cNvPr id="57" name="Rectangle 56">
+            <a:extLst>
+              <a:ext uri="{FF2B5EF4-FFF2-40B4-BE49-F238E27FC236}">
+                <a16:creationId xmlns:a16="http://schemas.microsoft.com/office/drawing/2014/main" id="{3E25813A-BDE6-4DC6-B325-CE2F57C2ABB0}"/>
+              </a:ext>
+            </a:extLst>
+          </p:cNvPr>
+          <p:cNvSpPr/>
+          <p:nvPr/>
+        </p:nvSpPr>
+        <p:spPr>
+          <a:xfrm>
+            <a:off x="2923592" y="3200400"/>
+            <a:ext cx="1097280" cy="457200"/>
+          </a:xfrm>
+          <a:prstGeom prst="rect">
+            <a:avLst/>
+          </a:prstGeom>
+          <a:solidFill>
+            <a:srgbClr val="E99002"/>
+          </a:solidFill>
+          <a:ln w="3175">
+            <a:noFill/>
+          </a:ln>
+        </p:spPr>
+        <p:style>
+          <a:lnRef idx="2">
+            <a:schemeClr val="accent1">
+              <a:shade val="50000"/>
+            </a:schemeClr>
+          </a:lnRef>
+          <a:fillRef idx="1">
+            <a:schemeClr val="accent1"/>
+          </a:fillRef>
+          <a:effectRef idx="0">
+            <a:schemeClr val="accent1"/>
+          </a:effectRef>
+          <a:fontRef idx="minor">
+            <a:schemeClr val="lt1"/>
+          </a:fontRef>
+        </p:style>
+        <p:txBody>
+          <a:bodyPr rtlCol="0" anchor="ctr"/>
+          <a:lstStyle/>
+          <a:p>
+            <a:pPr algn="ctr"/>
+            <a:r>
+              <a:rPr lang="en-US" sz="1400" dirty="0">
+                <a:solidFill>
+                  <a:schemeClr val="bg1"/>
+                </a:solidFill>
+              </a:rPr>
+              <a:t>#E99002</a:t>
+            </a:r>
+          </a:p>
+        </p:txBody>
+      </p:sp>
+      <p:sp>
+        <p:nvSpPr>
+          <p:cNvPr id="59" name="Rectangle 58">
+            <a:extLst>
+              <a:ext uri="{FF2B5EF4-FFF2-40B4-BE49-F238E27FC236}">
+                <a16:creationId xmlns:a16="http://schemas.microsoft.com/office/drawing/2014/main" id="{550A46CD-A442-4AE8-85FF-457274C39AAF}"/>
+              </a:ext>
+            </a:extLst>
+          </p:cNvPr>
+          <p:cNvSpPr/>
+          <p:nvPr/>
+        </p:nvSpPr>
+        <p:spPr>
+          <a:xfrm>
+            <a:off x="2923592" y="3657600"/>
+            <a:ext cx="1097280" cy="457200"/>
+          </a:xfrm>
+          <a:prstGeom prst="rect">
+            <a:avLst/>
+          </a:prstGeom>
+          <a:solidFill>
+            <a:srgbClr val="1A936F"/>
+          </a:solidFill>
+          <a:ln w="3175">
+            <a:noFill/>
+          </a:ln>
+        </p:spPr>
+        <p:style>
+          <a:lnRef idx="2">
+            <a:schemeClr val="accent1">
+              <a:shade val="50000"/>
+            </a:schemeClr>
+          </a:lnRef>
+          <a:fillRef idx="1">
+            <a:schemeClr val="accent1"/>
+          </a:fillRef>
+          <a:effectRef idx="0">
+            <a:schemeClr val="accent1"/>
+          </a:effectRef>
+          <a:fontRef idx="minor">
+            <a:schemeClr val="lt1"/>
+          </a:fontRef>
+        </p:style>
+        <p:txBody>
+          <a:bodyPr rtlCol="0" anchor="ctr"/>
+          <a:lstStyle/>
+          <a:p>
+            <a:pPr algn="ctr"/>
+            <a:r>
+              <a:rPr lang="en-US" sz="1400" dirty="0">
+                <a:solidFill>
+                  <a:schemeClr val="bg1"/>
+                </a:solidFill>
+              </a:rPr>
+              <a:t>#1a936f</a:t>
+            </a:r>
+          </a:p>
+        </p:txBody>
+      </p:sp>
+      <p:sp>
+        <p:nvSpPr>
+          <p:cNvPr id="61" name="Rectangle 60">
+            <a:extLst>
+              <a:ext uri="{FF2B5EF4-FFF2-40B4-BE49-F238E27FC236}">
+                <a16:creationId xmlns:a16="http://schemas.microsoft.com/office/drawing/2014/main" id="{831EAD69-E8F5-48C8-B524-894EC941E464}"/>
+              </a:ext>
+            </a:extLst>
+          </p:cNvPr>
+          <p:cNvSpPr/>
+          <p:nvPr/>
+        </p:nvSpPr>
+        <p:spPr>
+          <a:xfrm>
+            <a:off x="2923592" y="4114800"/>
+            <a:ext cx="1097280" cy="457200"/>
+          </a:xfrm>
+          <a:prstGeom prst="rect">
+            <a:avLst/>
+          </a:prstGeom>
+          <a:solidFill>
+            <a:srgbClr val="02C39A"/>
+          </a:solidFill>
+          <a:ln w="3175">
+            <a:noFill/>
+          </a:ln>
+        </p:spPr>
+        <p:style>
+          <a:lnRef idx="2">
+            <a:schemeClr val="accent1">
+              <a:shade val="50000"/>
+            </a:schemeClr>
+          </a:lnRef>
+          <a:fillRef idx="1">
+            <a:schemeClr val="accent1"/>
+          </a:fillRef>
+          <a:effectRef idx="0">
+            <a:schemeClr val="accent1"/>
+          </a:effectRef>
+          <a:fontRef idx="minor">
+            <a:schemeClr val="lt1"/>
+          </a:fontRef>
+        </p:style>
+        <p:txBody>
+          <a:bodyPr rtlCol="0" anchor="ctr"/>
+          <a:lstStyle/>
+          <a:p>
+            <a:pPr algn="ctr"/>
+            <a:r>
+              <a:rPr lang="en-US" sz="1400" dirty="0">
+                <a:solidFill>
+                  <a:schemeClr val="bg1"/>
+                </a:solidFill>
+              </a:rPr>
+              <a:t>#02c39a</a:t>
+            </a:r>
+          </a:p>
+        </p:txBody>
+      </p:sp>
+      <p:sp>
+        <p:nvSpPr>
+          <p:cNvPr id="63" name="Rectangle 62">
+            <a:extLst>
+              <a:ext uri="{FF2B5EF4-FFF2-40B4-BE49-F238E27FC236}">
+                <a16:creationId xmlns:a16="http://schemas.microsoft.com/office/drawing/2014/main" id="{544B1FE8-2D44-468C-8998-210E0333F0B8}"/>
+              </a:ext>
+            </a:extLst>
+          </p:cNvPr>
+          <p:cNvSpPr/>
+          <p:nvPr/>
+        </p:nvSpPr>
+        <p:spPr>
+          <a:xfrm>
+            <a:off x="2923592" y="4572000"/>
+            <a:ext cx="1097280" cy="457200"/>
+          </a:xfrm>
+          <a:prstGeom prst="rect">
+            <a:avLst/>
+          </a:prstGeom>
+          <a:solidFill>
+            <a:srgbClr val="2EC4B6"/>
+          </a:solidFill>
+          <a:ln w="3175">
+            <a:noFill/>
+          </a:ln>
+        </p:spPr>
+        <p:style>
+          <a:lnRef idx="2">
+            <a:schemeClr val="accent1">
+              <a:shade val="50000"/>
+            </a:schemeClr>
+          </a:lnRef>
+          <a:fillRef idx="1">
+            <a:schemeClr val="accent1"/>
+          </a:fillRef>
+          <a:effectRef idx="0">
+            <a:schemeClr val="accent1"/>
+          </a:effectRef>
+          <a:fontRef idx="minor">
+            <a:schemeClr val="lt1"/>
+          </a:fontRef>
+        </p:style>
+        <p:txBody>
+          <a:bodyPr rtlCol="0" anchor="ctr"/>
+          <a:lstStyle/>
+          <a:p>
+            <a:pPr algn="ctr"/>
+            <a:r>
+              <a:rPr lang="en-US" sz="1400" dirty="0">
+                <a:solidFill>
+                  <a:schemeClr val="bg1"/>
+                </a:solidFill>
+              </a:rPr>
+              <a:t>#2ec4b6</a:t>
+            </a:r>
+          </a:p>
+        </p:txBody>
+      </p:sp>
+      <p:sp>
+        <p:nvSpPr>
+          <p:cNvPr id="65" name="Rectangle 64">
+            <a:extLst>
+              <a:ext uri="{FF2B5EF4-FFF2-40B4-BE49-F238E27FC236}">
+                <a16:creationId xmlns:a16="http://schemas.microsoft.com/office/drawing/2014/main" id="{CB95CBA4-DE3A-4AF6-A2B9-062AA15951CE}"/>
+              </a:ext>
+            </a:extLst>
+          </p:cNvPr>
+          <p:cNvSpPr/>
+          <p:nvPr/>
+        </p:nvSpPr>
+        <p:spPr>
+          <a:xfrm>
+            <a:off x="5547360" y="471196"/>
+            <a:ext cx="1097280" cy="457200"/>
+          </a:xfrm>
+          <a:prstGeom prst="rect">
+            <a:avLst/>
+          </a:prstGeom>
+          <a:solidFill>
+            <a:srgbClr val="007BFF"/>
+          </a:solidFill>
+          <a:ln w="3175">
+            <a:noFill/>
+          </a:ln>
+        </p:spPr>
+        <p:style>
+          <a:lnRef idx="2">
+            <a:schemeClr val="accent1">
+              <a:shade val="50000"/>
+            </a:schemeClr>
+          </a:lnRef>
+          <a:fillRef idx="1">
+            <a:schemeClr val="accent1"/>
+          </a:fillRef>
+          <a:effectRef idx="0">
+            <a:schemeClr val="accent1"/>
+          </a:effectRef>
+          <a:fontRef idx="minor">
+            <a:schemeClr val="lt1"/>
+          </a:fontRef>
+        </p:style>
+        <p:txBody>
+          <a:bodyPr rtlCol="0" anchor="ctr"/>
+          <a:lstStyle/>
+          <a:p>
+            <a:pPr algn="ctr"/>
+            <a:r>
+              <a:rPr lang="en-US" sz="1400" dirty="0">
+                <a:solidFill>
+                  <a:schemeClr val="tx1"/>
+                </a:solidFill>
+              </a:rPr>
+              <a:t>#007bff</a:t>
+            </a:r>
+          </a:p>
+        </p:txBody>
+      </p:sp>
+      <p:sp>
+        <p:nvSpPr>
+          <p:cNvPr id="67" name="Rectangle 66">
+            <a:extLst>
+              <a:ext uri="{FF2B5EF4-FFF2-40B4-BE49-F238E27FC236}">
+                <a16:creationId xmlns:a16="http://schemas.microsoft.com/office/drawing/2014/main" id="{67D0EC47-472A-4735-ABBD-99D4F2680A00}"/>
+              </a:ext>
+            </a:extLst>
+          </p:cNvPr>
+          <p:cNvSpPr/>
+          <p:nvPr/>
+        </p:nvSpPr>
+        <p:spPr>
+          <a:xfrm>
+            <a:off x="5547360" y="928396"/>
+            <a:ext cx="1097280" cy="457200"/>
+          </a:xfrm>
+          <a:prstGeom prst="rect">
+            <a:avLst/>
+          </a:prstGeom>
+          <a:solidFill>
+            <a:srgbClr val="6610F2"/>
+          </a:solidFill>
+          <a:ln w="3175">
+            <a:noFill/>
+          </a:ln>
+        </p:spPr>
+        <p:style>
+          <a:lnRef idx="2">
+            <a:schemeClr val="accent1">
+              <a:shade val="50000"/>
+            </a:schemeClr>
+          </a:lnRef>
+          <a:fillRef idx="1">
+            <a:schemeClr val="accent1"/>
+          </a:fillRef>
+          <a:effectRef idx="0">
+            <a:schemeClr val="accent1"/>
+          </a:effectRef>
+          <a:fontRef idx="minor">
+            <a:schemeClr val="lt1"/>
+          </a:fontRef>
+        </p:style>
+        <p:txBody>
+          <a:bodyPr rtlCol="0" anchor="ctr"/>
+          <a:lstStyle/>
+          <a:p>
+            <a:pPr algn="ctr"/>
+            <a:r>
+              <a:rPr lang="en-US" sz="1400" dirty="0">
+                <a:solidFill>
+                  <a:schemeClr val="tx1"/>
+                </a:solidFill>
+              </a:rPr>
+              <a:t>#6610f2</a:t>
+            </a:r>
+          </a:p>
+        </p:txBody>
+      </p:sp>
+      <p:sp>
+        <p:nvSpPr>
+          <p:cNvPr id="69" name="Rectangle 68">
+            <a:extLst>
+              <a:ext uri="{FF2B5EF4-FFF2-40B4-BE49-F238E27FC236}">
+                <a16:creationId xmlns:a16="http://schemas.microsoft.com/office/drawing/2014/main" id="{35D709C0-96AD-4C74-9AF6-8974175287E1}"/>
+              </a:ext>
+            </a:extLst>
+          </p:cNvPr>
+          <p:cNvSpPr/>
+          <p:nvPr/>
+        </p:nvSpPr>
+        <p:spPr>
+          <a:xfrm>
+            <a:off x="5547360" y="1385596"/>
+            <a:ext cx="1097280" cy="457200"/>
+          </a:xfrm>
+          <a:prstGeom prst="rect">
+            <a:avLst/>
+          </a:prstGeom>
+          <a:solidFill>
+            <a:srgbClr val="6F42C1"/>
+          </a:solidFill>
+          <a:ln w="3175">
+            <a:noFill/>
+          </a:ln>
+        </p:spPr>
+        <p:style>
+          <a:lnRef idx="2">
+            <a:schemeClr val="accent1">
+              <a:shade val="50000"/>
+            </a:schemeClr>
+          </a:lnRef>
+          <a:fillRef idx="1">
+            <a:schemeClr val="accent1"/>
+          </a:fillRef>
+          <a:effectRef idx="0">
+            <a:schemeClr val="accent1"/>
+          </a:effectRef>
+          <a:fontRef idx="minor">
+            <a:schemeClr val="lt1"/>
+          </a:fontRef>
+        </p:style>
+        <p:txBody>
+          <a:bodyPr rtlCol="0" anchor="ctr"/>
+          <a:lstStyle/>
+          <a:p>
+            <a:pPr algn="ctr"/>
+            <a:r>
+              <a:rPr lang="en-US" sz="1400" dirty="0">
+                <a:solidFill>
+                  <a:schemeClr val="tx1"/>
+                </a:solidFill>
+              </a:rPr>
+              <a:t>#6f42c1</a:t>
+            </a:r>
+          </a:p>
+        </p:txBody>
+      </p:sp>
+      <p:sp>
+        <p:nvSpPr>
+          <p:cNvPr id="71" name="Rectangle 70">
+            <a:extLst>
+              <a:ext uri="{FF2B5EF4-FFF2-40B4-BE49-F238E27FC236}">
+                <a16:creationId xmlns:a16="http://schemas.microsoft.com/office/drawing/2014/main" id="{A147777D-CD65-4C6D-8538-C69B343F5416}"/>
+              </a:ext>
+            </a:extLst>
+          </p:cNvPr>
+          <p:cNvSpPr/>
+          <p:nvPr/>
+        </p:nvSpPr>
+        <p:spPr>
+          <a:xfrm>
+            <a:off x="5547360" y="1842796"/>
+            <a:ext cx="1097280" cy="457200"/>
+          </a:xfrm>
+          <a:prstGeom prst="rect">
+            <a:avLst/>
+          </a:prstGeom>
+          <a:solidFill>
+            <a:srgbClr val="E83E8C"/>
+          </a:solidFill>
+          <a:ln w="3175">
+            <a:noFill/>
+          </a:ln>
+        </p:spPr>
+        <p:style>
+          <a:lnRef idx="2">
+            <a:schemeClr val="accent1">
+              <a:shade val="50000"/>
+            </a:schemeClr>
+          </a:lnRef>
+          <a:fillRef idx="1">
+            <a:schemeClr val="accent1"/>
+          </a:fillRef>
+          <a:effectRef idx="0">
+            <a:schemeClr val="accent1"/>
+          </a:effectRef>
+          <a:fontRef idx="minor">
+            <a:schemeClr val="lt1"/>
+          </a:fontRef>
+        </p:style>
+        <p:txBody>
+          <a:bodyPr rtlCol="0" anchor="ctr"/>
+          <a:lstStyle/>
+          <a:p>
+            <a:pPr algn="ctr"/>
+            <a:r>
+              <a:rPr lang="en-US" sz="1400" dirty="0">
+                <a:solidFill>
+                  <a:schemeClr val="tx1"/>
+                </a:solidFill>
+              </a:rPr>
+              <a:t>#e83e8c</a:t>
+            </a:r>
+          </a:p>
+        </p:txBody>
+      </p:sp>
+      <p:sp>
+        <p:nvSpPr>
+          <p:cNvPr id="73" name="Rectangle 72">
+            <a:extLst>
+              <a:ext uri="{FF2B5EF4-FFF2-40B4-BE49-F238E27FC236}">
+                <a16:creationId xmlns:a16="http://schemas.microsoft.com/office/drawing/2014/main" id="{CE8AE2DA-A39D-43AE-9EED-CA681CF1A6DD}"/>
+              </a:ext>
+            </a:extLst>
+          </p:cNvPr>
+          <p:cNvSpPr/>
+          <p:nvPr/>
+        </p:nvSpPr>
+        <p:spPr>
+          <a:xfrm>
+            <a:off x="5547360" y="2299996"/>
+            <a:ext cx="1097280" cy="457200"/>
+          </a:xfrm>
+          <a:prstGeom prst="rect">
+            <a:avLst/>
+          </a:prstGeom>
+          <a:solidFill>
+            <a:srgbClr val="DC3545"/>
+          </a:solidFill>
+          <a:ln w="3175">
+            <a:noFill/>
+          </a:ln>
+        </p:spPr>
+        <p:style>
+          <a:lnRef idx="2">
+            <a:schemeClr val="accent1">
+              <a:shade val="50000"/>
+            </a:schemeClr>
+          </a:lnRef>
+          <a:fillRef idx="1">
+            <a:schemeClr val="accent1"/>
+          </a:fillRef>
+          <a:effectRef idx="0">
+            <a:schemeClr val="accent1"/>
+          </a:effectRef>
+          <a:fontRef idx="minor">
+            <a:schemeClr val="lt1"/>
+          </a:fontRef>
+        </p:style>
+        <p:txBody>
+          <a:bodyPr rtlCol="0" anchor="ctr"/>
+          <a:lstStyle/>
+          <a:p>
+            <a:pPr algn="ctr"/>
+            <a:r>
+              <a:rPr lang="en-US" sz="1400" dirty="0">
+                <a:solidFill>
+                  <a:schemeClr val="tx1"/>
+                </a:solidFill>
+              </a:rPr>
+              <a:t>#dc3545</a:t>
+            </a:r>
+          </a:p>
+        </p:txBody>
+      </p:sp>
+      <p:sp>
+        <p:nvSpPr>
+          <p:cNvPr id="75" name="Rectangle 74">
+            <a:extLst>
+              <a:ext uri="{FF2B5EF4-FFF2-40B4-BE49-F238E27FC236}">
+                <a16:creationId xmlns:a16="http://schemas.microsoft.com/office/drawing/2014/main" id="{C8FC4F28-739A-43E3-B3DD-C1D573BB9BEF}"/>
+              </a:ext>
+            </a:extLst>
+          </p:cNvPr>
+          <p:cNvSpPr/>
+          <p:nvPr/>
+        </p:nvSpPr>
+        <p:spPr>
+          <a:xfrm>
+            <a:off x="5547360" y="2757196"/>
+            <a:ext cx="1097280" cy="457200"/>
+          </a:xfrm>
+          <a:prstGeom prst="rect">
+            <a:avLst/>
+          </a:prstGeom>
+          <a:solidFill>
+            <a:srgbClr val="FD7E14"/>
+          </a:solidFill>
+          <a:ln w="3175">
+            <a:noFill/>
+          </a:ln>
+        </p:spPr>
+        <p:style>
+          <a:lnRef idx="2">
+            <a:schemeClr val="accent1">
+              <a:shade val="50000"/>
+            </a:schemeClr>
+          </a:lnRef>
+          <a:fillRef idx="1">
+            <a:schemeClr val="accent1"/>
+          </a:fillRef>
+          <a:effectRef idx="0">
+            <a:schemeClr val="accent1"/>
+          </a:effectRef>
+          <a:fontRef idx="minor">
+            <a:schemeClr val="lt1"/>
+          </a:fontRef>
+        </p:style>
+        <p:txBody>
+          <a:bodyPr rtlCol="0" anchor="ctr"/>
+          <a:lstStyle/>
+          <a:p>
+            <a:pPr algn="ctr"/>
+            <a:r>
+              <a:rPr lang="en-US" sz="1400" dirty="0">
+                <a:solidFill>
+                  <a:schemeClr val="tx1"/>
+                </a:solidFill>
+              </a:rPr>
+              <a:t>#fd7e14</a:t>
+            </a:r>
+          </a:p>
+        </p:txBody>
+      </p:sp>
+      <p:sp>
+        <p:nvSpPr>
+          <p:cNvPr id="77" name="Rectangle 76">
+            <a:extLst>
+              <a:ext uri="{FF2B5EF4-FFF2-40B4-BE49-F238E27FC236}">
+                <a16:creationId xmlns:a16="http://schemas.microsoft.com/office/drawing/2014/main" id="{37F64581-2252-4159-AAB1-3C91EDEEE0F4}"/>
+              </a:ext>
+            </a:extLst>
+          </p:cNvPr>
+          <p:cNvSpPr/>
+          <p:nvPr/>
+        </p:nvSpPr>
+        <p:spPr>
+          <a:xfrm>
+            <a:off x="5547360" y="3214396"/>
+            <a:ext cx="1097280" cy="457200"/>
+          </a:xfrm>
+          <a:prstGeom prst="rect">
+            <a:avLst/>
+          </a:prstGeom>
+          <a:solidFill>
+            <a:srgbClr val="FFC107"/>
+          </a:solidFill>
+          <a:ln w="3175">
+            <a:noFill/>
+          </a:ln>
+        </p:spPr>
+        <p:style>
+          <a:lnRef idx="2">
+            <a:schemeClr val="accent1">
+              <a:shade val="50000"/>
+            </a:schemeClr>
+          </a:lnRef>
+          <a:fillRef idx="1">
+            <a:schemeClr val="accent1"/>
+          </a:fillRef>
+          <a:effectRef idx="0">
+            <a:schemeClr val="accent1"/>
+          </a:effectRef>
+          <a:fontRef idx="minor">
+            <a:schemeClr val="lt1"/>
+          </a:fontRef>
+        </p:style>
+        <p:txBody>
+          <a:bodyPr rtlCol="0" anchor="ctr"/>
+          <a:lstStyle/>
+          <a:p>
+            <a:pPr algn="ctr"/>
+            <a:r>
+              <a:rPr lang="en-US" sz="1400" dirty="0">
+                <a:solidFill>
+                  <a:schemeClr val="bg1"/>
+                </a:solidFill>
+              </a:rPr>
+              <a:t>#ffc107</a:t>
+            </a:r>
+          </a:p>
+        </p:txBody>
+      </p:sp>
+      <p:sp>
+        <p:nvSpPr>
+          <p:cNvPr id="79" name="Rectangle 78">
+            <a:extLst>
+              <a:ext uri="{FF2B5EF4-FFF2-40B4-BE49-F238E27FC236}">
+                <a16:creationId xmlns:a16="http://schemas.microsoft.com/office/drawing/2014/main" id="{D029D9AD-2AE1-47EC-BD71-21DE34437228}"/>
+              </a:ext>
+            </a:extLst>
+          </p:cNvPr>
+          <p:cNvSpPr/>
+          <p:nvPr/>
+        </p:nvSpPr>
+        <p:spPr>
+          <a:xfrm>
+            <a:off x="5547360" y="3671596"/>
+            <a:ext cx="1097280" cy="457200"/>
+          </a:xfrm>
+          <a:prstGeom prst="rect">
+            <a:avLst/>
+          </a:prstGeom>
+          <a:solidFill>
+            <a:srgbClr val="28A745"/>
+          </a:solidFill>
+          <a:ln w="3175">
+            <a:noFill/>
+          </a:ln>
+        </p:spPr>
+        <p:style>
+          <a:lnRef idx="2">
+            <a:schemeClr val="accent1">
+              <a:shade val="50000"/>
+            </a:schemeClr>
+          </a:lnRef>
+          <a:fillRef idx="1">
+            <a:schemeClr val="accent1"/>
+          </a:fillRef>
+          <a:effectRef idx="0">
+            <a:schemeClr val="accent1"/>
+          </a:effectRef>
+          <a:fontRef idx="minor">
+            <a:schemeClr val="lt1"/>
+          </a:fontRef>
+        </p:style>
+        <p:txBody>
+          <a:bodyPr rtlCol="0" anchor="ctr"/>
+          <a:lstStyle/>
+          <a:p>
+            <a:pPr algn="ctr"/>
+            <a:r>
+              <a:rPr lang="en-US" sz="1400" dirty="0">
+                <a:solidFill>
+                  <a:schemeClr val="bg1"/>
+                </a:solidFill>
+              </a:rPr>
+              <a:t>#28a745</a:t>
+            </a:r>
+          </a:p>
+        </p:txBody>
+      </p:sp>
+      <p:sp>
+        <p:nvSpPr>
+          <p:cNvPr id="81" name="Rectangle 80">
+            <a:extLst>
+              <a:ext uri="{FF2B5EF4-FFF2-40B4-BE49-F238E27FC236}">
+                <a16:creationId xmlns:a16="http://schemas.microsoft.com/office/drawing/2014/main" id="{0F5A8A8E-7270-49C6-9FE4-F005F95F1661}"/>
+              </a:ext>
+            </a:extLst>
+          </p:cNvPr>
+          <p:cNvSpPr/>
+          <p:nvPr/>
+        </p:nvSpPr>
+        <p:spPr>
+          <a:xfrm>
+            <a:off x="5547360" y="4128796"/>
+            <a:ext cx="1097280" cy="457200"/>
+          </a:xfrm>
+          <a:prstGeom prst="rect">
+            <a:avLst/>
+          </a:prstGeom>
+          <a:solidFill>
+            <a:srgbClr val="20C997"/>
+          </a:solidFill>
+          <a:ln w="3175">
+            <a:noFill/>
+          </a:ln>
+        </p:spPr>
+        <p:style>
+          <a:lnRef idx="2">
+            <a:schemeClr val="accent1">
+              <a:shade val="50000"/>
+            </a:schemeClr>
+          </a:lnRef>
+          <a:fillRef idx="1">
+            <a:schemeClr val="accent1"/>
+          </a:fillRef>
+          <a:effectRef idx="0">
+            <a:schemeClr val="accent1"/>
+          </a:effectRef>
+          <a:fontRef idx="minor">
+            <a:schemeClr val="lt1"/>
+          </a:fontRef>
+        </p:style>
+        <p:txBody>
+          <a:bodyPr rtlCol="0" anchor="ctr"/>
+          <a:lstStyle/>
+          <a:p>
+            <a:pPr algn="ctr"/>
+            <a:r>
+              <a:rPr lang="en-US" sz="1400" dirty="0">
+                <a:solidFill>
+                  <a:schemeClr val="bg1"/>
+                </a:solidFill>
+              </a:rPr>
+              <a:t>#20c997</a:t>
+            </a:r>
+          </a:p>
+        </p:txBody>
+      </p:sp>
+      <p:sp>
+        <p:nvSpPr>
+          <p:cNvPr id="83" name="Rectangle 82">
+            <a:extLst>
+              <a:ext uri="{FF2B5EF4-FFF2-40B4-BE49-F238E27FC236}">
+                <a16:creationId xmlns:a16="http://schemas.microsoft.com/office/drawing/2014/main" id="{C0A32E8C-EEC1-441D-9EF0-918D2B66450B}"/>
+              </a:ext>
+            </a:extLst>
+          </p:cNvPr>
+          <p:cNvSpPr/>
+          <p:nvPr/>
+        </p:nvSpPr>
+        <p:spPr>
+          <a:xfrm>
+            <a:off x="5547360" y="4585996"/>
+            <a:ext cx="1097280" cy="457200"/>
+          </a:xfrm>
+          <a:prstGeom prst="rect">
+            <a:avLst/>
+          </a:prstGeom>
+          <a:solidFill>
+            <a:srgbClr val="17A2B8"/>
+          </a:solidFill>
+          <a:ln w="3175">
+            <a:noFill/>
+          </a:ln>
+        </p:spPr>
+        <p:style>
+          <a:lnRef idx="2">
+            <a:schemeClr val="accent1">
+              <a:shade val="50000"/>
+            </a:schemeClr>
+          </a:lnRef>
+          <a:fillRef idx="1">
+            <a:schemeClr val="accent1"/>
+          </a:fillRef>
+          <a:effectRef idx="0">
+            <a:schemeClr val="accent1"/>
+          </a:effectRef>
+          <a:fontRef idx="minor">
+            <a:schemeClr val="lt1"/>
+          </a:fontRef>
+        </p:style>
+        <p:txBody>
+          <a:bodyPr rtlCol="0" anchor="ctr"/>
+          <a:lstStyle/>
+          <a:p>
+            <a:pPr algn="ctr"/>
+            <a:r>
+              <a:rPr lang="en-US" sz="1400" dirty="0">
+                <a:solidFill>
+                  <a:schemeClr val="bg1"/>
+                </a:solidFill>
+              </a:rPr>
+              <a:t>#17a2b8</a:t>
+            </a:r>
+          </a:p>
+        </p:txBody>
+      </p:sp>
+      <p:sp>
+        <p:nvSpPr>
+          <p:cNvPr id="85" name="Rectangle 84">
+            <a:extLst>
+              <a:ext uri="{FF2B5EF4-FFF2-40B4-BE49-F238E27FC236}">
+                <a16:creationId xmlns:a16="http://schemas.microsoft.com/office/drawing/2014/main" id="{D63B30C3-A4AC-449E-8B70-FA8A9DC7F893}"/>
+              </a:ext>
+            </a:extLst>
+          </p:cNvPr>
+          <p:cNvSpPr/>
+          <p:nvPr/>
+        </p:nvSpPr>
+        <p:spPr>
+          <a:xfrm>
+            <a:off x="10207855" y="4450702"/>
+            <a:ext cx="914400" cy="457200"/>
+          </a:xfrm>
+          <a:prstGeom prst="rect">
+            <a:avLst/>
+          </a:prstGeom>
+          <a:solidFill>
+            <a:srgbClr val="3A6357"/>
+          </a:solidFill>
+          <a:ln>
+            <a:noFill/>
+          </a:ln>
+        </p:spPr>
+        <p:style>
+          <a:lnRef idx="2">
+            <a:schemeClr val="accent1">
+              <a:shade val="50000"/>
+            </a:schemeClr>
+          </a:lnRef>
+          <a:fillRef idx="1">
+            <a:schemeClr val="accent1"/>
+          </a:fillRef>
+          <a:effectRef idx="0">
+            <a:schemeClr val="accent1"/>
+          </a:effectRef>
+          <a:fontRef idx="minor">
+            <a:schemeClr val="lt1"/>
+          </a:fontRef>
+        </p:style>
+        <p:txBody>
+          <a:bodyPr rtlCol="0" anchor="ctr"/>
+          <a:lstStyle/>
+          <a:p>
+            <a:pPr algn="ctr"/>
+            <a:r>
+              <a:rPr lang="en-US" sz="1400" dirty="0">
+                <a:solidFill>
+                  <a:schemeClr val="bg1"/>
+                </a:solidFill>
+              </a:rPr>
+              <a:t>#3A6357</a:t>
+            </a:r>
+          </a:p>
+        </p:txBody>
+      </p:sp>
+      <p:sp>
+        <p:nvSpPr>
+          <p:cNvPr id="87" name="Rectangle 86">
+            <a:extLst>
+              <a:ext uri="{FF2B5EF4-FFF2-40B4-BE49-F238E27FC236}">
+                <a16:creationId xmlns:a16="http://schemas.microsoft.com/office/drawing/2014/main" id="{16E8582A-FE44-46EA-B392-6411C08F7883}"/>
+              </a:ext>
+            </a:extLst>
+          </p:cNvPr>
+          <p:cNvSpPr/>
+          <p:nvPr/>
+        </p:nvSpPr>
+        <p:spPr>
+          <a:xfrm>
+            <a:off x="10278255" y="5080518"/>
+            <a:ext cx="914400" cy="457200"/>
+          </a:xfrm>
+          <a:prstGeom prst="rect">
+            <a:avLst/>
+          </a:prstGeom>
+          <a:solidFill>
+            <a:srgbClr val="577B7F"/>
+          </a:solidFill>
+          <a:ln>
+            <a:noFill/>
+          </a:ln>
+        </p:spPr>
+        <p:style>
+          <a:lnRef idx="2">
+            <a:schemeClr val="accent1">
+              <a:shade val="50000"/>
+            </a:schemeClr>
+          </a:lnRef>
+          <a:fillRef idx="1">
+            <a:schemeClr val="accent1"/>
+          </a:fillRef>
+          <a:effectRef idx="0">
+            <a:schemeClr val="accent1"/>
+          </a:effectRef>
+          <a:fontRef idx="minor">
+            <a:schemeClr val="lt1"/>
+          </a:fontRef>
+        </p:style>
+        <p:txBody>
+          <a:bodyPr rtlCol="0" anchor="ctr"/>
+          <a:lstStyle/>
+          <a:p>
+            <a:pPr algn="ctr"/>
+            <a:r>
+              <a:rPr lang="en-US" sz="1400" dirty="0">
+                <a:solidFill>
+                  <a:schemeClr val="bg1"/>
+                </a:solidFill>
+              </a:rPr>
+              <a:t>#577B7F</a:t>
+            </a:r>
+          </a:p>
+        </p:txBody>
+      </p:sp>
+      <p:sp>
+        <p:nvSpPr>
+          <p:cNvPr id="99" name="Rectangle 98">
+            <a:extLst>
+              <a:ext uri="{FF2B5EF4-FFF2-40B4-BE49-F238E27FC236}">
+                <a16:creationId xmlns:a16="http://schemas.microsoft.com/office/drawing/2014/main" id="{01813734-714C-425A-9799-BBADCB11A7FF}"/>
+              </a:ext>
+            </a:extLst>
+          </p:cNvPr>
+          <p:cNvSpPr/>
+          <p:nvPr/>
+        </p:nvSpPr>
+        <p:spPr>
+          <a:xfrm>
+            <a:off x="6643324" y="471196"/>
+            <a:ext cx="1097280" cy="457200"/>
+          </a:xfrm>
+          <a:prstGeom prst="rect">
+            <a:avLst/>
+          </a:prstGeom>
+          <a:solidFill>
+            <a:srgbClr val="008CBA"/>
+          </a:solidFill>
+          <a:ln w="3175">
+            <a:noFill/>
+          </a:ln>
+        </p:spPr>
+        <p:style>
+          <a:lnRef idx="2">
+            <a:schemeClr val="accent1">
+              <a:shade val="50000"/>
+            </a:schemeClr>
+          </a:lnRef>
+          <a:fillRef idx="1">
+            <a:schemeClr val="accent1"/>
+          </a:fillRef>
+          <a:effectRef idx="0">
+            <a:schemeClr val="accent1"/>
+          </a:effectRef>
+          <a:fontRef idx="minor">
+            <a:schemeClr val="lt1"/>
+          </a:fontRef>
+        </p:style>
+        <p:txBody>
+          <a:bodyPr rtlCol="0" anchor="ctr"/>
+          <a:lstStyle/>
+          <a:p>
+            <a:pPr algn="ctr"/>
+            <a:r>
+              <a:rPr lang="en-US" sz="1400" dirty="0">
+                <a:solidFill>
+                  <a:schemeClr val="tx1"/>
+                </a:solidFill>
+              </a:rPr>
+              <a:t>#008cba</a:t>
+            </a:r>
+          </a:p>
+        </p:txBody>
+      </p:sp>
+      <p:sp>
+        <p:nvSpPr>
+          <p:cNvPr id="101" name="Rectangle 100">
+            <a:extLst>
+              <a:ext uri="{FF2B5EF4-FFF2-40B4-BE49-F238E27FC236}">
+                <a16:creationId xmlns:a16="http://schemas.microsoft.com/office/drawing/2014/main" id="{B8077CAA-2E60-4DF0-8734-009D5976A11F}"/>
+              </a:ext>
+            </a:extLst>
+          </p:cNvPr>
+          <p:cNvSpPr/>
+          <p:nvPr/>
+        </p:nvSpPr>
+        <p:spPr>
+          <a:xfrm>
+            <a:off x="7864594" y="457200"/>
+            <a:ext cx="1097280" cy="457200"/>
+          </a:xfrm>
+          <a:prstGeom prst="rect">
+            <a:avLst/>
+          </a:prstGeom>
+          <a:solidFill>
+            <a:srgbClr val="3498DB"/>
+          </a:solidFill>
+          <a:ln w="3175">
+            <a:noFill/>
+          </a:ln>
+        </p:spPr>
+        <p:style>
+          <a:lnRef idx="2">
+            <a:schemeClr val="accent1">
+              <a:shade val="50000"/>
+            </a:schemeClr>
+          </a:lnRef>
+          <a:fillRef idx="1">
+            <a:schemeClr val="accent1"/>
+          </a:fillRef>
+          <a:effectRef idx="0">
+            <a:schemeClr val="accent1"/>
+          </a:effectRef>
+          <a:fontRef idx="minor">
+            <a:schemeClr val="lt1"/>
+          </a:fontRef>
+        </p:style>
+        <p:txBody>
+          <a:bodyPr rtlCol="0" anchor="ctr"/>
+          <a:lstStyle/>
+          <a:p>
+            <a:pPr algn="ctr"/>
+            <a:r>
+              <a:rPr lang="en-US" sz="1400" dirty="0">
+                <a:solidFill>
+                  <a:schemeClr val="bg1"/>
+                </a:solidFill>
+              </a:rPr>
+              <a:t>#3498db</a:t>
+            </a:r>
+          </a:p>
+        </p:txBody>
+      </p:sp>
+      <p:sp>
+        <p:nvSpPr>
+          <p:cNvPr id="105" name="Rectangle 104">
+            <a:extLst>
+              <a:ext uri="{FF2B5EF4-FFF2-40B4-BE49-F238E27FC236}">
+                <a16:creationId xmlns:a16="http://schemas.microsoft.com/office/drawing/2014/main" id="{CACCD731-39A8-4829-AF81-143EFC696DC0}"/>
+              </a:ext>
+            </a:extLst>
+          </p:cNvPr>
+          <p:cNvSpPr/>
+          <p:nvPr/>
+        </p:nvSpPr>
+        <p:spPr>
+          <a:xfrm>
+            <a:off x="6655456" y="4128796"/>
+            <a:ext cx="1097280" cy="457200"/>
+          </a:xfrm>
+          <a:prstGeom prst="rect">
+            <a:avLst/>
+          </a:prstGeom>
+          <a:solidFill>
+            <a:srgbClr val="18BC9C"/>
+          </a:solidFill>
+          <a:ln w="3175">
+            <a:noFill/>
+          </a:ln>
+        </p:spPr>
+        <p:style>
+          <a:lnRef idx="2">
+            <a:schemeClr val="accent1">
+              <a:shade val="50000"/>
+            </a:schemeClr>
+          </a:lnRef>
+          <a:fillRef idx="1">
+            <a:schemeClr val="accent1"/>
+          </a:fillRef>
+          <a:effectRef idx="0">
+            <a:schemeClr val="accent1"/>
+          </a:effectRef>
+          <a:fontRef idx="minor">
+            <a:schemeClr val="lt1"/>
+          </a:fontRef>
+        </p:style>
+        <p:txBody>
+          <a:bodyPr rtlCol="0" anchor="ctr"/>
+          <a:lstStyle/>
+          <a:p>
+            <a:pPr algn="ctr"/>
+            <a:r>
+              <a:rPr lang="en-US" sz="1400" dirty="0">
+                <a:solidFill>
+                  <a:schemeClr val="bg1"/>
+                </a:solidFill>
+              </a:rPr>
+              <a:t>#18bc9c</a:t>
+            </a:r>
+          </a:p>
+        </p:txBody>
+      </p:sp>
+      <p:sp>
+        <p:nvSpPr>
+          <p:cNvPr id="107" name="Rectangle 106">
+            <a:extLst>
+              <a:ext uri="{FF2B5EF4-FFF2-40B4-BE49-F238E27FC236}">
+                <a16:creationId xmlns:a16="http://schemas.microsoft.com/office/drawing/2014/main" id="{70980BAC-887E-4DE5-A9D5-9E05E4044730}"/>
+              </a:ext>
+            </a:extLst>
+          </p:cNvPr>
+          <p:cNvSpPr/>
+          <p:nvPr/>
+        </p:nvSpPr>
+        <p:spPr>
+          <a:xfrm>
+            <a:off x="6793028" y="2775857"/>
+            <a:ext cx="1097280" cy="457200"/>
+          </a:xfrm>
+          <a:prstGeom prst="rect">
+            <a:avLst/>
+          </a:prstGeom>
+          <a:solidFill>
+            <a:srgbClr val="F39C12"/>
+          </a:solidFill>
+          <a:ln w="3175">
+            <a:noFill/>
+          </a:ln>
+        </p:spPr>
+        <p:style>
+          <a:lnRef idx="2">
+            <a:schemeClr val="accent1">
+              <a:shade val="50000"/>
+            </a:schemeClr>
+          </a:lnRef>
+          <a:fillRef idx="1">
+            <a:schemeClr val="accent1"/>
+          </a:fillRef>
+          <a:effectRef idx="0">
+            <a:schemeClr val="accent1"/>
+          </a:effectRef>
+          <a:fontRef idx="minor">
+            <a:schemeClr val="lt1"/>
+          </a:fontRef>
+        </p:style>
+        <p:txBody>
+          <a:bodyPr rtlCol="0" anchor="ctr"/>
+          <a:lstStyle/>
+          <a:p>
+            <a:pPr algn="ctr"/>
+            <a:r>
+              <a:rPr lang="en-US" sz="1400" dirty="0">
+                <a:solidFill>
+                  <a:schemeClr val="tx1"/>
+                </a:solidFill>
+              </a:rPr>
+              <a:t>#f39c12</a:t>
+            </a:r>
+          </a:p>
+        </p:txBody>
+      </p:sp>
+      <p:sp>
+        <p:nvSpPr>
+          <p:cNvPr id="109" name="Rectangle 108">
+            <a:extLst>
+              <a:ext uri="{FF2B5EF4-FFF2-40B4-BE49-F238E27FC236}">
+                <a16:creationId xmlns:a16="http://schemas.microsoft.com/office/drawing/2014/main" id="{3FD5EE0D-FCFF-4B7A-8093-5854291DA967}"/>
+              </a:ext>
+            </a:extLst>
+          </p:cNvPr>
+          <p:cNvSpPr/>
+          <p:nvPr/>
+        </p:nvSpPr>
+        <p:spPr>
+          <a:xfrm>
+            <a:off x="6778000" y="2281335"/>
+            <a:ext cx="1097280" cy="457200"/>
+          </a:xfrm>
+          <a:prstGeom prst="rect">
+            <a:avLst/>
+          </a:prstGeom>
+          <a:solidFill>
+            <a:srgbClr val="E74C3C"/>
+          </a:solidFill>
+          <a:ln w="3175">
+            <a:noFill/>
+          </a:ln>
+        </p:spPr>
+        <p:style>
+          <a:lnRef idx="2">
+            <a:schemeClr val="accent1">
+              <a:shade val="50000"/>
+            </a:schemeClr>
+          </a:lnRef>
+          <a:fillRef idx="1">
+            <a:schemeClr val="accent1"/>
+          </a:fillRef>
+          <a:effectRef idx="0">
+            <a:schemeClr val="accent1"/>
+          </a:effectRef>
+          <a:fontRef idx="minor">
+            <a:schemeClr val="lt1"/>
+          </a:fontRef>
+        </p:style>
+        <p:txBody>
+          <a:bodyPr rtlCol="0" anchor="ctr"/>
+          <a:lstStyle/>
+          <a:p>
+            <a:pPr algn="ctr"/>
+            <a:r>
+              <a:rPr lang="en-US" sz="1400" dirty="0">
+                <a:solidFill>
+                  <a:schemeClr val="tx1"/>
+                </a:solidFill>
+              </a:rPr>
+              <a:t>#e74c3c</a:t>
+            </a:r>
+          </a:p>
+        </p:txBody>
+      </p:sp>
+      <p:sp>
+        <p:nvSpPr>
+          <p:cNvPr id="111" name="Rectangle 110">
+            <a:extLst>
+              <a:ext uri="{FF2B5EF4-FFF2-40B4-BE49-F238E27FC236}">
+                <a16:creationId xmlns:a16="http://schemas.microsoft.com/office/drawing/2014/main" id="{5BC5FFAE-27BB-4A86-9EFA-E21F026C5541}"/>
+              </a:ext>
+            </a:extLst>
+          </p:cNvPr>
+          <p:cNvSpPr/>
+          <p:nvPr/>
+        </p:nvSpPr>
+        <p:spPr>
+          <a:xfrm>
+            <a:off x="7881601" y="2281335"/>
+            <a:ext cx="1097280" cy="457200"/>
+          </a:xfrm>
+          <a:prstGeom prst="rect">
+            <a:avLst/>
+          </a:prstGeom>
+          <a:solidFill>
+            <a:srgbClr val="D9230F"/>
+          </a:solidFill>
+          <a:ln w="3175">
+            <a:noFill/>
+          </a:ln>
+        </p:spPr>
+        <p:style>
+          <a:lnRef idx="2">
+            <a:schemeClr val="accent1">
+              <a:shade val="50000"/>
+            </a:schemeClr>
+          </a:lnRef>
+          <a:fillRef idx="1">
+            <a:schemeClr val="accent1"/>
+          </a:fillRef>
+          <a:effectRef idx="0">
+            <a:schemeClr val="accent1"/>
+          </a:effectRef>
+          <a:fontRef idx="minor">
+            <a:schemeClr val="lt1"/>
+          </a:fontRef>
+        </p:style>
+        <p:txBody>
+          <a:bodyPr rtlCol="0" anchor="ctr"/>
+          <a:lstStyle/>
+          <a:p>
+            <a:pPr algn="ctr"/>
+            <a:r>
+              <a:rPr lang="en-US" sz="1400" dirty="0">
+                <a:solidFill>
+                  <a:schemeClr val="tx1"/>
+                </a:solidFill>
+              </a:rPr>
+              <a:t>#d9230f</a:t>
+            </a:r>
+          </a:p>
+        </p:txBody>
+      </p:sp>
+      <p:sp>
+        <p:nvSpPr>
+          <p:cNvPr id="113" name="Rectangle 112">
+            <a:extLst>
+              <a:ext uri="{FF2B5EF4-FFF2-40B4-BE49-F238E27FC236}">
+                <a16:creationId xmlns:a16="http://schemas.microsoft.com/office/drawing/2014/main" id="{76540EAD-1521-43C0-8355-8CFE5061FE22}"/>
+              </a:ext>
+            </a:extLst>
+          </p:cNvPr>
+          <p:cNvSpPr/>
+          <p:nvPr/>
+        </p:nvSpPr>
+        <p:spPr>
+          <a:xfrm>
+            <a:off x="7909109" y="2775857"/>
+            <a:ext cx="1097280" cy="457200"/>
+          </a:xfrm>
+          <a:prstGeom prst="rect">
+            <a:avLst/>
+          </a:prstGeom>
+          <a:solidFill>
+            <a:srgbClr val="D9831F"/>
+          </a:solidFill>
+          <a:ln w="3175">
+            <a:noFill/>
+          </a:ln>
+        </p:spPr>
+        <p:style>
+          <a:lnRef idx="2">
+            <a:schemeClr val="accent1">
+              <a:shade val="50000"/>
+            </a:schemeClr>
+          </a:lnRef>
+          <a:fillRef idx="1">
+            <a:schemeClr val="accent1"/>
+          </a:fillRef>
+          <a:effectRef idx="0">
+            <a:schemeClr val="accent1"/>
+          </a:effectRef>
+          <a:fontRef idx="minor">
+            <a:schemeClr val="lt1"/>
+          </a:fontRef>
+        </p:style>
+        <p:txBody>
+          <a:bodyPr rtlCol="0" anchor="ctr"/>
+          <a:lstStyle/>
+          <a:p>
+            <a:pPr algn="ctr"/>
+            <a:r>
+              <a:rPr lang="en-US" sz="1400" dirty="0">
+                <a:solidFill>
+                  <a:schemeClr val="tx1"/>
+                </a:solidFill>
+              </a:rPr>
+              <a:t>#d9831f</a:t>
+            </a:r>
+          </a:p>
+        </p:txBody>
+      </p:sp>
+      <p:sp>
+        <p:nvSpPr>
+          <p:cNvPr id="115" name="Rectangle 114">
+            <a:extLst>
+              <a:ext uri="{FF2B5EF4-FFF2-40B4-BE49-F238E27FC236}">
+                <a16:creationId xmlns:a16="http://schemas.microsoft.com/office/drawing/2014/main" id="{1E0E4788-B0D2-4BE8-ABD9-B2DBCC8378C2}"/>
+              </a:ext>
+            </a:extLst>
+          </p:cNvPr>
+          <p:cNvSpPr/>
+          <p:nvPr/>
+        </p:nvSpPr>
+        <p:spPr>
+          <a:xfrm>
+            <a:off x="7724206" y="4147457"/>
+            <a:ext cx="1097280" cy="457200"/>
+          </a:xfrm>
+          <a:prstGeom prst="rect">
+            <a:avLst/>
+          </a:prstGeom>
+          <a:solidFill>
+            <a:srgbClr val="2AA198"/>
+          </a:solidFill>
+          <a:ln w="3175">
+            <a:noFill/>
+          </a:ln>
+        </p:spPr>
+        <p:style>
+          <a:lnRef idx="2">
+            <a:schemeClr val="accent1">
+              <a:shade val="50000"/>
+            </a:schemeClr>
+          </a:lnRef>
+          <a:fillRef idx="1">
+            <a:schemeClr val="accent1"/>
+          </a:fillRef>
+          <a:effectRef idx="0">
+            <a:schemeClr val="accent1"/>
+          </a:effectRef>
+          <a:fontRef idx="minor">
+            <a:schemeClr val="lt1"/>
+          </a:fontRef>
+        </p:style>
+        <p:txBody>
+          <a:bodyPr rtlCol="0" anchor="ctr"/>
+          <a:lstStyle/>
+          <a:p>
+            <a:pPr algn="ctr"/>
+            <a:r>
+              <a:rPr lang="en-US" sz="1400" dirty="0">
+                <a:solidFill>
+                  <a:schemeClr val="bg1"/>
+                </a:solidFill>
+              </a:rPr>
+              <a:t>#2aa198</a:t>
+            </a:r>
+          </a:p>
+        </p:txBody>
+      </p:sp>
+      <p:sp>
+        <p:nvSpPr>
+          <p:cNvPr id="119" name="Rectangle 118">
+            <a:extLst>
+              <a:ext uri="{FF2B5EF4-FFF2-40B4-BE49-F238E27FC236}">
+                <a16:creationId xmlns:a16="http://schemas.microsoft.com/office/drawing/2014/main" id="{8D49BADA-3A2C-440A-84E9-8E3088231CF5}"/>
+              </a:ext>
+            </a:extLst>
+          </p:cNvPr>
+          <p:cNvSpPr/>
+          <p:nvPr/>
+        </p:nvSpPr>
+        <p:spPr>
+          <a:xfrm>
+            <a:off x="8960558" y="457200"/>
+            <a:ext cx="1097280" cy="457200"/>
+          </a:xfrm>
+          <a:prstGeom prst="rect">
+            <a:avLst/>
+          </a:prstGeom>
+          <a:solidFill>
+            <a:srgbClr val="268BD2"/>
+          </a:solidFill>
+          <a:ln w="3175">
+            <a:noFill/>
+          </a:ln>
+        </p:spPr>
+        <p:style>
+          <a:lnRef idx="2">
+            <a:schemeClr val="accent1">
+              <a:shade val="50000"/>
+            </a:schemeClr>
+          </a:lnRef>
+          <a:fillRef idx="1">
+            <a:schemeClr val="accent1"/>
+          </a:fillRef>
+          <a:effectRef idx="0">
+            <a:schemeClr val="accent1"/>
+          </a:effectRef>
+          <a:fontRef idx="minor">
+            <a:schemeClr val="lt1"/>
+          </a:fontRef>
+        </p:style>
+        <p:txBody>
+          <a:bodyPr rtlCol="0" anchor="ctr"/>
+          <a:lstStyle/>
+          <a:p>
+            <a:pPr algn="ctr"/>
+            <a:r>
+              <a:rPr lang="en-US" sz="1400" dirty="0">
+                <a:solidFill>
+                  <a:schemeClr val="bg1"/>
+                </a:solidFill>
+              </a:rPr>
+              <a:t>#268bd2</a:t>
+            </a:r>
+          </a:p>
+        </p:txBody>
+      </p:sp>
+      <p:sp>
+        <p:nvSpPr>
+          <p:cNvPr id="121" name="Rectangle 120">
+            <a:extLst>
+              <a:ext uri="{FF2B5EF4-FFF2-40B4-BE49-F238E27FC236}">
+                <a16:creationId xmlns:a16="http://schemas.microsoft.com/office/drawing/2014/main" id="{31C6E285-53A7-4BD9-8D57-99259120F5E0}"/>
+              </a:ext>
+            </a:extLst>
+          </p:cNvPr>
+          <p:cNvSpPr/>
+          <p:nvPr/>
+        </p:nvSpPr>
+        <p:spPr>
+          <a:xfrm>
+            <a:off x="6650444" y="4585996"/>
+            <a:ext cx="1097280" cy="457200"/>
+          </a:xfrm>
+          <a:prstGeom prst="rect">
+            <a:avLst/>
+          </a:prstGeom>
+          <a:solidFill>
+            <a:srgbClr val="169299"/>
+          </a:solidFill>
+          <a:ln w="3175">
+            <a:noFill/>
+          </a:ln>
+        </p:spPr>
+        <p:style>
+          <a:lnRef idx="2">
+            <a:schemeClr val="accent1">
+              <a:shade val="50000"/>
+            </a:schemeClr>
+          </a:lnRef>
+          <a:fillRef idx="1">
+            <a:schemeClr val="accent1"/>
+          </a:fillRef>
+          <a:effectRef idx="0">
+            <a:schemeClr val="accent1"/>
+          </a:effectRef>
+          <a:fontRef idx="minor">
+            <a:schemeClr val="lt1"/>
+          </a:fontRef>
+        </p:style>
+        <p:txBody>
+          <a:bodyPr rtlCol="0" anchor="ctr"/>
+          <a:lstStyle/>
+          <a:p>
+            <a:pPr algn="ctr"/>
+            <a:r>
+              <a:rPr lang="en-US" sz="1400" dirty="0">
+                <a:solidFill>
+                  <a:schemeClr val="bg1"/>
+                </a:solidFill>
+              </a:rPr>
+              <a:t>#169299</a:t>
+            </a:r>
+          </a:p>
+        </p:txBody>
+      </p:sp>
+      <p:sp>
+        <p:nvSpPr>
+          <p:cNvPr id="123" name="Rectangle 122">
+            <a:extLst>
+              <a:ext uri="{FF2B5EF4-FFF2-40B4-BE49-F238E27FC236}">
+                <a16:creationId xmlns:a16="http://schemas.microsoft.com/office/drawing/2014/main" id="{604679B7-33B0-4DFC-B15B-5C0B62875099}"/>
+              </a:ext>
+            </a:extLst>
+          </p:cNvPr>
+          <p:cNvSpPr/>
+          <p:nvPr/>
+        </p:nvSpPr>
+        <p:spPr>
+          <a:xfrm>
+            <a:off x="7722566" y="4585996"/>
+            <a:ext cx="1097280" cy="457200"/>
+          </a:xfrm>
+          <a:prstGeom prst="rect">
+            <a:avLst/>
+          </a:prstGeom>
+          <a:solidFill>
+            <a:srgbClr val="127D8B"/>
+          </a:solidFill>
+          <a:ln w="3175">
+            <a:noFill/>
+          </a:ln>
+        </p:spPr>
+        <p:style>
+          <a:lnRef idx="2">
+            <a:schemeClr val="accent1">
+              <a:shade val="50000"/>
+            </a:schemeClr>
+          </a:lnRef>
+          <a:fillRef idx="1">
+            <a:schemeClr val="accent1"/>
+          </a:fillRef>
+          <a:effectRef idx="0">
+            <a:schemeClr val="accent1"/>
+          </a:effectRef>
+          <a:fontRef idx="minor">
+            <a:schemeClr val="lt1"/>
+          </a:fontRef>
+        </p:style>
+        <p:txBody>
+          <a:bodyPr rtlCol="0" anchor="ctr"/>
+          <a:lstStyle/>
+          <a:p>
+            <a:pPr algn="ctr"/>
+            <a:r>
+              <a:rPr lang="en-US" sz="1400" dirty="0">
+                <a:solidFill>
+                  <a:schemeClr val="bg1"/>
+                </a:solidFill>
+              </a:rPr>
+              <a:t>#127d8b</a:t>
+            </a:r>
+          </a:p>
+        </p:txBody>
+      </p:sp>
+      <p:sp>
+        <p:nvSpPr>
+          <p:cNvPr id="125" name="Rectangle 124">
+            <a:extLst>
+              <a:ext uri="{FF2B5EF4-FFF2-40B4-BE49-F238E27FC236}">
+                <a16:creationId xmlns:a16="http://schemas.microsoft.com/office/drawing/2014/main" id="{32CB14B1-0E9C-410A-9473-FE077BADD98C}"/>
+              </a:ext>
+            </a:extLst>
+          </p:cNvPr>
+          <p:cNvSpPr/>
+          <p:nvPr/>
+        </p:nvSpPr>
+        <p:spPr>
+          <a:xfrm>
+            <a:off x="9296446" y="4147457"/>
+            <a:ext cx="1097280" cy="457200"/>
+          </a:xfrm>
+          <a:prstGeom prst="rect">
+            <a:avLst/>
+          </a:prstGeom>
+          <a:solidFill>
+            <a:srgbClr val="10AFAD"/>
+          </a:solidFill>
+          <a:ln w="3175">
+            <a:noFill/>
+          </a:ln>
+        </p:spPr>
+        <p:style>
+          <a:lnRef idx="2">
+            <a:schemeClr val="accent1">
+              <a:shade val="50000"/>
+            </a:schemeClr>
+          </a:lnRef>
+          <a:fillRef idx="1">
+            <a:schemeClr val="accent1"/>
+          </a:fillRef>
+          <a:effectRef idx="0">
+            <a:schemeClr val="accent1"/>
+          </a:effectRef>
+          <a:fontRef idx="minor">
+            <a:schemeClr val="lt1"/>
+          </a:fontRef>
+        </p:style>
+        <p:txBody>
+          <a:bodyPr rtlCol="0" anchor="ctr"/>
+          <a:lstStyle/>
+          <a:p>
+            <a:pPr algn="ctr"/>
+            <a:r>
+              <a:rPr lang="en-US" sz="1400" dirty="0">
+                <a:solidFill>
+                  <a:schemeClr val="bg1"/>
+                </a:solidFill>
+              </a:rPr>
+              <a:t>#10afad</a:t>
+            </a:r>
+          </a:p>
+        </p:txBody>
+      </p:sp>
+      <p:sp>
+        <p:nvSpPr>
+          <p:cNvPr id="127" name="Rectangle 126">
+            <a:extLst>
+              <a:ext uri="{FF2B5EF4-FFF2-40B4-BE49-F238E27FC236}">
+                <a16:creationId xmlns:a16="http://schemas.microsoft.com/office/drawing/2014/main" id="{6FAA0937-C393-4708-A9B1-83D2694CD49D}"/>
+              </a:ext>
+            </a:extLst>
+          </p:cNvPr>
+          <p:cNvSpPr/>
+          <p:nvPr/>
+        </p:nvSpPr>
+        <p:spPr>
+          <a:xfrm>
+            <a:off x="6666272" y="3685593"/>
+            <a:ext cx="1097280" cy="457200"/>
+          </a:xfrm>
+          <a:prstGeom prst="rect">
+            <a:avLst/>
+          </a:prstGeom>
+          <a:solidFill>
+            <a:srgbClr val="2E9350"/>
+          </a:solidFill>
+          <a:ln w="3175">
+            <a:noFill/>
+          </a:ln>
+        </p:spPr>
+        <p:style>
+          <a:lnRef idx="2">
+            <a:schemeClr val="accent1">
+              <a:shade val="50000"/>
+            </a:schemeClr>
+          </a:lnRef>
+          <a:fillRef idx="1">
+            <a:schemeClr val="accent1"/>
+          </a:fillRef>
+          <a:effectRef idx="0">
+            <a:schemeClr val="accent1"/>
+          </a:effectRef>
+          <a:fontRef idx="minor">
+            <a:schemeClr val="lt1"/>
+          </a:fontRef>
+        </p:style>
+        <p:txBody>
+          <a:bodyPr rtlCol="0" anchor="ctr"/>
+          <a:lstStyle/>
+          <a:p>
+            <a:pPr algn="ctr"/>
+            <a:r>
+              <a:rPr lang="en-US" sz="1400" dirty="0">
+                <a:solidFill>
+                  <a:schemeClr val="bg1"/>
+                </a:solidFill>
+              </a:rPr>
+              <a:t>#2E9350</a:t>
+            </a:r>
+          </a:p>
+        </p:txBody>
+      </p:sp>
+      <p:sp>
+        <p:nvSpPr>
+          <p:cNvPr id="129" name="Rectangle 128">
+            <a:extLst>
+              <a:ext uri="{FF2B5EF4-FFF2-40B4-BE49-F238E27FC236}">
+                <a16:creationId xmlns:a16="http://schemas.microsoft.com/office/drawing/2014/main" id="{C68AE289-8E47-4000-BF49-E5B0A51C38A7}"/>
+              </a:ext>
+            </a:extLst>
+          </p:cNvPr>
+          <p:cNvSpPr/>
+          <p:nvPr/>
+        </p:nvSpPr>
+        <p:spPr>
+          <a:xfrm>
+            <a:off x="7743879" y="3685592"/>
+            <a:ext cx="1097280" cy="457200"/>
+          </a:xfrm>
+          <a:prstGeom prst="rect">
+            <a:avLst/>
+          </a:prstGeom>
+          <a:solidFill>
+            <a:srgbClr val="43AC6A"/>
+          </a:solidFill>
+          <a:ln w="3175">
+            <a:noFill/>
+          </a:ln>
+        </p:spPr>
+        <p:style>
+          <a:lnRef idx="2">
+            <a:schemeClr val="accent1">
+              <a:shade val="50000"/>
+            </a:schemeClr>
+          </a:lnRef>
+          <a:fillRef idx="1">
+            <a:schemeClr val="accent1"/>
+          </a:fillRef>
+          <a:effectRef idx="0">
+            <a:schemeClr val="accent1"/>
+          </a:effectRef>
+          <a:fontRef idx="minor">
+            <a:schemeClr val="lt1"/>
+          </a:fontRef>
+        </p:style>
+        <p:txBody>
+          <a:bodyPr rtlCol="0" anchor="ctr"/>
+          <a:lstStyle/>
+          <a:p>
+            <a:pPr algn="ctr"/>
+            <a:r>
+              <a:rPr lang="en-US" sz="1400" dirty="0">
+                <a:solidFill>
+                  <a:schemeClr val="bg1"/>
+                </a:solidFill>
+              </a:rPr>
+              <a:t>#43ac6a</a:t>
+            </a:r>
+          </a:p>
+        </p:txBody>
+      </p:sp>
+      <p:sp>
+        <p:nvSpPr>
+          <p:cNvPr id="131" name="Rectangle 130">
+            <a:extLst>
+              <a:ext uri="{FF2B5EF4-FFF2-40B4-BE49-F238E27FC236}">
+                <a16:creationId xmlns:a16="http://schemas.microsoft.com/office/drawing/2014/main" id="{F11321C4-2508-4E23-AD6F-EB81FB38467E}"/>
+              </a:ext>
+            </a:extLst>
+          </p:cNvPr>
+          <p:cNvSpPr/>
+          <p:nvPr/>
+        </p:nvSpPr>
+        <p:spPr>
+          <a:xfrm>
+            <a:off x="9430761" y="2775857"/>
+            <a:ext cx="1097280" cy="457200"/>
+          </a:xfrm>
+          <a:prstGeom prst="rect">
+            <a:avLst/>
+          </a:prstGeom>
+          <a:solidFill>
+            <a:srgbClr val="E99002"/>
+          </a:solidFill>
+          <a:ln w="3175">
+            <a:noFill/>
+          </a:ln>
+        </p:spPr>
+        <p:style>
+          <a:lnRef idx="2">
+            <a:schemeClr val="accent1">
+              <a:shade val="50000"/>
+            </a:schemeClr>
+          </a:lnRef>
+          <a:fillRef idx="1">
+            <a:schemeClr val="accent1"/>
+          </a:fillRef>
+          <a:effectRef idx="0">
+            <a:schemeClr val="accent1"/>
+          </a:effectRef>
+          <a:fontRef idx="minor">
+            <a:schemeClr val="lt1"/>
+          </a:fontRef>
+        </p:style>
+        <p:txBody>
+          <a:bodyPr rtlCol="0" anchor="ctr"/>
+          <a:lstStyle/>
+          <a:p>
+            <a:pPr algn="ctr"/>
+            <a:r>
+              <a:rPr lang="en-US" sz="1400" dirty="0">
+                <a:solidFill>
+                  <a:schemeClr val="tx1"/>
+                </a:solidFill>
+              </a:rPr>
+              <a:t>#E99002</a:t>
+            </a:r>
+          </a:p>
+        </p:txBody>
+      </p:sp>
+      <p:sp>
+        <p:nvSpPr>
+          <p:cNvPr id="135" name="Rectangle 134">
+            <a:extLst>
+              <a:ext uri="{FF2B5EF4-FFF2-40B4-BE49-F238E27FC236}">
+                <a16:creationId xmlns:a16="http://schemas.microsoft.com/office/drawing/2014/main" id="{D08A4849-69B4-4538-96D3-9659A7419287}"/>
+              </a:ext>
+            </a:extLst>
+          </p:cNvPr>
+          <p:cNvSpPr/>
+          <p:nvPr/>
+        </p:nvSpPr>
+        <p:spPr>
+          <a:xfrm>
+            <a:off x="6663441" y="3191070"/>
+            <a:ext cx="1097280" cy="457200"/>
+          </a:xfrm>
+          <a:prstGeom prst="rect">
+            <a:avLst/>
+          </a:prstGeom>
+          <a:solidFill>
+            <a:srgbClr val="FBC043"/>
+          </a:solidFill>
+          <a:ln>
+            <a:noFill/>
+          </a:ln>
+        </p:spPr>
+        <p:style>
+          <a:lnRef idx="2">
+            <a:schemeClr val="accent1">
+              <a:shade val="50000"/>
+            </a:schemeClr>
+          </a:lnRef>
+          <a:fillRef idx="1">
+            <a:schemeClr val="accent1"/>
+          </a:fillRef>
+          <a:effectRef idx="0">
+            <a:schemeClr val="accent1"/>
+          </a:effectRef>
+          <a:fontRef idx="minor">
+            <a:schemeClr val="lt1"/>
+          </a:fontRef>
+        </p:style>
+        <p:txBody>
+          <a:bodyPr rtlCol="0" anchor="ctr"/>
+          <a:lstStyle/>
+          <a:p>
+            <a:pPr algn="ctr"/>
+            <a:r>
+              <a:rPr lang="en-US" sz="1400" dirty="0">
+                <a:solidFill>
+                  <a:schemeClr val="tx1"/>
+                </a:solidFill>
+              </a:rPr>
+              <a:t>#fbc043</a:t>
+            </a:r>
+          </a:p>
+        </p:txBody>
+      </p:sp>
+      <p:sp>
+        <p:nvSpPr>
+          <p:cNvPr id="139" name="Rectangle 138">
+            <a:extLst>
+              <a:ext uri="{FF2B5EF4-FFF2-40B4-BE49-F238E27FC236}">
+                <a16:creationId xmlns:a16="http://schemas.microsoft.com/office/drawing/2014/main" id="{36BAA776-824E-4C41-B140-6FA32D61E0FF}"/>
+              </a:ext>
+            </a:extLst>
+          </p:cNvPr>
+          <p:cNvSpPr/>
+          <p:nvPr/>
+        </p:nvSpPr>
+        <p:spPr>
+          <a:xfrm>
+            <a:off x="4358589" y="4585996"/>
+            <a:ext cx="1097280" cy="457200"/>
+          </a:xfrm>
+          <a:prstGeom prst="rect">
+            <a:avLst/>
+          </a:prstGeom>
+          <a:solidFill>
+            <a:srgbClr val="54D5EA"/>
+          </a:solidFill>
+          <a:ln w="3175">
+            <a:noFill/>
+          </a:ln>
+        </p:spPr>
+        <p:style>
+          <a:lnRef idx="2">
+            <a:schemeClr val="accent1">
+              <a:shade val="50000"/>
+            </a:schemeClr>
+          </a:lnRef>
+          <a:fillRef idx="1">
+            <a:schemeClr val="accent1"/>
+          </a:fillRef>
+          <a:effectRef idx="0">
+            <a:schemeClr val="accent1"/>
+          </a:effectRef>
+          <a:fontRef idx="minor">
+            <a:schemeClr val="lt1"/>
+          </a:fontRef>
+        </p:style>
+        <p:txBody>
+          <a:bodyPr rtlCol="0" anchor="ctr"/>
+          <a:lstStyle/>
+          <a:p>
+            <a:pPr algn="ctr"/>
+            <a:r>
+              <a:rPr lang="en-US" sz="1400" dirty="0">
+                <a:solidFill>
+                  <a:schemeClr val="tx1"/>
+                </a:solidFill>
+              </a:rPr>
+              <a:t>#54D5EA</a:t>
+            </a:r>
+          </a:p>
+        </p:txBody>
+      </p:sp>
+      <p:sp>
+        <p:nvSpPr>
+          <p:cNvPr id="141" name="Rectangle 140">
+            <a:extLst>
+              <a:ext uri="{FF2B5EF4-FFF2-40B4-BE49-F238E27FC236}">
+                <a16:creationId xmlns:a16="http://schemas.microsoft.com/office/drawing/2014/main" id="{6EE8B637-1F1F-42D7-924A-58A9632C6021}"/>
+              </a:ext>
+            </a:extLst>
+          </p:cNvPr>
+          <p:cNvSpPr/>
+          <p:nvPr/>
+        </p:nvSpPr>
+        <p:spPr>
+          <a:xfrm>
+            <a:off x="4359679" y="471196"/>
+            <a:ext cx="1097280" cy="457200"/>
+          </a:xfrm>
+          <a:prstGeom prst="rect">
+            <a:avLst/>
+          </a:prstGeom>
+          <a:solidFill>
+            <a:srgbClr val="2FA6FF"/>
+          </a:solidFill>
+          <a:ln w="3175">
+            <a:noFill/>
+          </a:ln>
+        </p:spPr>
+        <p:style>
+          <a:lnRef idx="2">
+            <a:schemeClr val="accent1">
+              <a:shade val="50000"/>
+            </a:schemeClr>
+          </a:lnRef>
+          <a:fillRef idx="1">
+            <a:schemeClr val="accent1"/>
+          </a:fillRef>
+          <a:effectRef idx="0">
+            <a:schemeClr val="accent1"/>
+          </a:effectRef>
+          <a:fontRef idx="minor">
+            <a:schemeClr val="lt1"/>
+          </a:fontRef>
+        </p:style>
+        <p:txBody>
+          <a:bodyPr rtlCol="0" anchor="ctr"/>
+          <a:lstStyle/>
+          <a:p>
+            <a:pPr algn="ctr"/>
+            <a:r>
+              <a:rPr lang="en-US" sz="1400" dirty="0">
+                <a:solidFill>
+                  <a:schemeClr val="tx1"/>
+                </a:solidFill>
+              </a:rPr>
+              <a:t>#007bff</a:t>
+            </a:r>
+          </a:p>
+        </p:txBody>
+      </p:sp>
+      <p:sp>
+        <p:nvSpPr>
+          <p:cNvPr id="143" name="Rectangle 142">
+            <a:extLst>
+              <a:ext uri="{FF2B5EF4-FFF2-40B4-BE49-F238E27FC236}">
+                <a16:creationId xmlns:a16="http://schemas.microsoft.com/office/drawing/2014/main" id="{F2DE0529-FB2C-43C6-B96E-DBFD34790D5A}"/>
+              </a:ext>
+            </a:extLst>
+          </p:cNvPr>
+          <p:cNvSpPr/>
+          <p:nvPr/>
+        </p:nvSpPr>
+        <p:spPr>
+          <a:xfrm>
+            <a:off x="4359679" y="928396"/>
+            <a:ext cx="1097280" cy="457200"/>
+          </a:xfrm>
+          <a:prstGeom prst="rect">
+            <a:avLst/>
+          </a:prstGeom>
+          <a:solidFill>
+            <a:srgbClr val="975CF6"/>
+          </a:solidFill>
+          <a:ln w="3175">
+            <a:noFill/>
+          </a:ln>
+        </p:spPr>
+        <p:style>
+          <a:lnRef idx="2">
+            <a:schemeClr val="accent1">
+              <a:shade val="50000"/>
+            </a:schemeClr>
+          </a:lnRef>
+          <a:fillRef idx="1">
+            <a:schemeClr val="accent1"/>
+          </a:fillRef>
+          <a:effectRef idx="0">
+            <a:schemeClr val="accent1"/>
+          </a:effectRef>
+          <a:fontRef idx="minor">
+            <a:schemeClr val="lt1"/>
+          </a:fontRef>
+        </p:style>
+        <p:txBody>
+          <a:bodyPr rtlCol="0" anchor="ctr"/>
+          <a:lstStyle/>
+          <a:p>
+            <a:pPr algn="ctr"/>
+            <a:r>
+              <a:rPr lang="en-US" sz="1400" dirty="0">
+                <a:solidFill>
+                  <a:schemeClr val="tx1"/>
+                </a:solidFill>
+              </a:rPr>
+              <a:t>#6610f2</a:t>
+            </a:r>
+          </a:p>
+        </p:txBody>
+      </p:sp>
+      <p:sp>
+        <p:nvSpPr>
+          <p:cNvPr id="145" name="Rectangle 144">
+            <a:extLst>
+              <a:ext uri="{FF2B5EF4-FFF2-40B4-BE49-F238E27FC236}">
+                <a16:creationId xmlns:a16="http://schemas.microsoft.com/office/drawing/2014/main" id="{330FF20E-9F2E-4543-853B-B7032E6A9F5A}"/>
+              </a:ext>
+            </a:extLst>
+          </p:cNvPr>
+          <p:cNvSpPr/>
+          <p:nvPr/>
+        </p:nvSpPr>
+        <p:spPr>
+          <a:xfrm>
+            <a:off x="4359679" y="1385596"/>
+            <a:ext cx="1097280" cy="457200"/>
+          </a:xfrm>
+          <a:prstGeom prst="rect">
+            <a:avLst/>
+          </a:prstGeom>
+          <a:solidFill>
+            <a:srgbClr val="A98EDA"/>
+          </a:solidFill>
+          <a:ln w="3175">
+            <a:noFill/>
+          </a:ln>
+        </p:spPr>
+        <p:style>
+          <a:lnRef idx="2">
+            <a:schemeClr val="accent1">
+              <a:shade val="50000"/>
+            </a:schemeClr>
+          </a:lnRef>
+          <a:fillRef idx="1">
+            <a:schemeClr val="accent1"/>
+          </a:fillRef>
+          <a:effectRef idx="0">
+            <a:schemeClr val="accent1"/>
+          </a:effectRef>
+          <a:fontRef idx="minor">
+            <a:schemeClr val="lt1"/>
+          </a:fontRef>
+        </p:style>
+        <p:txBody>
+          <a:bodyPr rtlCol="0" anchor="ctr"/>
+          <a:lstStyle/>
+          <a:p>
+            <a:pPr algn="ctr"/>
+            <a:r>
+              <a:rPr lang="en-US" sz="1400" dirty="0">
+                <a:solidFill>
+                  <a:schemeClr val="tx1"/>
+                </a:solidFill>
+              </a:rPr>
+              <a:t>#6f42c1</a:t>
+            </a:r>
+          </a:p>
+        </p:txBody>
+      </p:sp>
+      <p:sp>
+        <p:nvSpPr>
+          <p:cNvPr id="147" name="Rectangle 146">
+            <a:extLst>
+              <a:ext uri="{FF2B5EF4-FFF2-40B4-BE49-F238E27FC236}">
+                <a16:creationId xmlns:a16="http://schemas.microsoft.com/office/drawing/2014/main" id="{E214F287-20BD-4CF3-8B2D-F7D925BE4295}"/>
+              </a:ext>
+            </a:extLst>
+          </p:cNvPr>
+          <p:cNvSpPr/>
+          <p:nvPr/>
+        </p:nvSpPr>
+        <p:spPr>
+          <a:xfrm>
+            <a:off x="4359679" y="1842796"/>
+            <a:ext cx="1097280" cy="457200"/>
+          </a:xfrm>
+          <a:prstGeom prst="rect">
+            <a:avLst/>
+          </a:prstGeom>
+          <a:solidFill>
+            <a:srgbClr val="F33B5A"/>
+          </a:solidFill>
+          <a:ln w="3175">
+            <a:noFill/>
+          </a:ln>
+        </p:spPr>
+        <p:style>
+          <a:lnRef idx="2">
+            <a:schemeClr val="accent1">
+              <a:shade val="50000"/>
+            </a:schemeClr>
+          </a:lnRef>
+          <a:fillRef idx="1">
+            <a:schemeClr val="accent1"/>
+          </a:fillRef>
+          <a:effectRef idx="0">
+            <a:schemeClr val="accent1"/>
+          </a:effectRef>
+          <a:fontRef idx="minor">
+            <a:schemeClr val="lt1"/>
+          </a:fontRef>
+        </p:style>
+        <p:txBody>
+          <a:bodyPr rtlCol="0" anchor="ctr"/>
+          <a:lstStyle/>
+          <a:p>
+            <a:pPr algn="ctr"/>
+            <a:r>
+              <a:rPr lang="en-US" sz="1400" dirty="0">
+                <a:solidFill>
+                  <a:schemeClr val="tx1"/>
+                </a:solidFill>
+              </a:rPr>
+              <a:t>#e83e8c</a:t>
+            </a:r>
+          </a:p>
+        </p:txBody>
+      </p:sp>
+      <p:sp>
+        <p:nvSpPr>
+          <p:cNvPr id="149" name="Rectangle 148">
+            <a:extLst>
+              <a:ext uri="{FF2B5EF4-FFF2-40B4-BE49-F238E27FC236}">
+                <a16:creationId xmlns:a16="http://schemas.microsoft.com/office/drawing/2014/main" id="{376B3BC5-FC62-4DB3-B029-C420359C7631}"/>
+              </a:ext>
+            </a:extLst>
+          </p:cNvPr>
+          <p:cNvSpPr/>
+          <p:nvPr/>
+        </p:nvSpPr>
+        <p:spPr>
+          <a:xfrm>
+            <a:off x="4359679" y="2299996"/>
+            <a:ext cx="1097280" cy="457200"/>
+          </a:xfrm>
+          <a:prstGeom prst="rect">
+            <a:avLst/>
+          </a:prstGeom>
+          <a:solidFill>
+            <a:srgbClr val="C41E1E"/>
+          </a:solidFill>
+          <a:ln w="3175">
+            <a:noFill/>
+          </a:ln>
+        </p:spPr>
+        <p:style>
+          <a:lnRef idx="2">
+            <a:schemeClr val="accent1">
+              <a:shade val="50000"/>
+            </a:schemeClr>
+          </a:lnRef>
+          <a:fillRef idx="1">
+            <a:schemeClr val="accent1"/>
+          </a:fillRef>
+          <a:effectRef idx="0">
+            <a:schemeClr val="accent1"/>
+          </a:effectRef>
+          <a:fontRef idx="minor">
+            <a:schemeClr val="lt1"/>
+          </a:fontRef>
+        </p:style>
+        <p:txBody>
+          <a:bodyPr rtlCol="0" anchor="ctr"/>
+          <a:lstStyle/>
+          <a:p>
+            <a:pPr algn="ctr"/>
+            <a:r>
+              <a:rPr lang="en-US" sz="1400" dirty="0">
+                <a:solidFill>
+                  <a:schemeClr val="tx1"/>
+                </a:solidFill>
+              </a:rPr>
+              <a:t>#dc3545</a:t>
+            </a:r>
+          </a:p>
+        </p:txBody>
+      </p:sp>
+      <p:sp>
+        <p:nvSpPr>
+          <p:cNvPr id="151" name="Rectangle 150">
+            <a:extLst>
+              <a:ext uri="{FF2B5EF4-FFF2-40B4-BE49-F238E27FC236}">
+                <a16:creationId xmlns:a16="http://schemas.microsoft.com/office/drawing/2014/main" id="{15E68D25-EC7E-4F9B-BDB4-14FF6044925F}"/>
+              </a:ext>
+            </a:extLst>
+          </p:cNvPr>
+          <p:cNvSpPr/>
+          <p:nvPr/>
+        </p:nvSpPr>
+        <p:spPr>
+          <a:xfrm>
+            <a:off x="4359679" y="2757196"/>
+            <a:ext cx="1097280" cy="457200"/>
+          </a:xfrm>
+          <a:prstGeom prst="rect">
+            <a:avLst/>
+          </a:prstGeom>
+          <a:solidFill>
+            <a:srgbClr val="FEAF6E"/>
+          </a:solidFill>
+          <a:ln w="3175">
+            <a:noFill/>
+          </a:ln>
+        </p:spPr>
+        <p:style>
+          <a:lnRef idx="2">
+            <a:schemeClr val="accent1">
+              <a:shade val="50000"/>
+            </a:schemeClr>
+          </a:lnRef>
+          <a:fillRef idx="1">
+            <a:schemeClr val="accent1"/>
+          </a:fillRef>
+          <a:effectRef idx="0">
+            <a:schemeClr val="accent1"/>
+          </a:effectRef>
+          <a:fontRef idx="minor">
+            <a:schemeClr val="lt1"/>
+          </a:fontRef>
+        </p:style>
+        <p:txBody>
+          <a:bodyPr rtlCol="0" anchor="ctr"/>
+          <a:lstStyle/>
+          <a:p>
+            <a:pPr algn="ctr"/>
+            <a:r>
+              <a:rPr lang="en-US" sz="1400" dirty="0">
+                <a:solidFill>
+                  <a:schemeClr val="tx1"/>
+                </a:solidFill>
+              </a:rPr>
+              <a:t>#fd7e14</a:t>
+            </a:r>
+          </a:p>
+        </p:txBody>
+      </p:sp>
+      <p:sp>
+        <p:nvSpPr>
+          <p:cNvPr id="153" name="Rectangle 152">
+            <a:extLst>
+              <a:ext uri="{FF2B5EF4-FFF2-40B4-BE49-F238E27FC236}">
+                <a16:creationId xmlns:a16="http://schemas.microsoft.com/office/drawing/2014/main" id="{09F722ED-F07A-40AD-8F4C-6D0F3CDA65FD}"/>
+              </a:ext>
+            </a:extLst>
+          </p:cNvPr>
+          <p:cNvSpPr/>
+          <p:nvPr/>
+        </p:nvSpPr>
+        <p:spPr>
+          <a:xfrm>
+            <a:off x="4359679" y="3214396"/>
+            <a:ext cx="1097280" cy="457200"/>
+          </a:xfrm>
+          <a:prstGeom prst="rect">
+            <a:avLst/>
+          </a:prstGeom>
+          <a:solidFill>
+            <a:srgbClr val="FFD869"/>
+          </a:solidFill>
+          <a:ln w="3175">
+            <a:noFill/>
+          </a:ln>
+        </p:spPr>
+        <p:style>
+          <a:lnRef idx="2">
+            <a:schemeClr val="accent1">
+              <a:shade val="50000"/>
+            </a:schemeClr>
+          </a:lnRef>
+          <a:fillRef idx="1">
+            <a:schemeClr val="accent1"/>
+          </a:fillRef>
+          <a:effectRef idx="0">
+            <a:schemeClr val="accent1"/>
+          </a:effectRef>
+          <a:fontRef idx="minor">
+            <a:schemeClr val="lt1"/>
+          </a:fontRef>
+        </p:style>
+        <p:txBody>
+          <a:bodyPr rtlCol="0" anchor="ctr"/>
+          <a:lstStyle/>
+          <a:p>
+            <a:pPr algn="ctr"/>
+            <a:r>
+              <a:rPr lang="en-US" sz="1400" dirty="0">
+                <a:solidFill>
+                  <a:schemeClr val="tx1"/>
+                </a:solidFill>
+              </a:rPr>
+              <a:t>#ffc107</a:t>
+            </a:r>
+          </a:p>
+        </p:txBody>
+      </p:sp>
+      <p:sp>
+        <p:nvSpPr>
+          <p:cNvPr id="155" name="Rectangle 154">
+            <a:extLst>
+              <a:ext uri="{FF2B5EF4-FFF2-40B4-BE49-F238E27FC236}">
+                <a16:creationId xmlns:a16="http://schemas.microsoft.com/office/drawing/2014/main" id="{FFB157C5-00E6-48D3-8E8C-F96A6670A501}"/>
+              </a:ext>
+            </a:extLst>
+          </p:cNvPr>
+          <p:cNvSpPr/>
+          <p:nvPr/>
+        </p:nvSpPr>
+        <p:spPr>
+          <a:xfrm>
+            <a:off x="4359679" y="3671596"/>
+            <a:ext cx="1097280" cy="457200"/>
+          </a:xfrm>
+          <a:prstGeom prst="rect">
+            <a:avLst/>
+          </a:prstGeom>
+          <a:solidFill>
+            <a:srgbClr val="53D572"/>
+          </a:solidFill>
+          <a:ln w="3175">
+            <a:noFill/>
+          </a:ln>
+        </p:spPr>
+        <p:style>
+          <a:lnRef idx="2">
+            <a:schemeClr val="accent1">
+              <a:shade val="50000"/>
+            </a:schemeClr>
+          </a:lnRef>
+          <a:fillRef idx="1">
+            <a:schemeClr val="accent1"/>
+          </a:fillRef>
+          <a:effectRef idx="0">
+            <a:schemeClr val="accent1"/>
+          </a:effectRef>
+          <a:fontRef idx="minor">
+            <a:schemeClr val="lt1"/>
+          </a:fontRef>
+        </p:style>
+        <p:txBody>
+          <a:bodyPr rtlCol="0" anchor="ctr"/>
+          <a:lstStyle/>
+          <a:p>
+            <a:pPr algn="ctr"/>
+            <a:r>
+              <a:rPr lang="en-US" sz="1400" dirty="0">
+                <a:solidFill>
+                  <a:schemeClr val="tx1"/>
+                </a:solidFill>
+              </a:rPr>
+              <a:t>#28a745</a:t>
+            </a:r>
+          </a:p>
+        </p:txBody>
+      </p:sp>
+      <p:sp>
+        <p:nvSpPr>
+          <p:cNvPr id="157" name="Rectangle 156">
+            <a:extLst>
+              <a:ext uri="{FF2B5EF4-FFF2-40B4-BE49-F238E27FC236}">
+                <a16:creationId xmlns:a16="http://schemas.microsoft.com/office/drawing/2014/main" id="{344D9B14-91F9-48F1-95E1-ECB6449B0B74}"/>
+              </a:ext>
+            </a:extLst>
+          </p:cNvPr>
+          <p:cNvSpPr/>
+          <p:nvPr/>
+        </p:nvSpPr>
+        <p:spPr>
+          <a:xfrm>
+            <a:off x="4359679" y="4128796"/>
+            <a:ext cx="1097280" cy="457200"/>
+          </a:xfrm>
+          <a:prstGeom prst="rect">
+            <a:avLst/>
+          </a:prstGeom>
+          <a:solidFill>
+            <a:srgbClr val="73E9C7"/>
+          </a:solidFill>
+          <a:ln w="3175">
+            <a:noFill/>
+          </a:ln>
+        </p:spPr>
+        <p:style>
+          <a:lnRef idx="2">
+            <a:schemeClr val="accent1">
+              <a:shade val="50000"/>
+            </a:schemeClr>
+          </a:lnRef>
+          <a:fillRef idx="1">
+            <a:schemeClr val="accent1"/>
+          </a:fillRef>
+          <a:effectRef idx="0">
+            <a:schemeClr val="accent1"/>
+          </a:effectRef>
+          <a:fontRef idx="minor">
+            <a:schemeClr val="lt1"/>
+          </a:fontRef>
+        </p:style>
+        <p:txBody>
+          <a:bodyPr rtlCol="0" anchor="ctr"/>
+          <a:lstStyle/>
+          <a:p>
+            <a:pPr algn="ctr"/>
+            <a:r>
+              <a:rPr lang="en-US" sz="1400" dirty="0">
+                <a:solidFill>
+                  <a:schemeClr val="tx1"/>
+                </a:solidFill>
+              </a:rPr>
+              <a:t>#20c997</a:t>
+            </a:r>
+          </a:p>
+        </p:txBody>
+      </p:sp>
+    </p:spTree>
+    <p:extLst>
+      <p:ext uri="{BB962C8B-B14F-4D97-AF65-F5344CB8AC3E}">
+        <p14:creationId xmlns:p14="http://schemas.microsoft.com/office/powerpoint/2010/main" val="3750590352"/>
       </p:ext>
     </p:extLst>
   </p:cSld>
